--- a/presentation_resources/spring-boot-demo-presentation.pptx
+++ b/presentation_resources/spring-boot-demo-presentation.pptx
@@ -6,19 +6,22 @@
     <p:sldMasterId id="2147483661" r:id="rId2"/>
   </p:sldMasterIdLst>
   <p:notesMasterIdLst>
-    <p:notesMasterId r:id="rId13"/>
+    <p:notesMasterId r:id="rId16"/>
   </p:notesMasterIdLst>
   <p:sldIdLst>
     <p:sldId id="256" r:id="rId3"/>
     <p:sldId id="257" r:id="rId4"/>
     <p:sldId id="258" r:id="rId5"/>
-    <p:sldId id="259" r:id="rId6"/>
-    <p:sldId id="260" r:id="rId7"/>
-    <p:sldId id="261" r:id="rId8"/>
-    <p:sldId id="262" r:id="rId9"/>
-    <p:sldId id="263" r:id="rId10"/>
-    <p:sldId id="264" r:id="rId11"/>
-    <p:sldId id="265" r:id="rId12"/>
+    <p:sldId id="266" r:id="rId6"/>
+    <p:sldId id="259" r:id="rId7"/>
+    <p:sldId id="260" r:id="rId8"/>
+    <p:sldId id="261" r:id="rId9"/>
+    <p:sldId id="262" r:id="rId10"/>
+    <p:sldId id="263" r:id="rId11"/>
+    <p:sldId id="264" r:id="rId12"/>
+    <p:sldId id="268" r:id="rId13"/>
+    <p:sldId id="269" r:id="rId14"/>
+    <p:sldId id="265" r:id="rId15"/>
   </p:sldIdLst>
   <p:sldSz cx="12192000" cy="6858000"/>
   <p:notesSz cx="6858000" cy="9144000"/>
@@ -117,6 +120,11 @@
       </a:defRPr>
     </a:lvl9pPr>
   </p:defaultTextStyle>
+  <p:extLst>
+    <p:ext uri="{EFAFB233-063F-42B5-8137-9DF3F51BA10A}">
+      <p15:sldGuideLst xmlns:p15="http://schemas.microsoft.com/office/powerpoint/2012/main"/>
+    </p:ext>
+  </p:extLst>
 </p:presentation>
 </file>
 
@@ -472,7 +480,126 @@
       </p:grpSpPr>
       <p:sp>
         <p:nvSpPr>
-          <p:cNvPr id="106" name="PlaceHolder 1"/>
+          <p:cNvPr id="2" name="Slide Image Placeholder 1"/>
+          <p:cNvSpPr>
+            <a:spLocks noGrp="1" noRot="1" noChangeAspect="1"/>
+          </p:cNvSpPr>
+          <p:nvPr>
+            <p:ph type="sldImg"/>
+          </p:nvPr>
+        </p:nvSpPr>
+        <p:spPr>
+          <a:xfrm>
+            <a:off x="685800" y="1143000"/>
+            <a:ext cx="5486400" cy="3086100"/>
+          </a:xfrm>
+          <a:prstGeom prst="rect">
+            <a:avLst/>
+          </a:prstGeom>
+          <a:noFill/>
+          <a:ln w="12700">
+            <a:solidFill>
+              <a:prstClr val="black"/>
+            </a:solidFill>
+          </a:ln>
+        </p:spPr>
+      </p:sp>
+      <p:sp>
+        <p:nvSpPr>
+          <p:cNvPr id="3" name="Notes Placeholder 2"/>
+          <p:cNvSpPr>
+            <a:spLocks noGrp="1"/>
+          </p:cNvSpPr>
+          <p:nvPr>
+            <p:ph type="body" idx="1"/>
+          </p:nvPr>
+        </p:nvSpPr>
+        <p:spPr/>
+        <p:txBody>
+          <a:bodyPr/>
+          <a:lstStyle/>
+          <a:p>
+            <a:endParaRPr lang="en-US" dirty="0"/>
+          </a:p>
+        </p:txBody>
+      </p:sp>
+      <p:sp>
+        <p:nvSpPr>
+          <p:cNvPr id="4" name="Slide Number Placeholder 3"/>
+          <p:cNvSpPr>
+            <a:spLocks noGrp="1"/>
+          </p:cNvSpPr>
+          <p:nvPr>
+            <p:ph type="sldNum" idx="10"/>
+          </p:nvPr>
+        </p:nvSpPr>
+        <p:spPr/>
+        <p:txBody>
+          <a:bodyPr/>
+          <a:lstStyle/>
+          <a:p>
+            <a:pPr algn="r"/>
+            <a:fld id="{C2314A06-8844-4584-9FF3-31017123F744}" type="slidenum">
+              <a:rPr lang="en-US" sz="1400" b="0" strike="noStrike" spc="-1" smtClean="0">
+                <a:solidFill>
+                  <a:srgbClr val="000000"/>
+                </a:solidFill>
+                <a:uFill>
+                  <a:solidFill>
+                    <a:srgbClr val="FFFFFF"/>
+                  </a:solidFill>
+                </a:uFill>
+                <a:latin typeface="Times New Roman"/>
+              </a:rPr>
+              <a:t>1</a:t>
+            </a:fld>
+            <a:endParaRPr lang="en-US" sz="1400" b="0" strike="noStrike" spc="-1">
+              <a:solidFill>
+                <a:srgbClr val="000000"/>
+              </a:solidFill>
+              <a:uFill>
+                <a:solidFill>
+                  <a:srgbClr val="FFFFFF"/>
+                </a:solidFill>
+              </a:uFill>
+              <a:latin typeface="Times New Roman"/>
+            </a:endParaRPr>
+          </a:p>
+        </p:txBody>
+      </p:sp>
+    </p:spTree>
+    <p:extLst>
+      <p:ext uri="{BB962C8B-B14F-4D97-AF65-F5344CB8AC3E}">
+        <p14:creationId xmlns:p14="http://schemas.microsoft.com/office/powerpoint/2010/main" val="33405726"/>
+      </p:ext>
+    </p:extLst>
+  </p:cSld>
+  <p:clrMapOvr>
+    <a:masterClrMapping/>
+  </p:clrMapOvr>
+</p:notes>
+</file>
+
+<file path=ppt/notesSlides/notesSlide10.xml><?xml version="1.0" encoding="utf-8"?>
+<p:notes xmlns:a="http://schemas.openxmlformats.org/drawingml/2006/main" xmlns:r="http://schemas.openxmlformats.org/officeDocument/2006/relationships" xmlns:p="http://schemas.openxmlformats.org/presentationml/2006/main">
+  <p:cSld>
+    <p:spTree>
+      <p:nvGrpSpPr>
+        <p:cNvPr id="1" name=""/>
+        <p:cNvGrpSpPr/>
+        <p:nvPr/>
+      </p:nvGrpSpPr>
+      <p:grpSpPr>
+        <a:xfrm>
+          <a:off x="0" y="0"/>
+          <a:ext cx="0" cy="0"/>
+          <a:chOff x="0" y="0"/>
+          <a:chExt cx="0" cy="0"/>
+        </a:xfrm>
+      </p:grpSpPr>
+      <p:sp>
+        <p:nvSpPr>
+          <p:cNvPr id="118" name="PlaceHolder 1"/>
           <p:cNvSpPr>
             <a:spLocks noGrp="1"/>
           </p:cNvSpPr>
@@ -493,21 +620,12 @@
           <a:bodyPr/>
           <a:lstStyle/>
           <a:p>
-            <a:r>
-              <a:rPr lang="en-US" sz="2000" b="1" u="sng" strike="noStrike" spc="-1">
-                <a:solidFill>
-                  <a:srgbClr val="000000"/>
-                </a:solidFill>
-                <a:uFill>
-                  <a:solidFill>
-                    <a:srgbClr val="FFFFFF"/>
-                  </a:solidFill>
-                </a:uFill>
-                <a:latin typeface="Arial"/>
-              </a:rPr>
-              <a:t>Sources:</a:t>
-            </a:r>
-            <a:endParaRPr lang="en-US" sz="2000" b="0" strike="noStrike" spc="-1">
+            <a:pPr>
+              <a:lnSpc>
+                <a:spcPct val="100000"/>
+              </a:lnSpc>
+            </a:pPr>
+            <a:endParaRPr lang="en-US" sz="1800" b="0" strike="noStrike" spc="-1" dirty="0">
               <a:solidFill>
                 <a:srgbClr val="000000"/>
               </a:solidFill>
@@ -519,319 +637,11 @@
               <a:latin typeface="Arial"/>
             </a:endParaRPr>
           </a:p>
-          <a:p>
-            <a:endParaRPr lang="en-US" sz="2000" b="0" strike="noStrike" spc="-1">
-              <a:solidFill>
-                <a:srgbClr val="000000"/>
-              </a:solidFill>
-              <a:uFill>
-                <a:solidFill>
-                  <a:srgbClr val="FFFFFF"/>
-                </a:solidFill>
-              </a:uFill>
-              <a:latin typeface="Arial"/>
-            </a:endParaRPr>
-          </a:p>
-          <a:p>
-            <a:r>
-              <a:rPr lang="en-US" sz="2000" b="0" strike="noStrike" spc="-1">
-                <a:solidFill>
-                  <a:srgbClr val="000000"/>
-                </a:solidFill>
-                <a:uFill>
-                  <a:solidFill>
-                    <a:srgbClr val="FFFFFF"/>
-                  </a:solidFill>
-                </a:uFill>
-                <a:latin typeface="Arial"/>
-              </a:rPr>
-              <a:t>The Beginner‘s Guide to Spring Cloud – Ryan Baxter (Pivotal)</a:t>
-            </a:r>
-          </a:p>
-          <a:p>
-            <a:r>
-              <a:rPr lang="en-US" sz="2000" b="0" strike="noStrike" spc="-1">
-                <a:solidFill>
-                  <a:srgbClr val="000000"/>
-                </a:solidFill>
-                <a:uFill>
-                  <a:solidFill>
-                    <a:srgbClr val="FFFFFF"/>
-                  </a:solidFill>
-                </a:uFill>
-                <a:latin typeface="Arial"/>
-              </a:rPr>
-              <a:t>https://www.youtube.com/watch?v=aO3W-lYnw-o&amp;index=1&amp;list=FLIVF-L105FxWvOKVohrlheA</a:t>
-            </a:r>
-          </a:p>
-          <a:p>
-            <a:endParaRPr lang="en-US" sz="2000" b="0" strike="noStrike" spc="-1">
-              <a:solidFill>
-                <a:srgbClr val="000000"/>
-              </a:solidFill>
-              <a:uFill>
-                <a:solidFill>
-                  <a:srgbClr val="FFFFFF"/>
-                </a:solidFill>
-              </a:uFill>
-              <a:latin typeface="Arial"/>
-            </a:endParaRPr>
-          </a:p>
-          <a:p>
-            <a:r>
-              <a:rPr lang="en-US" sz="2000" b="1" u="sng" strike="noStrike" spc="-1">
-                <a:solidFill>
-                  <a:srgbClr val="000000"/>
-                </a:solidFill>
-                <a:uFill>
-                  <a:solidFill>
-                    <a:srgbClr val="FFFFFF"/>
-                  </a:solidFill>
-                </a:uFill>
-                <a:latin typeface="Arial"/>
-              </a:rPr>
-              <a:t>Steps:</a:t>
-            </a:r>
-            <a:endParaRPr lang="en-US" sz="2000" b="0" strike="noStrike" spc="-1">
-              <a:solidFill>
-                <a:srgbClr val="000000"/>
-              </a:solidFill>
-              <a:uFill>
-                <a:solidFill>
-                  <a:srgbClr val="FFFFFF"/>
-                </a:solidFill>
-              </a:uFill>
-              <a:latin typeface="Arial"/>
-            </a:endParaRPr>
-          </a:p>
-          <a:p>
-            <a:endParaRPr lang="en-US" sz="2000" b="0" strike="noStrike" spc="-1">
-              <a:solidFill>
-                <a:srgbClr val="000000"/>
-              </a:solidFill>
-              <a:uFill>
-                <a:solidFill>
-                  <a:srgbClr val="FFFFFF"/>
-                </a:solidFill>
-              </a:uFill>
-              <a:latin typeface="Arial"/>
-            </a:endParaRPr>
-          </a:p>
-          <a:p>
-            <a:pPr marL="228600" indent="-228240">
-              <a:lnSpc>
-                <a:spcPct val="100000"/>
-              </a:lnSpc>
-              <a:buClr>
-                <a:srgbClr val="000000"/>
-              </a:buClr>
-              <a:buFont typeface="StarSymbol"/>
-              <a:buAutoNum type="arabicPeriod"/>
-            </a:pPr>
-            <a:r>
-              <a:rPr lang="en-US" sz="2000" b="0" strike="noStrike" spc="-1">
-                <a:solidFill>
-                  <a:srgbClr val="000000"/>
-                </a:solidFill>
-                <a:uFill>
-                  <a:solidFill>
-                    <a:srgbClr val="FFFFFF"/>
-                  </a:solidFill>
-                </a:uFill>
-                <a:latin typeface="Arial"/>
-              </a:rPr>
-              <a:t>Thanks for everyone coming….</a:t>
-            </a:r>
-          </a:p>
-          <a:p>
-            <a:pPr marL="228600" indent="-228240">
-              <a:lnSpc>
-                <a:spcPct val="100000"/>
-              </a:lnSpc>
-              <a:buClr>
-                <a:srgbClr val="000000"/>
-              </a:buClr>
-              <a:buFont typeface="StarSymbol"/>
-              <a:buAutoNum type="arabicPeriod"/>
-            </a:pPr>
-            <a:r>
-              <a:rPr lang="en-US" sz="2000" b="0" strike="noStrike" spc="-1">
-                <a:solidFill>
-                  <a:srgbClr val="000000"/>
-                </a:solidFill>
-                <a:uFill>
-                  <a:solidFill>
-                    <a:srgbClr val="FFFFFF"/>
-                  </a:solidFill>
-                </a:uFill>
-                <a:latin typeface="Arial"/>
-              </a:rPr>
-              <a:t>Today I will talk about…., a brief introduction about what I hope…. the main focus is present the main features about Spring Boot with a simple demo….</a:t>
-            </a:r>
-          </a:p>
-          <a:p>
-            <a:pPr marL="228600" indent="-228240">
-              <a:lnSpc>
-                <a:spcPct val="100000"/>
-              </a:lnSpc>
-              <a:buClr>
-                <a:srgbClr val="000000"/>
-              </a:buClr>
-              <a:buFont typeface="StarSymbol"/>
-              <a:buAutoNum type="arabicPeriod"/>
-            </a:pPr>
-            <a:r>
-              <a:rPr lang="en-US" sz="2000" b="0" strike="noStrike" spc="-1">
-                <a:solidFill>
-                  <a:srgbClr val="000000"/>
-                </a:solidFill>
-                <a:uFill>
-                  <a:solidFill>
-                    <a:srgbClr val="FFFFFF"/>
-                  </a:solidFill>
-                </a:uFill>
-                <a:latin typeface="Arial"/>
-              </a:rPr>
-              <a:t>First, I will introduce myself…. (name, country, function, education, when started at SAP Hybris, team, experience, main goal in Software Academy)</a:t>
-            </a:r>
-          </a:p>
-          <a:p>
-            <a:pPr marL="228600" indent="-228240">
-              <a:lnSpc>
-                <a:spcPct val="100000"/>
-              </a:lnSpc>
-              <a:buClr>
-                <a:srgbClr val="000000"/>
-              </a:buClr>
-              <a:buFont typeface="StarSymbol"/>
-              <a:buAutoNum type="arabicPeriod"/>
-            </a:pPr>
-            <a:r>
-              <a:rPr lang="en-US" sz="2000" b="0" strike="noStrike" spc="-1">
-                <a:solidFill>
-                  <a:srgbClr val="000000"/>
-                </a:solidFill>
-                <a:uFill>
-                  <a:solidFill>
-                    <a:srgbClr val="FFFFFF"/>
-                  </a:solidFill>
-                </a:uFill>
-                <a:latin typeface="Arial"/>
-              </a:rPr>
-              <a:t>Present the agenda (main topics, a brief description about each topic)</a:t>
-            </a:r>
-          </a:p>
-          <a:p>
-            <a:pPr marL="228600" indent="-228240">
-              <a:lnSpc>
-                <a:spcPct val="100000"/>
-              </a:lnSpc>
-              <a:buClr>
-                <a:srgbClr val="000000"/>
-              </a:buClr>
-              <a:buFont typeface="StarSymbol"/>
-              <a:buAutoNum type="arabicPeriod"/>
-            </a:pPr>
-            <a:r>
-              <a:rPr lang="en-US" sz="2000" b="0" strike="noStrike" spc="-1">
-                <a:solidFill>
-                  <a:srgbClr val="000000"/>
-                </a:solidFill>
-                <a:uFill>
-                  <a:solidFill>
-                    <a:srgbClr val="FFFFFF"/>
-                  </a:solidFill>
-                </a:uFill>
-                <a:latin typeface="Arial"/>
-              </a:rPr>
-              <a:t>Before start topics in Agenda - Survey time – who here has knowledge about Spring Boot</a:t>
-            </a:r>
-          </a:p>
-          <a:p>
-            <a:pPr marL="228600" indent="-228240">
-              <a:lnSpc>
-                <a:spcPct val="100000"/>
-              </a:lnSpc>
-              <a:buClr>
-                <a:srgbClr val="000000"/>
-              </a:buClr>
-              <a:buFont typeface="StarSymbol"/>
-              <a:buAutoNum type="arabicPeriod"/>
-            </a:pPr>
-            <a:r>
-              <a:rPr lang="en-US" sz="2000" b="0" strike="noStrike" spc="-1">
-                <a:solidFill>
-                  <a:srgbClr val="000000"/>
-                </a:solidFill>
-                <a:uFill>
-                  <a:solidFill>
-                    <a:srgbClr val="FFFFFF"/>
-                  </a:solidFill>
-                </a:uFill>
-                <a:latin typeface="Arial"/>
-              </a:rPr>
-              <a:t>Agenda…</a:t>
-            </a:r>
-          </a:p>
-          <a:p>
-            <a:pPr>
-              <a:lnSpc>
-                <a:spcPct val="100000"/>
-              </a:lnSpc>
-            </a:pPr>
-            <a:endParaRPr lang="en-US" sz="2000" b="0" strike="noStrike" spc="-1">
-              <a:solidFill>
-                <a:srgbClr val="000000"/>
-              </a:solidFill>
-              <a:uFill>
-                <a:solidFill>
-                  <a:srgbClr val="FFFFFF"/>
-                </a:solidFill>
-              </a:uFill>
-              <a:latin typeface="Arial"/>
-            </a:endParaRPr>
-          </a:p>
-          <a:p>
-            <a:pPr>
-              <a:lnSpc>
-                <a:spcPct val="100000"/>
-              </a:lnSpc>
-            </a:pPr>
-            <a:endParaRPr lang="en-US" sz="2000" b="0" strike="noStrike" spc="-1">
-              <a:solidFill>
-                <a:srgbClr val="000000"/>
-              </a:solidFill>
-              <a:uFill>
-                <a:solidFill>
-                  <a:srgbClr val="FFFFFF"/>
-                </a:solidFill>
-              </a:uFill>
-              <a:latin typeface="Arial"/>
-            </a:endParaRPr>
-          </a:p>
-          <a:p>
-            <a:pPr>
-              <a:lnSpc>
-                <a:spcPct val="100000"/>
-              </a:lnSpc>
-            </a:pPr>
-            <a:endParaRPr lang="en-US" sz="2000" b="0" strike="noStrike" spc="-1">
-              <a:solidFill>
-                <a:srgbClr val="000000"/>
-              </a:solidFill>
-              <a:uFill>
-                <a:solidFill>
-                  <a:srgbClr val="FFFFFF"/>
-                </a:solidFill>
-              </a:uFill>
-              <a:latin typeface="Arial"/>
-            </a:endParaRPr>
-          </a:p>
-        </p:txBody>
-      </p:sp>
-      <p:sp>
-        <p:nvSpPr>
-          <p:cNvPr id="107" name="TextShape 2"/>
+        </p:txBody>
+      </p:sp>
+      <p:sp>
+        <p:nvSpPr>
+          <p:cNvPr id="119" name="TextShape 2"/>
           <p:cNvSpPr txBox="1"/>
           <p:nvPr/>
         </p:nvSpPr>
@@ -857,7 +667,7 @@
                 <a:spcPct val="100000"/>
               </a:lnSpc>
             </a:pPr>
-            <a:fld id="{C50A7425-A5F4-43B0-82E8-D7B1BBC2EA2C}" type="slidenum">
+            <a:fld id="{1F171143-5A1A-4B51-AD68-C10B9A6668C7}" type="slidenum">
               <a:rPr lang="en-US" sz="1200" b="0" strike="noStrike" spc="-1">
                 <a:solidFill>
                   <a:srgbClr val="000000"/>
@@ -870,7 +680,265 @@
                 <a:latin typeface="+mn-lt"/>
                 <a:ea typeface="+mn-ea"/>
               </a:rPr>
-              <a:t>2</a:t>
+              <a:t>11</a:t>
+            </a:fld>
+            <a:endParaRPr lang="en-US" sz="1200" b="0" strike="noStrike" spc="-1">
+              <a:solidFill>
+                <a:srgbClr val="000000"/>
+              </a:solidFill>
+              <a:uFill>
+                <a:solidFill>
+                  <a:srgbClr val="FFFFFF"/>
+                </a:solidFill>
+              </a:uFill>
+              <a:latin typeface="Times New Roman"/>
+            </a:endParaRPr>
+          </a:p>
+        </p:txBody>
+      </p:sp>
+    </p:spTree>
+    <p:extLst>
+      <p:ext uri="{BB962C8B-B14F-4D97-AF65-F5344CB8AC3E}">
+        <p14:creationId xmlns:p14="http://schemas.microsoft.com/office/powerpoint/2010/main" val="1893873384"/>
+      </p:ext>
+    </p:extLst>
+  </p:cSld>
+  <p:clrMapOvr>
+    <a:masterClrMapping/>
+  </p:clrMapOvr>
+</p:notes>
+</file>
+
+<file path=ppt/notesSlides/notesSlide11.xml><?xml version="1.0" encoding="utf-8"?>
+<p:notes xmlns:a="http://schemas.openxmlformats.org/drawingml/2006/main" xmlns:r="http://schemas.openxmlformats.org/officeDocument/2006/relationships" xmlns:p="http://schemas.openxmlformats.org/presentationml/2006/main">
+  <p:cSld>
+    <p:spTree>
+      <p:nvGrpSpPr>
+        <p:cNvPr id="1" name=""/>
+        <p:cNvGrpSpPr/>
+        <p:nvPr/>
+      </p:nvGrpSpPr>
+      <p:grpSpPr>
+        <a:xfrm>
+          <a:off x="0" y="0"/>
+          <a:ext cx="0" cy="0"/>
+          <a:chOff x="0" y="0"/>
+          <a:chExt cx="0" cy="0"/>
+        </a:xfrm>
+      </p:grpSpPr>
+      <p:sp>
+        <p:nvSpPr>
+          <p:cNvPr id="118" name="PlaceHolder 1"/>
+          <p:cNvSpPr>
+            <a:spLocks noGrp="1"/>
+          </p:cNvSpPr>
+          <p:nvPr>
+            <p:ph type="body"/>
+          </p:nvPr>
+        </p:nvSpPr>
+        <p:spPr>
+          <a:xfrm>
+            <a:off x="685800" y="4400640"/>
+            <a:ext cx="5486040" cy="3600000"/>
+          </a:xfrm>
+          <a:prstGeom prst="rect">
+            <a:avLst/>
+          </a:prstGeom>
+        </p:spPr>
+        <p:txBody>
+          <a:bodyPr/>
+          <a:lstStyle/>
+          <a:p>
+            <a:pPr>
+              <a:lnSpc>
+                <a:spcPct val="100000"/>
+              </a:lnSpc>
+            </a:pPr>
+            <a:endParaRPr lang="en-US" sz="1800" b="0" strike="noStrike" spc="-1" dirty="0">
+              <a:solidFill>
+                <a:srgbClr val="000000"/>
+              </a:solidFill>
+              <a:uFill>
+                <a:solidFill>
+                  <a:srgbClr val="FFFFFF"/>
+                </a:solidFill>
+              </a:uFill>
+              <a:latin typeface="Arial"/>
+            </a:endParaRPr>
+          </a:p>
+        </p:txBody>
+      </p:sp>
+      <p:sp>
+        <p:nvSpPr>
+          <p:cNvPr id="119" name="TextShape 2"/>
+          <p:cNvSpPr txBox="1"/>
+          <p:nvPr/>
+        </p:nvSpPr>
+        <p:spPr>
+          <a:xfrm>
+            <a:off x="3884760" y="8685360"/>
+            <a:ext cx="2971440" cy="458280"/>
+          </a:xfrm>
+          <a:prstGeom prst="rect">
+            <a:avLst/>
+          </a:prstGeom>
+          <a:noFill/>
+          <a:ln>
+            <a:noFill/>
+          </a:ln>
+        </p:spPr>
+        <p:txBody>
+          <a:bodyPr anchor="b"/>
+          <a:lstStyle/>
+          <a:p>
+            <a:pPr algn="r">
+              <a:lnSpc>
+                <a:spcPct val="100000"/>
+              </a:lnSpc>
+            </a:pPr>
+            <a:fld id="{1F171143-5A1A-4B51-AD68-C10B9A6668C7}" type="slidenum">
+              <a:rPr lang="en-US" sz="1200" b="0" strike="noStrike" spc="-1">
+                <a:solidFill>
+                  <a:srgbClr val="000000"/>
+                </a:solidFill>
+                <a:uFill>
+                  <a:solidFill>
+                    <a:srgbClr val="FFFFFF"/>
+                  </a:solidFill>
+                </a:uFill>
+                <a:latin typeface="+mn-lt"/>
+                <a:ea typeface="+mn-ea"/>
+              </a:rPr>
+              <a:t>12</a:t>
+            </a:fld>
+            <a:endParaRPr lang="en-US" sz="1200" b="0" strike="noStrike" spc="-1">
+              <a:solidFill>
+                <a:srgbClr val="000000"/>
+              </a:solidFill>
+              <a:uFill>
+                <a:solidFill>
+                  <a:srgbClr val="FFFFFF"/>
+                </a:solidFill>
+              </a:uFill>
+              <a:latin typeface="Times New Roman"/>
+            </a:endParaRPr>
+          </a:p>
+        </p:txBody>
+      </p:sp>
+    </p:spTree>
+    <p:extLst>
+      <p:ext uri="{BB962C8B-B14F-4D97-AF65-F5344CB8AC3E}">
+        <p14:creationId xmlns:p14="http://schemas.microsoft.com/office/powerpoint/2010/main" val="2807758865"/>
+      </p:ext>
+    </p:extLst>
+  </p:cSld>
+  <p:clrMapOvr>
+    <a:masterClrMapping/>
+  </p:clrMapOvr>
+</p:notes>
+</file>
+
+<file path=ppt/notesSlides/notesSlide12.xml><?xml version="1.0" encoding="utf-8"?>
+<p:notes xmlns:a="http://schemas.openxmlformats.org/drawingml/2006/main" xmlns:r="http://schemas.openxmlformats.org/officeDocument/2006/relationships" xmlns:p="http://schemas.openxmlformats.org/presentationml/2006/main">
+  <p:cSld>
+    <p:spTree>
+      <p:nvGrpSpPr>
+        <p:cNvPr id="1" name=""/>
+        <p:cNvGrpSpPr/>
+        <p:nvPr/>
+      </p:nvGrpSpPr>
+      <p:grpSpPr>
+        <a:xfrm>
+          <a:off x="0" y="0"/>
+          <a:ext cx="0" cy="0"/>
+          <a:chOff x="0" y="0"/>
+          <a:chExt cx="0" cy="0"/>
+        </a:xfrm>
+      </p:grpSpPr>
+      <p:sp>
+        <p:nvSpPr>
+          <p:cNvPr id="120" name="PlaceHolder 1"/>
+          <p:cNvSpPr>
+            <a:spLocks noGrp="1"/>
+          </p:cNvSpPr>
+          <p:nvPr>
+            <p:ph type="body"/>
+          </p:nvPr>
+        </p:nvSpPr>
+        <p:spPr>
+          <a:xfrm>
+            <a:off x="685800" y="4400640"/>
+            <a:ext cx="5486040" cy="3600000"/>
+          </a:xfrm>
+          <a:prstGeom prst="rect">
+            <a:avLst/>
+          </a:prstGeom>
+        </p:spPr>
+        <p:txBody>
+          <a:bodyPr/>
+          <a:lstStyle/>
+          <a:p>
+            <a:pPr>
+              <a:lnSpc>
+                <a:spcPct val="100000"/>
+              </a:lnSpc>
+            </a:pPr>
+            <a:endParaRPr lang="en-US" sz="2000" b="0" strike="noStrike" spc="-1" dirty="0">
+              <a:solidFill>
+                <a:srgbClr val="000000"/>
+              </a:solidFill>
+              <a:uFill>
+                <a:solidFill>
+                  <a:srgbClr val="FFFFFF"/>
+                </a:solidFill>
+              </a:uFill>
+              <a:latin typeface="Arial"/>
+            </a:endParaRPr>
+          </a:p>
+        </p:txBody>
+      </p:sp>
+      <p:sp>
+        <p:nvSpPr>
+          <p:cNvPr id="121" name="TextShape 2"/>
+          <p:cNvSpPr txBox="1"/>
+          <p:nvPr/>
+        </p:nvSpPr>
+        <p:spPr>
+          <a:xfrm>
+            <a:off x="3884760" y="8685360"/>
+            <a:ext cx="2971440" cy="458280"/>
+          </a:xfrm>
+          <a:prstGeom prst="rect">
+            <a:avLst/>
+          </a:prstGeom>
+          <a:noFill/>
+          <a:ln>
+            <a:noFill/>
+          </a:ln>
+        </p:spPr>
+        <p:txBody>
+          <a:bodyPr anchor="b"/>
+          <a:lstStyle/>
+          <a:p>
+            <a:pPr algn="r">
+              <a:lnSpc>
+                <a:spcPct val="100000"/>
+              </a:lnSpc>
+            </a:pPr>
+            <a:fld id="{99D31601-7BA9-4AAA-8E7E-ABBD4D047488}" type="slidenum">
+              <a:rPr lang="en-US" sz="1200" b="0" strike="noStrike" spc="-1">
+                <a:solidFill>
+                  <a:srgbClr val="000000"/>
+                </a:solidFill>
+                <a:uFill>
+                  <a:solidFill>
+                    <a:srgbClr val="FFFFFF"/>
+                  </a:solidFill>
+                </a:uFill>
+                <a:latin typeface="+mn-lt"/>
+                <a:ea typeface="+mn-ea"/>
+              </a:rPr>
+              <a:t>13</a:t>
             </a:fld>
             <a:endParaRPr lang="en-US" sz="1400" b="0" strike="noStrike" spc="-1">
               <a:solidFill>
@@ -913,7 +981,7 @@
       </p:grpSpPr>
       <p:sp>
         <p:nvSpPr>
-          <p:cNvPr id="108" name="PlaceHolder 1"/>
+          <p:cNvPr id="106" name="PlaceHolder 1"/>
           <p:cNvSpPr>
             <a:spLocks noGrp="1"/>
           </p:cNvSpPr>
@@ -934,28 +1002,286 @@
           <a:bodyPr/>
           <a:lstStyle/>
           <a:p>
-            <a:pPr>
+            <a:r>
+              <a:rPr lang="en-US" sz="2000" b="1" u="sng" strike="noStrike" spc="-1" dirty="0">
+                <a:solidFill>
+                  <a:srgbClr val="000000"/>
+                </a:solidFill>
+                <a:uFill>
+                  <a:solidFill>
+                    <a:srgbClr val="FFFFFF"/>
+                  </a:solidFill>
+                </a:uFill>
+                <a:latin typeface="Arial"/>
+              </a:rPr>
+              <a:t>Steps:</a:t>
+            </a:r>
+            <a:endParaRPr lang="en-US" sz="2000" b="0" strike="noStrike" spc="-1" dirty="0">
+              <a:solidFill>
+                <a:srgbClr val="000000"/>
+              </a:solidFill>
+              <a:uFill>
+                <a:solidFill>
+                  <a:srgbClr val="FFFFFF"/>
+                </a:solidFill>
+              </a:uFill>
+              <a:latin typeface="Arial"/>
+            </a:endParaRPr>
+          </a:p>
+          <a:p>
+            <a:endParaRPr lang="en-US" sz="2000" b="0" strike="noStrike" spc="-1" dirty="0">
+              <a:solidFill>
+                <a:srgbClr val="000000"/>
+              </a:solidFill>
+              <a:uFill>
+                <a:solidFill>
+                  <a:srgbClr val="FFFFFF"/>
+                </a:solidFill>
+              </a:uFill>
+              <a:latin typeface="Arial"/>
+            </a:endParaRPr>
+          </a:p>
+          <a:p>
+            <a:pPr marL="228600" indent="-228240">
               <a:lnSpc>
                 <a:spcPct val="100000"/>
               </a:lnSpc>
-            </a:pPr>
-            <a:endParaRPr lang="en-US" sz="2000" b="0" strike="noStrike" spc="-1" dirty="0">
-              <a:solidFill>
-                <a:srgbClr val="000000"/>
-              </a:solidFill>
-              <a:uFill>
-                <a:solidFill>
-                  <a:srgbClr val="FFFFFF"/>
-                </a:solidFill>
-              </a:uFill>
-              <a:latin typeface="Arial"/>
-            </a:endParaRPr>
-          </a:p>
-        </p:txBody>
-      </p:sp>
-      <p:sp>
-        <p:nvSpPr>
-          <p:cNvPr id="109" name="TextShape 2"/>
+              <a:buClr>
+                <a:srgbClr val="000000"/>
+              </a:buClr>
+              <a:buFont typeface="StarSymbol"/>
+              <a:buAutoNum type="arabicPeriod"/>
+            </a:pPr>
+            <a:r>
+              <a:rPr lang="en-US" sz="2000" b="0" strike="noStrike" spc="-1" dirty="0">
+                <a:solidFill>
+                  <a:srgbClr val="000000"/>
+                </a:solidFill>
+                <a:uFill>
+                  <a:solidFill>
+                    <a:srgbClr val="FFFFFF"/>
+                  </a:solidFill>
+                </a:uFill>
+                <a:latin typeface="Arial"/>
+              </a:rPr>
+              <a:t>Thanks for everyone coming….</a:t>
+            </a:r>
+          </a:p>
+          <a:p>
+            <a:pPr marL="228600" indent="-228240">
+              <a:lnSpc>
+                <a:spcPct val="100000"/>
+              </a:lnSpc>
+              <a:buClr>
+                <a:srgbClr val="000000"/>
+              </a:buClr>
+              <a:buFont typeface="StarSymbol"/>
+              <a:buAutoNum type="arabicPeriod"/>
+            </a:pPr>
+            <a:r>
+              <a:rPr lang="en-US" sz="2000" b="0" strike="noStrike" spc="-1" dirty="0">
+                <a:solidFill>
+                  <a:srgbClr val="000000"/>
+                </a:solidFill>
+                <a:uFill>
+                  <a:solidFill>
+                    <a:srgbClr val="FFFFFF"/>
+                  </a:solidFill>
+                </a:uFill>
+                <a:latin typeface="Arial"/>
+              </a:rPr>
+              <a:t>Today I will talk about…., a brief introduction about what I hope…. the main focus is present the main features about Spring Boot with a simple demo….</a:t>
+            </a:r>
+          </a:p>
+          <a:p>
+            <a:pPr marL="228600" indent="-228240">
+              <a:lnSpc>
+                <a:spcPct val="100000"/>
+              </a:lnSpc>
+              <a:buClr>
+                <a:srgbClr val="000000"/>
+              </a:buClr>
+              <a:buFont typeface="StarSymbol"/>
+              <a:buAutoNum type="arabicPeriod"/>
+            </a:pPr>
+            <a:r>
+              <a:rPr lang="en-US" sz="2000" b="0" strike="noStrike" spc="-1" dirty="0">
+                <a:solidFill>
+                  <a:srgbClr val="000000"/>
+                </a:solidFill>
+                <a:uFill>
+                  <a:solidFill>
+                    <a:srgbClr val="FFFFFF"/>
+                  </a:solidFill>
+                </a:uFill>
+                <a:latin typeface="Arial"/>
+              </a:rPr>
+              <a:t>First, I will introduce myself…. (name, country, function, education, when started at SAP Hybris, team, experience, main goal in Software Academy)</a:t>
+            </a:r>
+          </a:p>
+          <a:p>
+            <a:pPr marL="228600" indent="-228240">
+              <a:lnSpc>
+                <a:spcPct val="100000"/>
+              </a:lnSpc>
+              <a:buClr>
+                <a:srgbClr val="000000"/>
+              </a:buClr>
+              <a:buFont typeface="StarSymbol"/>
+              <a:buAutoNum type="arabicPeriod"/>
+            </a:pPr>
+            <a:r>
+              <a:rPr lang="en-US" sz="2000" b="0" strike="noStrike" spc="-1" dirty="0">
+                <a:solidFill>
+                  <a:srgbClr val="000000"/>
+                </a:solidFill>
+                <a:uFill>
+                  <a:solidFill>
+                    <a:srgbClr val="FFFFFF"/>
+                  </a:solidFill>
+                </a:uFill>
+                <a:latin typeface="Arial"/>
+              </a:rPr>
+              <a:t>Present the agenda (main topics, a brief description about each topic)</a:t>
+            </a:r>
+          </a:p>
+          <a:p>
+            <a:pPr marL="228600" indent="-228240">
+              <a:lnSpc>
+                <a:spcPct val="100000"/>
+              </a:lnSpc>
+              <a:buClr>
+                <a:srgbClr val="000000"/>
+              </a:buClr>
+              <a:buFont typeface="StarSymbol"/>
+              <a:buAutoNum type="arabicPeriod"/>
+            </a:pPr>
+            <a:r>
+              <a:rPr lang="en-US" sz="2000" b="0" strike="noStrike" spc="-1" dirty="0">
+                <a:solidFill>
+                  <a:srgbClr val="000000"/>
+                </a:solidFill>
+                <a:uFill>
+                  <a:solidFill>
+                    <a:srgbClr val="FFFFFF"/>
+                  </a:solidFill>
+                </a:uFill>
+                <a:latin typeface="Arial"/>
+              </a:rPr>
+              <a:t>Before start topics in Agenda - Survey time – who here has knowledge about Spring Boot</a:t>
+            </a:r>
+          </a:p>
+          <a:p>
+            <a:pPr marL="228600" indent="-228240">
+              <a:lnSpc>
+                <a:spcPct val="100000"/>
+              </a:lnSpc>
+              <a:buClr>
+                <a:srgbClr val="000000"/>
+              </a:buClr>
+              <a:buFont typeface="StarSymbol"/>
+              <a:buAutoNum type="arabicPeriod"/>
+            </a:pPr>
+            <a:r>
+              <a:rPr lang="en-US" sz="2000" b="0" strike="noStrike" spc="-1" dirty="0">
+                <a:solidFill>
+                  <a:srgbClr val="000000"/>
+                </a:solidFill>
+                <a:uFill>
+                  <a:solidFill>
+                    <a:srgbClr val="FFFFFF"/>
+                  </a:solidFill>
+                </a:uFill>
+                <a:latin typeface="Arial"/>
+              </a:rPr>
+              <a:t>Present the slides</a:t>
+            </a:r>
+          </a:p>
+          <a:p>
+            <a:pPr marL="228600" indent="-228240">
+              <a:lnSpc>
+                <a:spcPct val="100000"/>
+              </a:lnSpc>
+              <a:buClr>
+                <a:srgbClr val="000000"/>
+              </a:buClr>
+              <a:buFont typeface="StarSymbol"/>
+              <a:buAutoNum type="arabicPeriod"/>
+            </a:pPr>
+            <a:r>
+              <a:rPr lang="en-US" sz="2000" b="0" strike="noStrike" spc="-1" dirty="0">
+                <a:solidFill>
+                  <a:srgbClr val="000000"/>
+                </a:solidFill>
+                <a:uFill>
+                  <a:solidFill>
+                    <a:srgbClr val="FFFFFF"/>
+                  </a:solidFill>
+                </a:uFill>
+                <a:latin typeface="Arial"/>
+              </a:rPr>
+              <a:t>In the slide “How create a Spring Boot project” demonstrate how create applications</a:t>
+            </a:r>
+          </a:p>
+          <a:p>
+            <a:pPr marL="228600" indent="-228240">
+              <a:lnSpc>
+                <a:spcPct val="100000"/>
+              </a:lnSpc>
+              <a:buClr>
+                <a:srgbClr val="000000"/>
+              </a:buClr>
+              <a:buFont typeface="StarSymbol"/>
+              <a:buAutoNum type="arabicPeriod"/>
+            </a:pPr>
+            <a:r>
+              <a:rPr lang="en-US" sz="2000" b="0" strike="noStrike" spc="-1" dirty="0">
+                <a:solidFill>
+                  <a:srgbClr val="000000"/>
+                </a:solidFill>
+                <a:uFill>
+                  <a:solidFill>
+                    <a:srgbClr val="FFFFFF"/>
+                  </a:solidFill>
+                </a:uFill>
+                <a:latin typeface="Arial"/>
+              </a:rPr>
+              <a:t>From slide “Demo” follow the script “spring-boot-demo-</a:t>
+            </a:r>
+            <a:r>
+              <a:rPr lang="en-US" sz="2000" b="0" strike="noStrike" spc="-1" dirty="0" err="1">
+                <a:solidFill>
+                  <a:srgbClr val="000000"/>
+                </a:solidFill>
+                <a:uFill>
+                  <a:solidFill>
+                    <a:srgbClr val="FFFFFF"/>
+                  </a:solidFill>
+                </a:uFill>
+                <a:latin typeface="Arial"/>
+              </a:rPr>
+              <a:t>script.rtf</a:t>
+            </a:r>
+            <a:r>
+              <a:rPr lang="en-US" sz="2000" b="0" strike="noStrike" spc="-1" dirty="0">
+                <a:solidFill>
+                  <a:srgbClr val="000000"/>
+                </a:solidFill>
+                <a:uFill>
+                  <a:solidFill>
+                    <a:srgbClr val="FFFFFF"/>
+                  </a:solidFill>
+                </a:uFill>
+                <a:latin typeface="Arial"/>
+              </a:rPr>
+              <a:t>”</a:t>
+            </a:r>
+          </a:p>
+        </p:txBody>
+      </p:sp>
+      <p:sp>
+        <p:nvSpPr>
+          <p:cNvPr id="107" name="TextShape 2"/>
           <p:cNvSpPr txBox="1"/>
           <p:nvPr/>
         </p:nvSpPr>
@@ -981,7 +1307,7 @@
                 <a:spcPct val="100000"/>
               </a:lnSpc>
             </a:pPr>
-            <a:fld id="{66476B77-60DE-4B60-8B9C-2BAC76376778}" type="slidenum">
+            <a:fld id="{C50A7425-A5F4-43B0-82E8-D7B1BBC2EA2C}" type="slidenum">
               <a:rPr lang="en-US" sz="1200" b="0" strike="noStrike" spc="-1">
                 <a:solidFill>
                   <a:srgbClr val="000000"/>
@@ -994,7 +1320,7 @@
                 <a:latin typeface="+mn-lt"/>
                 <a:ea typeface="+mn-ea"/>
               </a:rPr>
-              <a:t>3</a:t>
+              <a:t>2</a:t>
             </a:fld>
             <a:endParaRPr lang="en-US" sz="1400" b="0" strike="noStrike" spc="-1">
               <a:solidFill>
@@ -1037,7 +1363,7 @@
       </p:grpSpPr>
       <p:sp>
         <p:nvSpPr>
-          <p:cNvPr id="110" name="PlaceHolder 1"/>
+          <p:cNvPr id="108" name="PlaceHolder 1"/>
           <p:cNvSpPr>
             <a:spLocks noGrp="1"/>
           </p:cNvSpPr>
@@ -1079,7 +1405,7 @@
       </p:sp>
       <p:sp>
         <p:nvSpPr>
-          <p:cNvPr id="111" name="TextShape 2"/>
+          <p:cNvPr id="109" name="TextShape 2"/>
           <p:cNvSpPr txBox="1"/>
           <p:nvPr/>
         </p:nvSpPr>
@@ -1105,7 +1431,7 @@
                 <a:spcPct val="100000"/>
               </a:lnSpc>
             </a:pPr>
-            <a:fld id="{B466B2AD-6576-445F-ADE9-B6720D3C759B}" type="slidenum">
+            <a:fld id="{66476B77-60DE-4B60-8B9C-2BAC76376778}" type="slidenum">
               <a:rPr lang="en-US" sz="1200" b="0" strike="noStrike" spc="-1">
                 <a:solidFill>
                   <a:srgbClr val="000000"/>
@@ -1118,7 +1444,7 @@
                 <a:latin typeface="+mn-lt"/>
                 <a:ea typeface="+mn-ea"/>
               </a:rPr>
-              <a:t>4</a:t>
+              <a:t>3</a:t>
             </a:fld>
             <a:endParaRPr lang="en-US" sz="1400" b="0" strike="noStrike" spc="-1">
               <a:solidFill>
@@ -1161,7 +1487,7 @@
       </p:grpSpPr>
       <p:sp>
         <p:nvSpPr>
-          <p:cNvPr id="112" name="PlaceHolder 1"/>
+          <p:cNvPr id="110" name="PlaceHolder 1"/>
           <p:cNvSpPr>
             <a:spLocks noGrp="1"/>
           </p:cNvSpPr>
@@ -1187,7 +1513,7 @@
                 <a:spcPct val="100000"/>
               </a:lnSpc>
             </a:pPr>
-            <a:endParaRPr lang="en-US" sz="1800" b="0" strike="noStrike" spc="-1" dirty="0">
+            <a:endParaRPr lang="en-US" sz="2000" b="0" strike="noStrike" spc="-1" dirty="0">
               <a:solidFill>
                 <a:srgbClr val="000000"/>
               </a:solidFill>
@@ -1203,7 +1529,7 @@
       </p:sp>
       <p:sp>
         <p:nvSpPr>
-          <p:cNvPr id="113" name="TextShape 2"/>
+          <p:cNvPr id="111" name="TextShape 2"/>
           <p:cNvSpPr txBox="1"/>
           <p:nvPr/>
         </p:nvSpPr>
@@ -1229,7 +1555,7 @@
                 <a:spcPct val="100000"/>
               </a:lnSpc>
             </a:pPr>
-            <a:fld id="{B49A1DFB-910C-48FC-8D07-D2F8F9D67D7A}" type="slidenum">
+            <a:fld id="{B466B2AD-6576-445F-ADE9-B6720D3C759B}" type="slidenum">
               <a:rPr lang="en-US" sz="1200" b="0" strike="noStrike" spc="-1">
                 <a:solidFill>
                   <a:srgbClr val="000000"/>
@@ -1242,7 +1568,7 @@
                 <a:latin typeface="+mn-lt"/>
                 <a:ea typeface="+mn-ea"/>
               </a:rPr>
-              <a:t>5</a:t>
+              <a:t>4</a:t>
             </a:fld>
             <a:endParaRPr lang="en-US" sz="1400" b="0" strike="noStrike" spc="-1">
               <a:solidFill>
@@ -1259,6 +1585,11 @@
         </p:txBody>
       </p:sp>
     </p:spTree>
+    <p:extLst>
+      <p:ext uri="{BB962C8B-B14F-4D97-AF65-F5344CB8AC3E}">
+        <p14:creationId xmlns:p14="http://schemas.microsoft.com/office/powerpoint/2010/main" val="1149307658"/>
+      </p:ext>
+    </p:extLst>
   </p:cSld>
   <p:clrMapOvr>
     <a:masterClrMapping/>
@@ -1285,7 +1616,7 @@
       </p:grpSpPr>
       <p:sp>
         <p:nvSpPr>
-          <p:cNvPr id="114" name="PlaceHolder 1"/>
+          <p:cNvPr id="110" name="PlaceHolder 1"/>
           <p:cNvSpPr>
             <a:spLocks noGrp="1"/>
           </p:cNvSpPr>
@@ -1327,7 +1658,7 @@
       </p:sp>
       <p:sp>
         <p:nvSpPr>
-          <p:cNvPr id="115" name="TextShape 2"/>
+          <p:cNvPr id="111" name="TextShape 2"/>
           <p:cNvSpPr txBox="1"/>
           <p:nvPr/>
         </p:nvSpPr>
@@ -1353,7 +1684,7 @@
                 <a:spcPct val="100000"/>
               </a:lnSpc>
             </a:pPr>
-            <a:fld id="{41F39B17-2562-4343-ADBF-1BA546AE2668}" type="slidenum">
+            <a:fld id="{B466B2AD-6576-445F-ADE9-B6720D3C759B}" type="slidenum">
               <a:rPr lang="en-US" sz="1200" b="0" strike="noStrike" spc="-1">
                 <a:solidFill>
                   <a:srgbClr val="000000"/>
@@ -1366,7 +1697,7 @@
                 <a:latin typeface="+mn-lt"/>
                 <a:ea typeface="+mn-ea"/>
               </a:rPr>
-              <a:t>6</a:t>
+              <a:t>5</a:t>
             </a:fld>
             <a:endParaRPr lang="en-US" sz="1400" b="0" strike="noStrike" spc="-1">
               <a:solidFill>
@@ -1409,7 +1740,7 @@
       </p:grpSpPr>
       <p:sp>
         <p:nvSpPr>
-          <p:cNvPr id="116" name="PlaceHolder 1"/>
+          <p:cNvPr id="112" name="PlaceHolder 1"/>
           <p:cNvSpPr>
             <a:spLocks noGrp="1"/>
           </p:cNvSpPr>
@@ -1435,7 +1766,7 @@
                 <a:spcPct val="100000"/>
               </a:lnSpc>
             </a:pPr>
-            <a:endParaRPr lang="en-US" sz="2000" b="0" strike="noStrike" spc="-1" dirty="0">
+            <a:endParaRPr lang="en-US" sz="1800" b="0" strike="noStrike" spc="-1" dirty="0">
               <a:solidFill>
                 <a:srgbClr val="000000"/>
               </a:solidFill>
@@ -1451,7 +1782,7 @@
       </p:sp>
       <p:sp>
         <p:nvSpPr>
-          <p:cNvPr id="117" name="TextShape 2"/>
+          <p:cNvPr id="113" name="TextShape 2"/>
           <p:cNvSpPr txBox="1"/>
           <p:nvPr/>
         </p:nvSpPr>
@@ -1477,7 +1808,7 @@
                 <a:spcPct val="100000"/>
               </a:lnSpc>
             </a:pPr>
-            <a:fld id="{81DB4718-3F61-41D2-A62D-EA05D7560173}" type="slidenum">
+            <a:fld id="{B49A1DFB-910C-48FC-8D07-D2F8F9D67D7A}" type="slidenum">
               <a:rPr lang="en-US" sz="1200" b="0" strike="noStrike" spc="-1">
                 <a:solidFill>
                   <a:srgbClr val="000000"/>
@@ -1490,7 +1821,7 @@
                 <a:latin typeface="+mn-lt"/>
                 <a:ea typeface="+mn-ea"/>
               </a:rPr>
-              <a:t>8</a:t>
+              <a:t>6</a:t>
             </a:fld>
             <a:endParaRPr lang="en-US" sz="1400" b="0" strike="noStrike" spc="-1">
               <a:solidFill>
@@ -1533,7 +1864,7 @@
       </p:grpSpPr>
       <p:sp>
         <p:nvSpPr>
-          <p:cNvPr id="118" name="PlaceHolder 1"/>
+          <p:cNvPr id="114" name="PlaceHolder 1"/>
           <p:cNvSpPr>
             <a:spLocks noGrp="1"/>
           </p:cNvSpPr>
@@ -1559,7 +1890,7 @@
                 <a:spcPct val="100000"/>
               </a:lnSpc>
             </a:pPr>
-            <a:endParaRPr lang="en-US" sz="1800" b="0" strike="noStrike" spc="-1" dirty="0">
+            <a:endParaRPr lang="en-US" sz="2000" b="0" strike="noStrike" spc="-1" dirty="0">
               <a:solidFill>
                 <a:srgbClr val="000000"/>
               </a:solidFill>
@@ -1575,7 +1906,7 @@
       </p:sp>
       <p:sp>
         <p:nvSpPr>
-          <p:cNvPr id="119" name="TextShape 2"/>
+          <p:cNvPr id="115" name="TextShape 2"/>
           <p:cNvSpPr txBox="1"/>
           <p:nvPr/>
         </p:nvSpPr>
@@ -1601,7 +1932,7 @@
                 <a:spcPct val="100000"/>
               </a:lnSpc>
             </a:pPr>
-            <a:fld id="{1F171143-5A1A-4B51-AD68-C10B9A6668C7}" type="slidenum">
+            <a:fld id="{41F39B17-2562-4343-ADBF-1BA546AE2668}" type="slidenum">
               <a:rPr lang="en-US" sz="1200" b="0" strike="noStrike" spc="-1">
                 <a:solidFill>
                   <a:srgbClr val="000000"/>
@@ -1614,9 +1945,9 @@
                 <a:latin typeface="+mn-lt"/>
                 <a:ea typeface="+mn-ea"/>
               </a:rPr>
-              <a:t>9</a:t>
+              <a:t>7</a:t>
             </a:fld>
-            <a:endParaRPr lang="en-US" sz="1200" b="0" strike="noStrike" spc="-1">
+            <a:endParaRPr lang="en-US" sz="1400" b="0" strike="noStrike" spc="-1">
               <a:solidFill>
                 <a:srgbClr val="000000"/>
               </a:solidFill>
@@ -1657,7 +1988,7 @@
       </p:grpSpPr>
       <p:sp>
         <p:nvSpPr>
-          <p:cNvPr id="120" name="PlaceHolder 1"/>
+          <p:cNvPr id="116" name="PlaceHolder 1"/>
           <p:cNvSpPr>
             <a:spLocks noGrp="1"/>
           </p:cNvSpPr>
@@ -1699,7 +2030,7 @@
       </p:sp>
       <p:sp>
         <p:nvSpPr>
-          <p:cNvPr id="121" name="TextShape 2"/>
+          <p:cNvPr id="117" name="TextShape 2"/>
           <p:cNvSpPr txBox="1"/>
           <p:nvPr/>
         </p:nvSpPr>
@@ -1725,7 +2056,7 @@
                 <a:spcPct val="100000"/>
               </a:lnSpc>
             </a:pPr>
-            <a:fld id="{99D31601-7BA9-4AAA-8E7E-ABBD4D047488}" type="slidenum">
+            <a:fld id="{81DB4718-3F61-41D2-A62D-EA05D7560173}" type="slidenum">
               <a:rPr lang="en-US" sz="1200" b="0" strike="noStrike" spc="-1">
                 <a:solidFill>
                   <a:srgbClr val="000000"/>
@@ -1738,9 +2069,133 @@
                 <a:latin typeface="+mn-lt"/>
                 <a:ea typeface="+mn-ea"/>
               </a:rPr>
+              <a:t>9</a:t>
+            </a:fld>
+            <a:endParaRPr lang="en-US" sz="1400" b="0" strike="noStrike" spc="-1">
+              <a:solidFill>
+                <a:srgbClr val="000000"/>
+              </a:solidFill>
+              <a:uFill>
+                <a:solidFill>
+                  <a:srgbClr val="FFFFFF"/>
+                </a:solidFill>
+              </a:uFill>
+              <a:latin typeface="Times New Roman"/>
+            </a:endParaRPr>
+          </a:p>
+        </p:txBody>
+      </p:sp>
+    </p:spTree>
+  </p:cSld>
+  <p:clrMapOvr>
+    <a:masterClrMapping/>
+  </p:clrMapOvr>
+</p:notes>
+</file>
+
+<file path=ppt/notesSlides/notesSlide9.xml><?xml version="1.0" encoding="utf-8"?>
+<p:notes xmlns:a="http://schemas.openxmlformats.org/drawingml/2006/main" xmlns:r="http://schemas.openxmlformats.org/officeDocument/2006/relationships" xmlns:p="http://schemas.openxmlformats.org/presentationml/2006/main">
+  <p:cSld>
+    <p:spTree>
+      <p:nvGrpSpPr>
+        <p:cNvPr id="1" name=""/>
+        <p:cNvGrpSpPr/>
+        <p:nvPr/>
+      </p:nvGrpSpPr>
+      <p:grpSpPr>
+        <a:xfrm>
+          <a:off x="0" y="0"/>
+          <a:ext cx="0" cy="0"/>
+          <a:chOff x="0" y="0"/>
+          <a:chExt cx="0" cy="0"/>
+        </a:xfrm>
+      </p:grpSpPr>
+      <p:sp>
+        <p:nvSpPr>
+          <p:cNvPr id="118" name="PlaceHolder 1"/>
+          <p:cNvSpPr>
+            <a:spLocks noGrp="1"/>
+          </p:cNvSpPr>
+          <p:nvPr>
+            <p:ph type="body"/>
+          </p:nvPr>
+        </p:nvSpPr>
+        <p:spPr>
+          <a:xfrm>
+            <a:off x="685800" y="4400640"/>
+            <a:ext cx="5486040" cy="3600000"/>
+          </a:xfrm>
+          <a:prstGeom prst="rect">
+            <a:avLst/>
+          </a:prstGeom>
+        </p:spPr>
+        <p:txBody>
+          <a:bodyPr/>
+          <a:lstStyle/>
+          <a:p>
+            <a:pPr>
+              <a:lnSpc>
+                <a:spcPct val="100000"/>
+              </a:lnSpc>
+            </a:pPr>
+            <a:endParaRPr lang="en-US" sz="1800" b="0" strike="noStrike" spc="-1" dirty="0">
+              <a:solidFill>
+                <a:srgbClr val="000000"/>
+              </a:solidFill>
+              <a:uFill>
+                <a:solidFill>
+                  <a:srgbClr val="FFFFFF"/>
+                </a:solidFill>
+              </a:uFill>
+              <a:latin typeface="Arial"/>
+            </a:endParaRPr>
+          </a:p>
+        </p:txBody>
+      </p:sp>
+      <p:sp>
+        <p:nvSpPr>
+          <p:cNvPr id="119" name="TextShape 2"/>
+          <p:cNvSpPr txBox="1"/>
+          <p:nvPr/>
+        </p:nvSpPr>
+        <p:spPr>
+          <a:xfrm>
+            <a:off x="3884760" y="8685360"/>
+            <a:ext cx="2971440" cy="458280"/>
+          </a:xfrm>
+          <a:prstGeom prst="rect">
+            <a:avLst/>
+          </a:prstGeom>
+          <a:noFill/>
+          <a:ln>
+            <a:noFill/>
+          </a:ln>
+        </p:spPr>
+        <p:txBody>
+          <a:bodyPr anchor="b"/>
+          <a:lstStyle/>
+          <a:p>
+            <a:pPr algn="r">
+              <a:lnSpc>
+                <a:spcPct val="100000"/>
+              </a:lnSpc>
+            </a:pPr>
+            <a:fld id="{1F171143-5A1A-4B51-AD68-C10B9A6668C7}" type="slidenum">
+              <a:rPr lang="en-US" sz="1200" b="0" strike="noStrike" spc="-1">
+                <a:solidFill>
+                  <a:srgbClr val="000000"/>
+                </a:solidFill>
+                <a:uFill>
+                  <a:solidFill>
+                    <a:srgbClr val="FFFFFF"/>
+                  </a:solidFill>
+                </a:uFill>
+                <a:latin typeface="+mn-lt"/>
+                <a:ea typeface="+mn-ea"/>
+              </a:rPr>
               <a:t>10</a:t>
             </a:fld>
-            <a:endParaRPr lang="en-US" sz="1400" b="0" strike="noStrike" spc="-1">
+            <a:endParaRPr lang="en-US" sz="1200" b="0" strike="noStrike" spc="-1">
               <a:solidFill>
                 <a:srgbClr val="000000"/>
               </a:solidFill>
@@ -6547,13 +7002,13 @@
       </p:grpSpPr>
       <p:sp>
         <p:nvSpPr>
-          <p:cNvPr id="104" name="TextShape 1"/>
+          <p:cNvPr id="101" name="TextShape 1"/>
           <p:cNvSpPr txBox="1"/>
           <p:nvPr/>
         </p:nvSpPr>
         <p:spPr>
           <a:xfrm>
-            <a:off x="838080" y="365040"/>
+            <a:off x="251226" y="146676"/>
             <a:ext cx="10515240" cy="1325160"/>
           </a:xfrm>
           <a:prstGeom prst="rect">
@@ -6574,7 +7029,7 @@
               </a:lnSpc>
             </a:pPr>
             <a:r>
-              <a:rPr lang="en-US" sz="4400" b="1" strike="noStrike" spc="-1">
+              <a:rPr lang="en-US" sz="3200" b="1" strike="noStrike" spc="-1" dirty="0">
                 <a:solidFill>
                   <a:srgbClr val="000000"/>
                 </a:solidFill>
@@ -6585,32 +7040,32 @@
                 </a:uFill>
                 <a:latin typeface="Calibri Light"/>
               </a:rPr>
-              <a:t>References</a:t>
-            </a:r>
-            <a:endParaRPr lang="en-US" sz="1800" b="0" strike="noStrike" spc="-1">
-              <a:solidFill>
-                <a:srgbClr val="000000"/>
-              </a:solidFill>
-              <a:uFill>
-                <a:solidFill>
-                  <a:srgbClr val="FFFFFF"/>
-                </a:solidFill>
-              </a:uFill>
-              <a:latin typeface="Calibri"/>
-            </a:endParaRPr>
-          </a:p>
-        </p:txBody>
-      </p:sp>
-      <p:sp>
-        <p:nvSpPr>
-          <p:cNvPr id="105" name="TextShape 2"/>
+              <a:t>A Simple Java Application</a:t>
+            </a:r>
+            <a:endParaRPr lang="en-US" sz="3200" b="1" strike="noStrike" spc="-1" dirty="0">
+              <a:solidFill>
+                <a:srgbClr val="000000"/>
+              </a:solidFill>
+              <a:uFill>
+                <a:solidFill>
+                  <a:srgbClr val="FFFFFF"/>
+                </a:solidFill>
+              </a:uFill>
+              <a:latin typeface="Calibri"/>
+            </a:endParaRPr>
+          </a:p>
+        </p:txBody>
+      </p:sp>
+      <p:sp>
+        <p:nvSpPr>
+          <p:cNvPr id="102" name="TextShape 2"/>
           <p:cNvSpPr txBox="1"/>
           <p:nvPr/>
         </p:nvSpPr>
         <p:spPr>
           <a:xfrm>
-            <a:off x="838080" y="1825560"/>
-            <a:ext cx="10515240" cy="4350960"/>
+            <a:off x="251226" y="1471836"/>
+            <a:ext cx="11723656" cy="4803704"/>
           </a:xfrm>
           <a:prstGeom prst="rect">
             <a:avLst/>
@@ -6624,13 +7079,42 @@
           <a:bodyPr/>
           <a:lstStyle/>
           <a:p>
+            <a:r>
+              <a:rPr lang="en-US" sz="2800" spc="-1" dirty="0">
+                <a:solidFill>
+                  <a:srgbClr val="000000"/>
+                </a:solidFill>
+                <a:uFill>
+                  <a:solidFill>
+                    <a:srgbClr val="FFFFFF"/>
+                  </a:solidFill>
+                </a:uFill>
+                <a:latin typeface="Calibri"/>
+              </a:rPr>
+              <a:t>This second demo consists in create two small applications.</a:t>
+            </a:r>
+          </a:p>
+          <a:p>
+            <a:endParaRPr lang="en-US" sz="2800" spc="-1" dirty="0">
+              <a:solidFill>
+                <a:srgbClr val="000000"/>
+              </a:solidFill>
+              <a:uFill>
+                <a:solidFill>
+                  <a:srgbClr val="FFFFFF"/>
+                </a:solidFill>
+              </a:uFill>
+              <a:latin typeface="Calibri"/>
+            </a:endParaRPr>
+          </a:p>
+          <a:p>
             <a:pPr>
               <a:lnSpc>
                 <a:spcPct val="100000"/>
               </a:lnSpc>
             </a:pPr>
             <a:r>
-              <a:rPr lang="en-US" sz="2800" b="1" strike="noStrike" spc="-1">
+              <a:rPr lang="en-US" sz="3200" b="1" spc="-1" dirty="0">
                 <a:solidFill>
                   <a:srgbClr val="000000"/>
                 </a:solidFill>
@@ -6641,9 +7125,1037 @@
                 </a:uFill>
                 <a:latin typeface="Calibri"/>
               </a:rPr>
+              <a:t>1. demo-spring-boot-console-web</a:t>
+            </a:r>
+          </a:p>
+          <a:p>
+            <a:pPr>
+              <a:lnSpc>
+                <a:spcPct val="100000"/>
+              </a:lnSpc>
+            </a:pPr>
+            <a:endParaRPr lang="en-US" sz="2800" spc="-1" dirty="0">
+              <a:solidFill>
+                <a:srgbClr val="000000"/>
+              </a:solidFill>
+              <a:uFill>
+                <a:solidFill>
+                  <a:srgbClr val="FFFFFF"/>
+                </a:solidFill>
+              </a:uFill>
+              <a:latin typeface="Calibri"/>
+            </a:endParaRPr>
+          </a:p>
+          <a:p>
+            <a:pPr algn="just">
+              <a:lnSpc>
+                <a:spcPct val="100000"/>
+              </a:lnSpc>
+            </a:pPr>
+            <a:r>
+              <a:rPr lang="en-US" sz="2800" spc="-1" dirty="0">
+                <a:solidFill>
+                  <a:srgbClr val="000000"/>
+                </a:solidFill>
+                <a:uFill>
+                  <a:solidFill>
+                    <a:srgbClr val="FFFFFF"/>
+                  </a:solidFill>
+                </a:uFill>
+                <a:latin typeface="Calibri"/>
+              </a:rPr>
+              <a:t>Firstly will be create a simple spring boot application, without insert a </a:t>
+            </a:r>
+            <a:r>
+              <a:rPr lang="en-US" sz="2800" i="1" spc="-1" dirty="0">
+                <a:solidFill>
+                  <a:srgbClr val="000000"/>
+                </a:solidFill>
+                <a:uFill>
+                  <a:solidFill>
+                    <a:srgbClr val="FFFFFF"/>
+                  </a:solidFill>
+                </a:uFill>
+                <a:latin typeface="Calibri"/>
+              </a:rPr>
+              <a:t>“spring-boot-start-web”</a:t>
+            </a:r>
+            <a:r>
+              <a:rPr lang="en-US" sz="2800" spc="-1" dirty="0">
+                <a:solidFill>
+                  <a:srgbClr val="000000"/>
+                </a:solidFill>
+                <a:uFill>
+                  <a:solidFill>
+                    <a:srgbClr val="FFFFFF"/>
+                  </a:solidFill>
+                </a:uFill>
+                <a:latin typeface="Calibri"/>
+              </a:rPr>
+              <a:t> dependency. The goal here is show a simple message in the console. </a:t>
+            </a:r>
+          </a:p>
+          <a:p>
+            <a:pPr algn="just">
+              <a:lnSpc>
+                <a:spcPct val="100000"/>
+              </a:lnSpc>
+            </a:pPr>
+            <a:endParaRPr lang="en-US" sz="2800" spc="-1" dirty="0">
+              <a:solidFill>
+                <a:srgbClr val="000000"/>
+              </a:solidFill>
+              <a:uFill>
+                <a:solidFill>
+                  <a:srgbClr val="FFFFFF"/>
+                </a:solidFill>
+              </a:uFill>
+              <a:latin typeface="Calibri"/>
+            </a:endParaRPr>
+          </a:p>
+          <a:p>
+            <a:pPr algn="just">
+              <a:lnSpc>
+                <a:spcPct val="100000"/>
+              </a:lnSpc>
+            </a:pPr>
+            <a:r>
+              <a:rPr lang="en-US" sz="2800" spc="-1" dirty="0">
+                <a:solidFill>
+                  <a:srgbClr val="000000"/>
+                </a:solidFill>
+                <a:uFill>
+                  <a:solidFill>
+                    <a:srgbClr val="FFFFFF"/>
+                  </a:solidFill>
+                </a:uFill>
+                <a:latin typeface="Calibri"/>
+              </a:rPr>
+              <a:t>After that will be create a microservice </a:t>
+            </a:r>
+            <a:r>
+              <a:rPr lang="en-US" sz="2800" i="1" spc="-1" dirty="0">
+                <a:solidFill>
+                  <a:srgbClr val="000000"/>
+                </a:solidFill>
+                <a:uFill>
+                  <a:solidFill>
+                    <a:srgbClr val="FFFFFF"/>
+                  </a:solidFill>
+                </a:uFill>
+                <a:latin typeface="Calibri"/>
+              </a:rPr>
+              <a:t>@</a:t>
+            </a:r>
+            <a:r>
+              <a:rPr lang="en-US" sz="2800" i="1" spc="-1" dirty="0" err="1">
+                <a:solidFill>
+                  <a:srgbClr val="000000"/>
+                </a:solidFill>
+                <a:uFill>
+                  <a:solidFill>
+                    <a:srgbClr val="FFFFFF"/>
+                  </a:solidFill>
+                </a:uFill>
+                <a:latin typeface="Calibri"/>
+              </a:rPr>
+              <a:t>RestController</a:t>
+            </a:r>
+            <a:r>
+              <a:rPr lang="en-US" sz="2800" spc="-1" dirty="0">
+                <a:solidFill>
+                  <a:srgbClr val="000000"/>
+                </a:solidFill>
+                <a:uFill>
+                  <a:solidFill>
+                    <a:srgbClr val="FFFFFF"/>
+                  </a:solidFill>
+                </a:uFill>
+                <a:latin typeface="Calibri"/>
+              </a:rPr>
+              <a:t> with two methods and now it’s necessary add “spring-boot-start-web” dependency.</a:t>
+            </a:r>
+          </a:p>
+          <a:p>
+            <a:endParaRPr lang="en-US" sz="2800" spc="-1" dirty="0">
+              <a:solidFill>
+                <a:srgbClr val="000000"/>
+              </a:solidFill>
+              <a:uFill>
+                <a:solidFill>
+                  <a:srgbClr val="FFFFFF"/>
+                </a:solidFill>
+              </a:uFill>
+              <a:latin typeface="Calibri"/>
+            </a:endParaRPr>
+          </a:p>
+          <a:p>
+            <a:endParaRPr lang="en-US" sz="2800" spc="-1" dirty="0">
+              <a:solidFill>
+                <a:srgbClr val="000000"/>
+              </a:solidFill>
+              <a:uFill>
+                <a:solidFill>
+                  <a:srgbClr val="FFFFFF"/>
+                </a:solidFill>
+              </a:uFill>
+              <a:latin typeface="Calibri"/>
+            </a:endParaRPr>
+          </a:p>
+          <a:p>
+            <a:endParaRPr lang="en-US" sz="2800" spc="-1" dirty="0">
+              <a:solidFill>
+                <a:srgbClr val="000000"/>
+              </a:solidFill>
+              <a:uFill>
+                <a:solidFill>
+                  <a:srgbClr val="FFFFFF"/>
+                </a:solidFill>
+              </a:uFill>
+              <a:latin typeface="Calibri"/>
+            </a:endParaRPr>
+          </a:p>
+          <a:p>
+            <a:endParaRPr lang="en-US" sz="2800" spc="-1" dirty="0">
+              <a:solidFill>
+                <a:srgbClr val="000000"/>
+              </a:solidFill>
+              <a:uFill>
+                <a:solidFill>
+                  <a:srgbClr val="FFFFFF"/>
+                </a:solidFill>
+              </a:uFill>
+              <a:latin typeface="Calibri"/>
+            </a:endParaRPr>
+          </a:p>
+        </p:txBody>
+      </p:sp>
+    </p:spTree>
+  </p:cSld>
+  <p:clrMapOvr>
+    <a:masterClrMapping/>
+  </p:clrMapOvr>
+  <p:timing>
+    <p:tnLst>
+      <p:par>
+        <p:cTn id="1" dur="indefinite" restart="never" nodeType="tmRoot">
+          <p:childTnLst>
+            <p:seq>
+              <p:cTn id="2" nodeType="mainSeq"/>
+              <p:prevCondLst>
+                <p:cond evt="onPrev" delay="0">
+                  <p:tgtEl>
+                    <p:sldTgt/>
+                  </p:tgtEl>
+                </p:cond>
+              </p:prevCondLst>
+              <p:nextCondLst>
+                <p:cond evt="onNext" delay="0">
+                  <p:tgtEl>
+                    <p:sldTgt/>
+                  </p:tgtEl>
+                </p:cond>
+              </p:nextCondLst>
+            </p:seq>
+          </p:childTnLst>
+        </p:cTn>
+      </p:par>
+    </p:tnLst>
+  </p:timing>
+</p:sld>
+</file>
+
+<file path=ppt/slides/slide11.xml><?xml version="1.0" encoding="utf-8"?>
+<p:sld xmlns:a="http://schemas.openxmlformats.org/drawingml/2006/main" xmlns:r="http://schemas.openxmlformats.org/officeDocument/2006/relationships" xmlns:p="http://schemas.openxmlformats.org/presentationml/2006/main">
+  <p:cSld>
+    <p:spTree>
+      <p:nvGrpSpPr>
+        <p:cNvPr id="1" name=""/>
+        <p:cNvGrpSpPr/>
+        <p:nvPr/>
+      </p:nvGrpSpPr>
+      <p:grpSpPr>
+        <a:xfrm>
+          <a:off x="0" y="0"/>
+          <a:ext cx="0" cy="0"/>
+          <a:chOff x="0" y="0"/>
+          <a:chExt cx="0" cy="0"/>
+        </a:xfrm>
+      </p:grpSpPr>
+      <p:sp>
+        <p:nvSpPr>
+          <p:cNvPr id="101" name="TextShape 1"/>
+          <p:cNvSpPr txBox="1"/>
+          <p:nvPr/>
+        </p:nvSpPr>
+        <p:spPr>
+          <a:xfrm>
+            <a:off x="251226" y="146676"/>
+            <a:ext cx="10515240" cy="1325160"/>
+          </a:xfrm>
+          <a:prstGeom prst="rect">
+            <a:avLst/>
+          </a:prstGeom>
+          <a:noFill/>
+          <a:ln>
+            <a:noFill/>
+          </a:ln>
+        </p:spPr>
+        <p:txBody>
+          <a:bodyPr anchor="ctr"/>
+          <a:lstStyle/>
+          <a:p>
+            <a:pPr>
+              <a:lnSpc>
+                <a:spcPct val="90000"/>
+              </a:lnSpc>
+            </a:pPr>
+            <a:r>
+              <a:rPr lang="en-US" sz="3200" b="1" strike="noStrike" spc="-1" dirty="0">
+                <a:solidFill>
+                  <a:srgbClr val="000000"/>
+                </a:solidFill>
+                <a:uFill>
+                  <a:solidFill>
+                    <a:srgbClr val="FFFFFF"/>
+                  </a:solidFill>
+                </a:uFill>
+                <a:latin typeface="Calibri Light"/>
+              </a:rPr>
+              <a:t>A Simple Java Application</a:t>
+            </a:r>
+            <a:endParaRPr lang="en-US" sz="3200" b="1" strike="noStrike" spc="-1" dirty="0">
+              <a:solidFill>
+                <a:srgbClr val="000000"/>
+              </a:solidFill>
+              <a:uFill>
+                <a:solidFill>
+                  <a:srgbClr val="FFFFFF"/>
+                </a:solidFill>
+              </a:uFill>
+              <a:latin typeface="Calibri"/>
+            </a:endParaRPr>
+          </a:p>
+        </p:txBody>
+      </p:sp>
+      <p:sp>
+        <p:nvSpPr>
+          <p:cNvPr id="102" name="TextShape 2"/>
+          <p:cNvSpPr txBox="1"/>
+          <p:nvPr/>
+        </p:nvSpPr>
+        <p:spPr>
+          <a:xfrm>
+            <a:off x="251226" y="1471836"/>
+            <a:ext cx="11723656" cy="1634619"/>
+          </a:xfrm>
+          <a:prstGeom prst="rect">
+            <a:avLst/>
+          </a:prstGeom>
+          <a:noFill/>
+          <a:ln>
+            <a:noFill/>
+          </a:ln>
+        </p:spPr>
+        <p:txBody>
+          <a:bodyPr/>
+          <a:lstStyle/>
+          <a:p>
+            <a:pPr>
+              <a:lnSpc>
+                <a:spcPct val="100000"/>
+              </a:lnSpc>
+            </a:pPr>
+            <a:r>
+              <a:rPr lang="en-US" sz="3200" b="1" spc="-1" dirty="0">
+                <a:solidFill>
+                  <a:srgbClr val="000000"/>
+                </a:solidFill>
+                <a:uFill>
+                  <a:solidFill>
+                    <a:srgbClr val="FFFFFF"/>
+                  </a:solidFill>
+                </a:uFill>
+                <a:latin typeface="Calibri"/>
+              </a:rPr>
+              <a:t>2. demo-internal-contacts</a:t>
+            </a:r>
+          </a:p>
+          <a:p>
+            <a:pPr>
+              <a:lnSpc>
+                <a:spcPct val="100000"/>
+              </a:lnSpc>
+            </a:pPr>
+            <a:endParaRPr lang="en-US" sz="2800" spc="-1" dirty="0">
+              <a:solidFill>
+                <a:srgbClr val="000000"/>
+              </a:solidFill>
+              <a:uFill>
+                <a:solidFill>
+                  <a:srgbClr val="FFFFFF"/>
+                </a:solidFill>
+              </a:uFill>
+              <a:latin typeface="Calibri"/>
+            </a:endParaRPr>
+          </a:p>
+          <a:p>
+            <a:r>
+              <a:rPr lang="en-US" sz="2800" spc="-1" dirty="0">
+                <a:solidFill>
+                  <a:srgbClr val="000000"/>
+                </a:solidFill>
+                <a:uFill>
+                  <a:solidFill>
+                    <a:srgbClr val="FFFFFF"/>
+                  </a:solidFill>
+                </a:uFill>
+                <a:latin typeface="Calibri"/>
+              </a:rPr>
+              <a:t>A simple CRUD web application to add and list persons.</a:t>
+            </a:r>
+          </a:p>
+          <a:p>
+            <a:endParaRPr lang="en-US" sz="2800" spc="-1" dirty="0">
+              <a:solidFill>
+                <a:srgbClr val="000000"/>
+              </a:solidFill>
+              <a:uFill>
+                <a:solidFill>
+                  <a:srgbClr val="FFFFFF"/>
+                </a:solidFill>
+              </a:uFill>
+              <a:latin typeface="Calibri"/>
+            </a:endParaRPr>
+          </a:p>
+          <a:p>
+            <a:endParaRPr lang="en-US" sz="2800" spc="-1" dirty="0">
+              <a:solidFill>
+                <a:srgbClr val="000000"/>
+              </a:solidFill>
+              <a:uFill>
+                <a:solidFill>
+                  <a:srgbClr val="FFFFFF"/>
+                </a:solidFill>
+              </a:uFill>
+              <a:latin typeface="Calibri"/>
+            </a:endParaRPr>
+          </a:p>
+          <a:p>
+            <a:endParaRPr lang="en-US" sz="2800" spc="-1" dirty="0">
+              <a:solidFill>
+                <a:srgbClr val="000000"/>
+              </a:solidFill>
+              <a:uFill>
+                <a:solidFill>
+                  <a:srgbClr val="FFFFFF"/>
+                </a:solidFill>
+              </a:uFill>
+              <a:latin typeface="Calibri"/>
+            </a:endParaRPr>
+          </a:p>
+        </p:txBody>
+      </p:sp>
+      <p:pic>
+        <p:nvPicPr>
+          <p:cNvPr id="4" name="Picture 3">
+            <a:extLst>
+              <a:ext uri="{FF2B5EF4-FFF2-40B4-BE49-F238E27FC236}">
+                <a16:creationId xmlns:a16="http://schemas.microsoft.com/office/drawing/2014/main" id="{2808C9ED-D637-8A4E-A785-1B5A4BEE9CA1}"/>
+              </a:ext>
+            </a:extLst>
+          </p:cNvPr>
+          <p:cNvPicPr/>
+          <p:nvPr/>
+        </p:nvPicPr>
+        <p:blipFill>
+          <a:blip r:embed="rId3"/>
+          <a:stretch/>
+        </p:blipFill>
+        <p:spPr>
+          <a:xfrm>
+            <a:off x="3323323" y="3256768"/>
+            <a:ext cx="4952520" cy="3142800"/>
+          </a:xfrm>
+          <a:prstGeom prst="rect">
+            <a:avLst/>
+          </a:prstGeom>
+          <a:ln>
+            <a:noFill/>
+          </a:ln>
+        </p:spPr>
+      </p:pic>
+    </p:spTree>
+    <p:extLst>
+      <p:ext uri="{BB962C8B-B14F-4D97-AF65-F5344CB8AC3E}">
+        <p14:creationId xmlns:p14="http://schemas.microsoft.com/office/powerpoint/2010/main" val="2896908533"/>
+      </p:ext>
+    </p:extLst>
+  </p:cSld>
+  <p:clrMapOvr>
+    <a:masterClrMapping/>
+  </p:clrMapOvr>
+  <p:timing>
+    <p:tnLst>
+      <p:par>
+        <p:cTn id="1" dur="indefinite" restart="never" nodeType="tmRoot">
+          <p:childTnLst>
+            <p:seq>
+              <p:cTn id="2" nodeType="mainSeq"/>
+              <p:prevCondLst>
+                <p:cond evt="onPrev" delay="0">
+                  <p:tgtEl>
+                    <p:sldTgt/>
+                  </p:tgtEl>
+                </p:cond>
+              </p:prevCondLst>
+              <p:nextCondLst>
+                <p:cond evt="onNext" delay="0">
+                  <p:tgtEl>
+                    <p:sldTgt/>
+                  </p:tgtEl>
+                </p:cond>
+              </p:nextCondLst>
+            </p:seq>
+          </p:childTnLst>
+        </p:cTn>
+      </p:par>
+    </p:tnLst>
+  </p:timing>
+</p:sld>
+</file>
+
+<file path=ppt/slides/slide12.xml><?xml version="1.0" encoding="utf-8"?>
+<p:sld xmlns:a="http://schemas.openxmlformats.org/drawingml/2006/main" xmlns:r="http://schemas.openxmlformats.org/officeDocument/2006/relationships" xmlns:p="http://schemas.openxmlformats.org/presentationml/2006/main">
+  <p:cSld>
+    <p:spTree>
+      <p:nvGrpSpPr>
+        <p:cNvPr id="1" name=""/>
+        <p:cNvGrpSpPr/>
+        <p:nvPr/>
+      </p:nvGrpSpPr>
+      <p:grpSpPr>
+        <a:xfrm>
+          <a:off x="0" y="0"/>
+          <a:ext cx="0" cy="0"/>
+          <a:chOff x="0" y="0"/>
+          <a:chExt cx="0" cy="0"/>
+        </a:xfrm>
+      </p:grpSpPr>
+      <p:sp>
+        <p:nvSpPr>
+          <p:cNvPr id="101" name="TextShape 1"/>
+          <p:cNvSpPr txBox="1"/>
+          <p:nvPr/>
+        </p:nvSpPr>
+        <p:spPr>
+          <a:xfrm>
+            <a:off x="251226" y="146676"/>
+            <a:ext cx="10515240" cy="1325160"/>
+          </a:xfrm>
+          <a:prstGeom prst="rect">
+            <a:avLst/>
+          </a:prstGeom>
+          <a:noFill/>
+          <a:ln>
+            <a:noFill/>
+          </a:ln>
+        </p:spPr>
+        <p:txBody>
+          <a:bodyPr anchor="ctr"/>
+          <a:lstStyle/>
+          <a:p>
+            <a:pPr>
+              <a:lnSpc>
+                <a:spcPct val="90000"/>
+              </a:lnSpc>
+            </a:pPr>
+            <a:r>
+              <a:rPr lang="en-US" sz="3200" b="1" strike="noStrike" spc="-1" dirty="0">
+                <a:solidFill>
+                  <a:srgbClr val="000000"/>
+                </a:solidFill>
+                <a:uFill>
+                  <a:solidFill>
+                    <a:srgbClr val="FFFFFF"/>
+                  </a:solidFill>
+                </a:uFill>
+                <a:latin typeface="Calibri Light"/>
+              </a:rPr>
+              <a:t>A Simple Java Application</a:t>
+            </a:r>
+            <a:endParaRPr lang="en-US" sz="3200" b="1" strike="noStrike" spc="-1" dirty="0">
+              <a:solidFill>
+                <a:srgbClr val="000000"/>
+              </a:solidFill>
+              <a:uFill>
+                <a:solidFill>
+                  <a:srgbClr val="FFFFFF"/>
+                </a:solidFill>
+              </a:uFill>
+              <a:latin typeface="Calibri"/>
+            </a:endParaRPr>
+          </a:p>
+        </p:txBody>
+      </p:sp>
+      <p:sp>
+        <p:nvSpPr>
+          <p:cNvPr id="102" name="TextShape 2"/>
+          <p:cNvSpPr txBox="1"/>
+          <p:nvPr/>
+        </p:nvSpPr>
+        <p:spPr>
+          <a:xfrm>
+            <a:off x="251226" y="1471836"/>
+            <a:ext cx="11723656" cy="4540657"/>
+          </a:xfrm>
+          <a:prstGeom prst="rect">
+            <a:avLst/>
+          </a:prstGeom>
+          <a:noFill/>
+          <a:ln>
+            <a:noFill/>
+          </a:ln>
+        </p:spPr>
+        <p:txBody>
+          <a:bodyPr/>
+          <a:lstStyle/>
+          <a:p>
+            <a:pPr>
+              <a:lnSpc>
+                <a:spcPct val="100000"/>
+              </a:lnSpc>
+            </a:pPr>
+            <a:r>
+              <a:rPr lang="en-US" sz="3200" b="1" spc="-1" dirty="0">
+                <a:solidFill>
+                  <a:srgbClr val="000000"/>
+                </a:solidFill>
+                <a:uFill>
+                  <a:solidFill>
+                    <a:srgbClr val="FFFFFF"/>
+                  </a:solidFill>
+                </a:uFill>
+                <a:latin typeface="Calibri"/>
+              </a:rPr>
+              <a:t>2. demo-internal-contacts</a:t>
+            </a:r>
+          </a:p>
+          <a:p>
+            <a:pPr>
+              <a:lnSpc>
+                <a:spcPct val="100000"/>
+              </a:lnSpc>
+            </a:pPr>
+            <a:endParaRPr lang="en-US" sz="2800" spc="-1" dirty="0">
+              <a:solidFill>
+                <a:srgbClr val="000000"/>
+              </a:solidFill>
+              <a:uFill>
+                <a:solidFill>
+                  <a:srgbClr val="FFFFFF"/>
+                </a:solidFill>
+              </a:uFill>
+              <a:latin typeface="Calibri"/>
+            </a:endParaRPr>
+          </a:p>
+          <a:p>
+            <a:r>
+              <a:rPr lang="en-US" sz="2800" spc="-1" dirty="0">
+                <a:solidFill>
+                  <a:srgbClr val="000000"/>
+                </a:solidFill>
+                <a:uFill>
+                  <a:solidFill>
+                    <a:srgbClr val="FFFFFF"/>
+                  </a:solidFill>
+                </a:uFill>
+                <a:latin typeface="Calibri"/>
+              </a:rPr>
+              <a:t>What you’ll see:</a:t>
+            </a:r>
+          </a:p>
+          <a:p>
+            <a:endParaRPr lang="en-US" sz="2800" spc="-1" dirty="0">
+              <a:solidFill>
+                <a:srgbClr val="000000"/>
+              </a:solidFill>
+              <a:uFill>
+                <a:solidFill>
+                  <a:srgbClr val="FFFFFF"/>
+                </a:solidFill>
+              </a:uFill>
+              <a:latin typeface="Calibri"/>
+            </a:endParaRPr>
+          </a:p>
+          <a:p>
+            <a:pPr marL="457200" indent="-457200" algn="just">
+              <a:buFont typeface="Wingdings" pitchFamily="2" charset="2"/>
+              <a:buChar char="ü"/>
+            </a:pPr>
+            <a:r>
+              <a:rPr lang="en-US" sz="2800" spc="-1" dirty="0">
+                <a:solidFill>
+                  <a:srgbClr val="000000"/>
+                </a:solidFill>
+                <a:uFill>
+                  <a:solidFill>
+                    <a:srgbClr val="FFFFFF"/>
+                  </a:solidFill>
+                </a:uFill>
+                <a:latin typeface="Calibri"/>
+              </a:rPr>
+              <a:t>Entity class “Person”</a:t>
+            </a:r>
+          </a:p>
+          <a:p>
+            <a:pPr marL="457200" indent="-457200" algn="just">
+              <a:buFont typeface="Wingdings" pitchFamily="2" charset="2"/>
+              <a:buChar char="ü"/>
+            </a:pPr>
+            <a:r>
+              <a:rPr lang="en-US" sz="2800" spc="-1" dirty="0">
+                <a:solidFill>
+                  <a:srgbClr val="000000"/>
+                </a:solidFill>
+                <a:uFill>
+                  <a:solidFill>
+                    <a:srgbClr val="FFFFFF"/>
+                  </a:solidFill>
+                </a:uFill>
+                <a:latin typeface="Calibri"/>
+              </a:rPr>
+              <a:t>Interface “</a:t>
+            </a:r>
+            <a:r>
+              <a:rPr lang="en-US" sz="2800" spc="-1" dirty="0" err="1">
+                <a:solidFill>
+                  <a:srgbClr val="000000"/>
+                </a:solidFill>
+                <a:uFill>
+                  <a:solidFill>
+                    <a:srgbClr val="FFFFFF"/>
+                  </a:solidFill>
+                </a:uFill>
+                <a:latin typeface="Calibri"/>
+              </a:rPr>
+              <a:t>IPersonRepository</a:t>
+            </a:r>
+            <a:r>
+              <a:rPr lang="en-US" sz="2800" spc="-1" dirty="0">
+                <a:solidFill>
+                  <a:srgbClr val="000000"/>
+                </a:solidFill>
+                <a:uFill>
+                  <a:solidFill>
+                    <a:srgbClr val="FFFFFF"/>
+                  </a:solidFill>
+                </a:uFill>
+                <a:latin typeface="Calibri"/>
+              </a:rPr>
+              <a:t>” that extends “</a:t>
+            </a:r>
+            <a:r>
+              <a:rPr lang="en-US" sz="2800" spc="-1" dirty="0" err="1">
+                <a:solidFill>
+                  <a:srgbClr val="000000"/>
+                </a:solidFill>
+                <a:uFill>
+                  <a:solidFill>
+                    <a:srgbClr val="FFFFFF"/>
+                  </a:solidFill>
+                </a:uFill>
+                <a:latin typeface="Calibri"/>
+              </a:rPr>
+              <a:t>CrudRepository</a:t>
+            </a:r>
+            <a:r>
+              <a:rPr lang="en-US" sz="2800" spc="-1" dirty="0">
+                <a:solidFill>
+                  <a:srgbClr val="000000"/>
+                </a:solidFill>
+                <a:uFill>
+                  <a:solidFill>
+                    <a:srgbClr val="FFFFFF"/>
+                  </a:solidFill>
+                </a:uFill>
+                <a:latin typeface="Calibri"/>
+              </a:rPr>
+              <a:t>”</a:t>
+            </a:r>
+          </a:p>
+          <a:p>
+            <a:pPr marL="457200" indent="-457200" algn="just">
+              <a:buFont typeface="Wingdings" pitchFamily="2" charset="2"/>
+              <a:buChar char="ü"/>
+            </a:pPr>
+            <a:r>
+              <a:rPr lang="en-US" sz="2800" spc="-1" dirty="0">
+                <a:solidFill>
+                  <a:srgbClr val="000000"/>
+                </a:solidFill>
+                <a:uFill>
+                  <a:solidFill>
+                    <a:srgbClr val="FFFFFF"/>
+                  </a:solidFill>
+                </a:uFill>
+                <a:latin typeface="Calibri"/>
+              </a:rPr>
+              <a:t>Controller “</a:t>
+            </a:r>
+            <a:r>
+              <a:rPr lang="en-US" sz="2800" spc="-1" dirty="0" err="1">
+                <a:solidFill>
+                  <a:srgbClr val="000000"/>
+                </a:solidFill>
+                <a:uFill>
+                  <a:solidFill>
+                    <a:srgbClr val="FFFFFF"/>
+                  </a:solidFill>
+                </a:uFill>
+                <a:latin typeface="Calibri"/>
+              </a:rPr>
+              <a:t>PersonController</a:t>
+            </a:r>
+            <a:r>
+              <a:rPr lang="en-US" sz="2800" spc="-1" dirty="0">
+                <a:solidFill>
+                  <a:srgbClr val="000000"/>
+                </a:solidFill>
+                <a:uFill>
+                  <a:solidFill>
+                    <a:srgbClr val="FFFFFF"/>
+                  </a:solidFill>
+                </a:uFill>
+                <a:latin typeface="Calibri"/>
+              </a:rPr>
+              <a:t>” with CRUD methods</a:t>
+            </a:r>
+          </a:p>
+          <a:p>
+            <a:pPr marL="457200" indent="-457200" algn="just">
+              <a:buFont typeface="Wingdings" pitchFamily="2" charset="2"/>
+              <a:buChar char="ü"/>
+            </a:pPr>
+            <a:r>
+              <a:rPr lang="en-US" sz="2800" spc="-1" dirty="0">
+                <a:solidFill>
+                  <a:srgbClr val="000000"/>
+                </a:solidFill>
+                <a:uFill>
+                  <a:solidFill>
+                    <a:srgbClr val="FFFFFF"/>
+                  </a:solidFill>
+                </a:uFill>
+                <a:latin typeface="Calibri"/>
+              </a:rPr>
+              <a:t>Use of different dependencies such as “JPA”, “HSQLDB”, “MySQL”, “Actuator” and “Security”</a:t>
+            </a:r>
+          </a:p>
+          <a:p>
+            <a:pPr marL="457200" indent="-457200" algn="just">
+              <a:buFont typeface="Wingdings" pitchFamily="2" charset="2"/>
+              <a:buChar char="ü"/>
+            </a:pPr>
+            <a:r>
+              <a:rPr lang="en-US" sz="2800" spc="-1" dirty="0">
+                <a:solidFill>
+                  <a:srgbClr val="000000"/>
+                </a:solidFill>
+                <a:uFill>
+                  <a:solidFill>
+                    <a:srgbClr val="FFFFFF"/>
+                  </a:solidFill>
+                </a:uFill>
+                <a:latin typeface="Calibri"/>
+              </a:rPr>
+              <a:t>Providing metrics in our project using “Actuator”</a:t>
+            </a:r>
+          </a:p>
+          <a:p>
+            <a:endParaRPr lang="en-US" sz="2800" spc="-1" dirty="0">
+              <a:solidFill>
+                <a:srgbClr val="000000"/>
+              </a:solidFill>
+              <a:uFill>
+                <a:solidFill>
+                  <a:srgbClr val="FFFFFF"/>
+                </a:solidFill>
+              </a:uFill>
+              <a:latin typeface="Calibri"/>
+            </a:endParaRPr>
+          </a:p>
+          <a:p>
+            <a:endParaRPr lang="en-US" sz="2800" spc="-1" dirty="0">
+              <a:solidFill>
+                <a:srgbClr val="000000"/>
+              </a:solidFill>
+              <a:uFill>
+                <a:solidFill>
+                  <a:srgbClr val="FFFFFF"/>
+                </a:solidFill>
+              </a:uFill>
+              <a:latin typeface="Calibri"/>
+            </a:endParaRPr>
+          </a:p>
+        </p:txBody>
+      </p:sp>
+    </p:spTree>
+    <p:extLst>
+      <p:ext uri="{BB962C8B-B14F-4D97-AF65-F5344CB8AC3E}">
+        <p14:creationId xmlns:p14="http://schemas.microsoft.com/office/powerpoint/2010/main" val="105659564"/>
+      </p:ext>
+    </p:extLst>
+  </p:cSld>
+  <p:clrMapOvr>
+    <a:masterClrMapping/>
+  </p:clrMapOvr>
+  <p:timing>
+    <p:tnLst>
+      <p:par>
+        <p:cTn id="1" dur="indefinite" restart="never" nodeType="tmRoot">
+          <p:childTnLst>
+            <p:seq>
+              <p:cTn id="2" nodeType="mainSeq"/>
+              <p:prevCondLst>
+                <p:cond evt="onPrev" delay="0">
+                  <p:tgtEl>
+                    <p:sldTgt/>
+                  </p:tgtEl>
+                </p:cond>
+              </p:prevCondLst>
+              <p:nextCondLst>
+                <p:cond evt="onNext" delay="0">
+                  <p:tgtEl>
+                    <p:sldTgt/>
+                  </p:tgtEl>
+                </p:cond>
+              </p:nextCondLst>
+            </p:seq>
+          </p:childTnLst>
+        </p:cTn>
+      </p:par>
+    </p:tnLst>
+  </p:timing>
+</p:sld>
+</file>
+
+<file path=ppt/slides/slide13.xml><?xml version="1.0" encoding="utf-8"?>
+<p:sld xmlns:a="http://schemas.openxmlformats.org/drawingml/2006/main" xmlns:r="http://schemas.openxmlformats.org/officeDocument/2006/relationships" xmlns:p="http://schemas.openxmlformats.org/presentationml/2006/main">
+  <p:cSld>
+    <p:spTree>
+      <p:nvGrpSpPr>
+        <p:cNvPr id="1" name=""/>
+        <p:cNvGrpSpPr/>
+        <p:nvPr/>
+      </p:nvGrpSpPr>
+      <p:grpSpPr>
+        <a:xfrm>
+          <a:off x="0" y="0"/>
+          <a:ext cx="0" cy="0"/>
+          <a:chOff x="0" y="0"/>
+          <a:chExt cx="0" cy="0"/>
+        </a:xfrm>
+      </p:grpSpPr>
+      <p:sp>
+        <p:nvSpPr>
+          <p:cNvPr id="104" name="TextShape 1"/>
+          <p:cNvSpPr txBox="1"/>
+          <p:nvPr/>
+        </p:nvSpPr>
+        <p:spPr>
+          <a:xfrm>
+            <a:off x="199253" y="127045"/>
+            <a:ext cx="10515240" cy="1325160"/>
+          </a:xfrm>
+          <a:prstGeom prst="rect">
+            <a:avLst/>
+          </a:prstGeom>
+          <a:noFill/>
+          <a:ln>
+            <a:noFill/>
+          </a:ln>
+        </p:spPr>
+        <p:txBody>
+          <a:bodyPr anchor="ctr"/>
+          <a:lstStyle/>
+          <a:p>
+            <a:pPr>
+              <a:lnSpc>
+                <a:spcPct val="90000"/>
+              </a:lnSpc>
+            </a:pPr>
+            <a:r>
+              <a:rPr lang="en-US" sz="3200" b="1" strike="noStrike" spc="-1" dirty="0">
+                <a:solidFill>
+                  <a:srgbClr val="000000"/>
+                </a:solidFill>
+                <a:uFill>
+                  <a:solidFill>
+                    <a:srgbClr val="FFFFFF"/>
+                  </a:solidFill>
+                </a:uFill>
+                <a:latin typeface="Calibri Light"/>
+              </a:rPr>
+              <a:t>References</a:t>
+            </a:r>
+            <a:endParaRPr lang="en-US" sz="3200" b="0" strike="noStrike" spc="-1" dirty="0">
+              <a:solidFill>
+                <a:srgbClr val="000000"/>
+              </a:solidFill>
+              <a:uFill>
+                <a:solidFill>
+                  <a:srgbClr val="FFFFFF"/>
+                </a:solidFill>
+              </a:uFill>
+              <a:latin typeface="Calibri"/>
+            </a:endParaRPr>
+          </a:p>
+        </p:txBody>
+      </p:sp>
+      <p:sp>
+        <p:nvSpPr>
+          <p:cNvPr id="105" name="TextShape 2"/>
+          <p:cNvSpPr txBox="1"/>
+          <p:nvPr/>
+        </p:nvSpPr>
+        <p:spPr>
+          <a:xfrm>
+            <a:off x="199252" y="1587565"/>
+            <a:ext cx="11738051" cy="2420764"/>
+          </a:xfrm>
+          <a:prstGeom prst="rect">
+            <a:avLst/>
+          </a:prstGeom>
+          <a:noFill/>
+          <a:ln>
+            <a:noFill/>
+          </a:ln>
+        </p:spPr>
+        <p:txBody>
+          <a:bodyPr/>
+          <a:lstStyle/>
+          <a:p>
+            <a:pPr>
+              <a:lnSpc>
+                <a:spcPct val="100000"/>
+              </a:lnSpc>
+            </a:pPr>
+            <a:r>
+              <a:rPr lang="en-US" b="1" strike="noStrike" spc="-1" dirty="0">
+                <a:solidFill>
+                  <a:srgbClr val="000000"/>
+                </a:solidFill>
+                <a:uFill>
+                  <a:solidFill>
+                    <a:srgbClr val="FFFFFF"/>
+                  </a:solidFill>
+                </a:uFill>
+                <a:latin typeface="Calibri"/>
+              </a:rPr>
               <a:t>Getting Started with Spring Boot by Josh Long</a:t>
             </a:r>
-            <a:endParaRPr lang="en-US" sz="2800" b="0" strike="noStrike" spc="-1">
+            <a:endParaRPr lang="en-US" b="0" strike="noStrike" spc="-1" dirty="0">
               <a:solidFill>
                 <a:srgbClr val="000000"/>
               </a:solidFill>
@@ -6662,7 +8174,7 @@
               </a:lnSpc>
             </a:pPr>
             <a:r>
-              <a:rPr lang="en-US" sz="2800" b="0" u="sng" strike="noStrike" spc="-1">
+              <a:rPr lang="en-US" b="0" u="sng" strike="noStrike" spc="-1" dirty="0">
                 <a:solidFill>
                   <a:srgbClr val="0563C1"/>
                 </a:solidFill>
@@ -6676,9 +8188,9 @@
               </a:rPr>
               <a:t>https://www.youtube.com/watch?v=sbPSjI4tt10&amp;t=371s</a:t>
             </a:r>
-            <a:endParaRPr lang="en-US" sz="2800" b="0" strike="noStrike" spc="-1">
-              <a:solidFill>
-                <a:srgbClr val="000000"/>
+            <a:endParaRPr lang="en-US" b="0" u="sng" strike="noStrike" spc="-1" dirty="0">
+              <a:solidFill>
+                <a:srgbClr val="0563C1"/>
               </a:solidFill>
               <a:uFill>
                 <a:solidFill>
@@ -6694,9 +8206,9 @@
                 <a:spcPct val="100000"/>
               </a:lnSpc>
             </a:pPr>
-            <a:endParaRPr lang="en-US" sz="2800" b="0" strike="noStrike" spc="-1">
-              <a:solidFill>
-                <a:srgbClr val="000000"/>
+            <a:endParaRPr lang="en-US" u="sng" spc="-1" dirty="0">
+              <a:solidFill>
+                <a:srgbClr val="0563C1"/>
               </a:solidFill>
               <a:uFill>
                 <a:solidFill>
@@ -6712,7 +8224,227 @@
                 <a:spcPct val="100000"/>
               </a:lnSpc>
             </a:pPr>
-            <a:endParaRPr lang="en-US" sz="2800" b="0" strike="noStrike" spc="-1">
+            <a:r>
+              <a:rPr lang="en-US" b="1" spc="-1" dirty="0">
+                <a:solidFill>
+                  <a:srgbClr val="000000"/>
+                </a:solidFill>
+                <a:uFill>
+                  <a:solidFill>
+                    <a:srgbClr val="FFFFFF"/>
+                  </a:solidFill>
+                </a:uFill>
+                <a:latin typeface="Calibri"/>
+              </a:rPr>
+              <a:t>From zero to hero with Spring Boot 2.0</a:t>
+            </a:r>
+            <a:endParaRPr lang="en-US" spc="-1" dirty="0">
+              <a:solidFill>
+                <a:srgbClr val="000000"/>
+              </a:solidFill>
+              <a:uFill>
+                <a:solidFill>
+                  <a:srgbClr val="FFFFFF"/>
+                </a:solidFill>
+              </a:uFill>
+              <a:latin typeface="Calibri"/>
+            </a:endParaRPr>
+          </a:p>
+          <a:p>
+            <a:pPr>
+              <a:lnSpc>
+                <a:spcPct val="100000"/>
+              </a:lnSpc>
+            </a:pPr>
+            <a:r>
+              <a:rPr lang="en-US" u="sng" spc="-1" dirty="0">
+                <a:solidFill>
+                  <a:srgbClr val="0563C1"/>
+                </a:solidFill>
+                <a:uFill>
+                  <a:solidFill>
+                    <a:srgbClr val="FFFFFF"/>
+                  </a:solidFill>
+                </a:uFill>
+                <a:latin typeface="Calibri"/>
+                <a:hlinkClick r:id="rId4"/>
+              </a:rPr>
+              <a:t>https://www.youtube.com/watch?v=aA4tfBGY6jY&amp;t=264s</a:t>
+            </a:r>
+            <a:endParaRPr lang="en-US" u="sng" spc="-1" dirty="0">
+              <a:solidFill>
+                <a:srgbClr val="0563C1"/>
+              </a:solidFill>
+              <a:uFill>
+                <a:solidFill>
+                  <a:srgbClr val="FFFFFF"/>
+                </a:solidFill>
+              </a:uFill>
+              <a:latin typeface="Calibri"/>
+            </a:endParaRPr>
+          </a:p>
+          <a:p>
+            <a:pPr>
+              <a:lnSpc>
+                <a:spcPct val="100000"/>
+              </a:lnSpc>
+            </a:pPr>
+            <a:endParaRPr lang="en-US" u="sng" spc="-1" dirty="0">
+              <a:solidFill>
+                <a:srgbClr val="0563C1"/>
+              </a:solidFill>
+              <a:uFill>
+                <a:solidFill>
+                  <a:srgbClr val="FFFFFF"/>
+                </a:solidFill>
+              </a:uFill>
+              <a:latin typeface="Calibri"/>
+            </a:endParaRPr>
+          </a:p>
+          <a:p>
+            <a:pPr>
+              <a:lnSpc>
+                <a:spcPct val="100000"/>
+              </a:lnSpc>
+            </a:pPr>
+            <a:r>
+              <a:rPr lang="en-US" b="1" spc="-1" dirty="0">
+                <a:solidFill>
+                  <a:srgbClr val="000000"/>
+                </a:solidFill>
+                <a:uFill>
+                  <a:solidFill>
+                    <a:srgbClr val="FFFFFF"/>
+                  </a:solidFill>
+                </a:uFill>
+                <a:latin typeface="Calibri"/>
+              </a:rPr>
+              <a:t>Spring Boot Quick Start (Course)</a:t>
+            </a:r>
+            <a:endParaRPr lang="en-US" spc="-1" dirty="0">
+              <a:solidFill>
+                <a:srgbClr val="000000"/>
+              </a:solidFill>
+              <a:uFill>
+                <a:solidFill>
+                  <a:srgbClr val="FFFFFF"/>
+                </a:solidFill>
+              </a:uFill>
+              <a:latin typeface="Calibri"/>
+            </a:endParaRPr>
+          </a:p>
+          <a:p>
+            <a:pPr>
+              <a:lnSpc>
+                <a:spcPct val="100000"/>
+              </a:lnSpc>
+            </a:pPr>
+            <a:r>
+              <a:rPr lang="en-US" u="sng" spc="-1" dirty="0">
+                <a:solidFill>
+                  <a:srgbClr val="0563C1"/>
+                </a:solidFill>
+                <a:uFill>
+                  <a:solidFill>
+                    <a:srgbClr val="FFFFFF"/>
+                  </a:solidFill>
+                </a:uFill>
+                <a:latin typeface="Calibri"/>
+                <a:hlinkClick r:id="rId5"/>
+              </a:rPr>
+              <a:t>https://www.youtube.com/watch?v=msXL2oDexqw&amp;list=PLqq-6Pq4lTTbx8p2oCgcAQGQyqN8XeA1x</a:t>
+            </a:r>
+            <a:endParaRPr lang="en-US" u="sng" spc="-1" dirty="0">
+              <a:solidFill>
+                <a:srgbClr val="0563C1"/>
+              </a:solidFill>
+              <a:uFill>
+                <a:solidFill>
+                  <a:srgbClr val="FFFFFF"/>
+                </a:solidFill>
+              </a:uFill>
+              <a:latin typeface="Calibri"/>
+            </a:endParaRPr>
+          </a:p>
+          <a:p>
+            <a:pPr>
+              <a:lnSpc>
+                <a:spcPct val="100000"/>
+              </a:lnSpc>
+            </a:pPr>
+            <a:endParaRPr lang="en-US" u="sng" spc="-1" dirty="0">
+              <a:solidFill>
+                <a:srgbClr val="0563C1"/>
+              </a:solidFill>
+              <a:uFill>
+                <a:solidFill>
+                  <a:srgbClr val="FFFFFF"/>
+                </a:solidFill>
+              </a:uFill>
+              <a:latin typeface="Calibri"/>
+            </a:endParaRPr>
+          </a:p>
+          <a:p>
+            <a:pPr>
+              <a:lnSpc>
+                <a:spcPct val="100000"/>
+              </a:lnSpc>
+            </a:pPr>
+            <a:endParaRPr lang="en-US" u="sng" spc="-1" dirty="0">
+              <a:solidFill>
+                <a:srgbClr val="0563C1"/>
+              </a:solidFill>
+              <a:uFill>
+                <a:solidFill>
+                  <a:srgbClr val="FFFFFF"/>
+                </a:solidFill>
+              </a:uFill>
+              <a:latin typeface="Calibri"/>
+            </a:endParaRPr>
+          </a:p>
+          <a:p>
+            <a:pPr>
+              <a:lnSpc>
+                <a:spcPct val="100000"/>
+              </a:lnSpc>
+            </a:pPr>
+            <a:endParaRPr lang="en-US" b="0" strike="noStrike" spc="-1" dirty="0">
+              <a:solidFill>
+                <a:srgbClr val="000000"/>
+              </a:solidFill>
+              <a:uFill>
+                <a:solidFill>
+                  <a:srgbClr val="FFFFFF"/>
+                </a:solidFill>
+              </a:uFill>
+              <a:latin typeface="Calibri"/>
+            </a:endParaRPr>
+          </a:p>
+          <a:p>
+            <a:pPr>
+              <a:lnSpc>
+                <a:spcPct val="100000"/>
+              </a:lnSpc>
+            </a:pPr>
+            <a:endParaRPr lang="en-US" sz="2800" b="0" strike="noStrike" spc="-1" dirty="0">
+              <a:solidFill>
+                <a:srgbClr val="000000"/>
+              </a:solidFill>
+              <a:uFill>
+                <a:solidFill>
+                  <a:srgbClr val="FFFFFF"/>
+                </a:solidFill>
+              </a:uFill>
+              <a:latin typeface="Calibri"/>
+            </a:endParaRPr>
+          </a:p>
+          <a:p>
+            <a:pPr>
+              <a:lnSpc>
+                <a:spcPct val="100000"/>
+              </a:lnSpc>
+            </a:pPr>
+            <a:endParaRPr lang="en-US" sz="2800" b="0" strike="noStrike" spc="-1" dirty="0">
               <a:solidFill>
                 <a:srgbClr val="000000"/>
               </a:solidFill>
@@ -6857,15 +8589,15 @@
           <a:bodyPr/>
           <a:lstStyle/>
           <a:p>
-            <a:pPr marL="228600" indent="-228240">
+            <a:pPr marL="457560" indent="-457200">
               <a:lnSpc>
                 <a:spcPct val="90000"/>
               </a:lnSpc>
               <a:buClr>
                 <a:srgbClr val="000000"/>
               </a:buClr>
-              <a:buFont typeface="Arial"/>
-              <a:buChar char="•"/>
+              <a:buFont typeface="Wingdings" pitchFamily="2" charset="2"/>
+              <a:buChar char="§"/>
             </a:pPr>
             <a:r>
               <a:rPr lang="en-US" sz="2800" b="0" strike="noStrike" spc="-1" dirty="0">
@@ -6883,15 +8615,15 @@
             </a:r>
           </a:p>
           <a:p>
-            <a:pPr marL="228600" indent="-228240">
+            <a:pPr marL="457560" indent="-457200">
               <a:lnSpc>
                 <a:spcPct val="90000"/>
               </a:lnSpc>
               <a:buClr>
                 <a:srgbClr val="000000"/>
               </a:buClr>
-              <a:buFont typeface="Arial"/>
-              <a:buChar char="•"/>
+              <a:buFont typeface="Wingdings" pitchFamily="2" charset="2"/>
+              <a:buChar char="§"/>
             </a:pPr>
             <a:endParaRPr lang="en-US" sz="2800" b="0" strike="noStrike" spc="-1" dirty="0">
               <a:solidFill>
@@ -6906,15 +8638,15 @@
             </a:endParaRPr>
           </a:p>
           <a:p>
-            <a:pPr marL="228600" indent="-228240">
+            <a:pPr marL="457560" indent="-457200">
               <a:lnSpc>
                 <a:spcPct val="90000"/>
               </a:lnSpc>
               <a:buClr>
                 <a:srgbClr val="000000"/>
               </a:buClr>
-              <a:buFont typeface="Arial"/>
-              <a:buChar char="•"/>
+              <a:buFont typeface="Wingdings" pitchFamily="2" charset="2"/>
+              <a:buChar char="§"/>
             </a:pPr>
             <a:r>
               <a:rPr lang="en-US" sz="2800" b="0" strike="noStrike" spc="-1" dirty="0">
@@ -6932,15 +8664,15 @@
             </a:r>
           </a:p>
           <a:p>
-            <a:pPr marL="228600" indent="-228240">
+            <a:pPr marL="457560" indent="-457200">
               <a:lnSpc>
                 <a:spcPct val="90000"/>
               </a:lnSpc>
               <a:buClr>
                 <a:srgbClr val="000000"/>
               </a:buClr>
-              <a:buFont typeface="Arial"/>
-              <a:buChar char="•"/>
+              <a:buFont typeface="Wingdings" pitchFamily="2" charset="2"/>
+              <a:buChar char="§"/>
             </a:pPr>
             <a:endParaRPr lang="en-US" sz="2800" b="0" strike="noStrike" spc="-1" dirty="0">
               <a:solidFill>
@@ -6955,15 +8687,15 @@
             </a:endParaRPr>
           </a:p>
           <a:p>
-            <a:pPr marL="228600" indent="-228240">
+            <a:pPr marL="457560" indent="-457200">
               <a:lnSpc>
                 <a:spcPct val="90000"/>
               </a:lnSpc>
               <a:buClr>
                 <a:srgbClr val="000000"/>
               </a:buClr>
-              <a:buFont typeface="Arial"/>
-              <a:buChar char="•"/>
+              <a:buFont typeface="Wingdings" pitchFamily="2" charset="2"/>
+              <a:buChar char="§"/>
             </a:pPr>
             <a:r>
               <a:rPr lang="en-US" sz="2800" b="0" strike="noStrike" spc="-1" dirty="0">
@@ -6981,15 +8713,15 @@
             </a:r>
           </a:p>
           <a:p>
-            <a:pPr marL="228600" indent="-228240">
+            <a:pPr marL="457560" indent="-457200">
               <a:lnSpc>
                 <a:spcPct val="90000"/>
               </a:lnSpc>
               <a:buClr>
                 <a:srgbClr val="000000"/>
               </a:buClr>
-              <a:buFont typeface="Arial"/>
-              <a:buChar char="•"/>
+              <a:buFont typeface="Wingdings" pitchFamily="2" charset="2"/>
+              <a:buChar char="§"/>
             </a:pPr>
             <a:endParaRPr lang="en-US" sz="2800" b="0" strike="noStrike" spc="-1" dirty="0">
               <a:solidFill>
@@ -7004,15 +8736,15 @@
             </a:endParaRPr>
           </a:p>
           <a:p>
-            <a:pPr marL="228600" indent="-228240">
+            <a:pPr marL="457560" indent="-457200">
               <a:lnSpc>
                 <a:spcPct val="90000"/>
               </a:lnSpc>
               <a:buClr>
                 <a:srgbClr val="000000"/>
               </a:buClr>
-              <a:buFont typeface="Arial"/>
-              <a:buChar char="•"/>
+              <a:buFont typeface="Wingdings" pitchFamily="2" charset="2"/>
+              <a:buChar char="§"/>
             </a:pPr>
             <a:r>
               <a:rPr lang="en-US" sz="2800" b="0" strike="noStrike" spc="-1" dirty="0">
@@ -7030,15 +8762,15 @@
             </a:r>
           </a:p>
           <a:p>
-            <a:pPr marL="228600" indent="-228240">
+            <a:pPr marL="457560" indent="-457200">
               <a:lnSpc>
                 <a:spcPct val="90000"/>
               </a:lnSpc>
               <a:buClr>
                 <a:srgbClr val="000000"/>
               </a:buClr>
-              <a:buFont typeface="Arial"/>
-              <a:buChar char="•"/>
+              <a:buFont typeface="Wingdings" pitchFamily="2" charset="2"/>
+              <a:buChar char="§"/>
             </a:pPr>
             <a:endParaRPr lang="en-US" sz="2800" b="0" strike="noStrike" spc="-1" dirty="0">
               <a:solidFill>
@@ -7053,15 +8785,15 @@
             </a:endParaRPr>
           </a:p>
           <a:p>
-            <a:pPr marL="228600" indent="-228240">
+            <a:pPr marL="457560" indent="-457200">
               <a:lnSpc>
                 <a:spcPct val="90000"/>
               </a:lnSpc>
               <a:buClr>
                 <a:srgbClr val="000000"/>
               </a:buClr>
-              <a:buFont typeface="Arial"/>
-              <a:buChar char="•"/>
+              <a:buFont typeface="Wingdings" pitchFamily="2" charset="2"/>
+              <a:buChar char="§"/>
             </a:pPr>
             <a:r>
               <a:rPr lang="en-US" sz="2800" b="0" strike="noStrike" spc="-1" dirty="0">
@@ -7197,7 +8929,7 @@
         <p:spPr>
           <a:xfrm>
             <a:off x="139680" y="1955880"/>
-            <a:ext cx="4203360" cy="3789827"/>
+            <a:ext cx="3975840" cy="3789827"/>
           </a:xfrm>
           <a:prstGeom prst="rect">
             <a:avLst/>
@@ -7211,10 +8943,12 @@
           <a:bodyPr/>
           <a:lstStyle/>
           <a:p>
-            <a:pPr>
+            <a:pPr marL="285750" indent="-285750" algn="just">
               <a:lnSpc>
                 <a:spcPct val="120000"/>
               </a:lnSpc>
+              <a:buFont typeface="Wingdings" pitchFamily="2" charset="2"/>
+              <a:buChar char="§"/>
             </a:pPr>
             <a:r>
               <a:rPr lang="en-US" b="0" strike="noStrike" spc="-1" dirty="0">
@@ -7228,14 +8962,36 @@
                 </a:uFill>
                 <a:latin typeface="Calibri"/>
               </a:rPr>
-              <a:t>Spring is an open source framework</a:t>
-            </a:r>
-          </a:p>
-          <a:p>
-            <a:pPr>
+              <a:t>Spring is a powerful open source framework for Java Platform. </a:t>
+            </a:r>
+          </a:p>
+          <a:p>
+            <a:pPr marL="285750" indent="-285750" algn="just">
               <a:lnSpc>
                 <a:spcPct val="120000"/>
               </a:lnSpc>
+              <a:buFont typeface="Wingdings" pitchFamily="2" charset="2"/>
+              <a:buChar char="§"/>
+            </a:pPr>
+            <a:endParaRPr lang="en-US" b="0" strike="noStrike" spc="-1" dirty="0">
+              <a:solidFill>
+                <a:srgbClr val="000000"/>
+              </a:solidFill>
+              <a:uFill>
+                <a:solidFill>
+                  <a:srgbClr val="FFFFFF"/>
+                </a:solidFill>
+              </a:uFill>
+              <a:latin typeface="Calibri"/>
+            </a:endParaRPr>
+          </a:p>
+          <a:p>
+            <a:pPr marL="285750" indent="-285750" algn="just">
+              <a:lnSpc>
+                <a:spcPct val="120000"/>
+              </a:lnSpc>
+              <a:buFont typeface="Wingdings" pitchFamily="2" charset="2"/>
+              <a:buChar char="§"/>
             </a:pPr>
             <a:r>
               <a:rPr lang="en-US" b="0" strike="noStrike" spc="-1" dirty="0">
@@ -7249,14 +9005,16 @@
                 </a:uFill>
                 <a:latin typeface="Calibri"/>
               </a:rPr>
-              <a:t>for Java Platform. </a:t>
-            </a:r>
-          </a:p>
-          <a:p>
-            <a:pPr>
+              <a:t>Spring is a complete and modular framework for developing enterprise applications in Java.</a:t>
+            </a:r>
+          </a:p>
+          <a:p>
+            <a:pPr marL="285750" indent="-285750" algn="just">
               <a:lnSpc>
                 <a:spcPct val="120000"/>
               </a:lnSpc>
+              <a:buFont typeface="Wingdings" pitchFamily="2" charset="2"/>
+              <a:buChar char="§"/>
             </a:pPr>
             <a:endParaRPr lang="en-US" b="0" strike="noStrike" spc="-1" dirty="0">
               <a:solidFill>
@@ -7271,10 +9029,12 @@
             </a:endParaRPr>
           </a:p>
           <a:p>
-            <a:pPr>
+            <a:pPr marL="285750" indent="-285750" algn="just">
               <a:lnSpc>
                 <a:spcPct val="120000"/>
               </a:lnSpc>
+              <a:buFont typeface="Wingdings" pitchFamily="2" charset="2"/>
+              <a:buChar char="§"/>
             </a:pPr>
             <a:r>
               <a:rPr lang="en-US" b="0" strike="noStrike" spc="-1" dirty="0">
@@ -7288,88 +9048,7 @@
                 </a:uFill>
                 <a:latin typeface="Calibri"/>
               </a:rPr>
-              <a:t>Spring is a complete and modular framework for developing enterprise applications in Java.</a:t>
-            </a:r>
-          </a:p>
-          <a:p>
-            <a:pPr>
-              <a:lnSpc>
-                <a:spcPct val="120000"/>
-              </a:lnSpc>
-            </a:pPr>
-            <a:endParaRPr lang="en-US" b="0" strike="noStrike" spc="-1" dirty="0">
-              <a:solidFill>
-                <a:srgbClr val="000000"/>
-              </a:solidFill>
-              <a:uFill>
-                <a:solidFill>
-                  <a:srgbClr val="FFFFFF"/>
-                </a:solidFill>
-              </a:uFill>
-              <a:latin typeface="Calibri"/>
-            </a:endParaRPr>
-          </a:p>
-          <a:p>
-            <a:pPr>
-              <a:lnSpc>
-                <a:spcPct val="120000"/>
-              </a:lnSpc>
-            </a:pPr>
-            <a:r>
-              <a:rPr lang="en-US" b="0" strike="noStrike" spc="-1" dirty="0">
-                <a:solidFill>
-                  <a:srgbClr val="000000"/>
-                </a:solidFill>
-                <a:uFill>
-                  <a:solidFill>
-                    <a:srgbClr val="FFFFFF"/>
-                  </a:solidFill>
-                </a:uFill>
-                <a:latin typeface="Calibri"/>
-              </a:rPr>
-              <a:t>Spring Framework can be used </a:t>
-            </a:r>
-          </a:p>
-          <a:p>
-            <a:pPr>
-              <a:lnSpc>
-                <a:spcPct val="120000"/>
-              </a:lnSpc>
-            </a:pPr>
-            <a:r>
-              <a:rPr lang="en-US" b="0" strike="noStrike" spc="-1" dirty="0">
-                <a:solidFill>
-                  <a:srgbClr val="000000"/>
-                </a:solidFill>
-                <a:uFill>
-                  <a:solidFill>
-                    <a:srgbClr val="FFFFFF"/>
-                  </a:solidFill>
-                </a:uFill>
-                <a:latin typeface="Calibri"/>
-              </a:rPr>
-              <a:t>for all layer implementations for </a:t>
-            </a:r>
-          </a:p>
-          <a:p>
-            <a:pPr>
-              <a:lnSpc>
-                <a:spcPct val="120000"/>
-              </a:lnSpc>
-            </a:pPr>
-            <a:r>
-              <a:rPr lang="en-US" b="0" strike="noStrike" spc="-1" dirty="0">
-                <a:solidFill>
-                  <a:srgbClr val="000000"/>
-                </a:solidFill>
-                <a:uFill>
-                  <a:solidFill>
-                    <a:srgbClr val="FFFFFF"/>
-                  </a:solidFill>
-                </a:uFill>
-                <a:latin typeface="Calibri"/>
-              </a:rPr>
-              <a:t>an application or can be used for develop a specific layer.</a:t>
+              <a:t>Spring Framework can be used for all layer implementations for an application or can be used for develop a specific layer.</a:t>
             </a:r>
             <a:endParaRPr lang="en-US" sz="2800" b="0" strike="noStrike" spc="-1" dirty="0">
               <a:solidFill>
@@ -7819,7 +9498,7 @@
               </a:lnSpc>
             </a:pPr>
             <a:r>
-              <a:rPr lang="en-US" sz="3200" b="1" strike="noStrike" spc="-1" dirty="0">
+              <a:rPr lang="en-US" sz="3200" b="1" spc="-1" dirty="0">
                 <a:solidFill>
                   <a:srgbClr val="000000"/>
                 </a:solidFill>
@@ -7830,7 +9509,7 @@
                 </a:uFill>
                 <a:latin typeface="Calibri Light"/>
               </a:rPr>
-              <a:t>What is Spring Boot</a:t>
+              <a:t>Problems with Spring Framework</a:t>
             </a:r>
             <a:endParaRPr lang="en-US" sz="3200" b="0" strike="noStrike" spc="-1" dirty="0">
               <a:solidFill>
@@ -7869,25 +9548,210 @@
           <a:bodyPr/>
           <a:lstStyle/>
           <a:p>
+            <a:pPr marL="342900" indent="-342900" algn="just">
+              <a:lnSpc>
+                <a:spcPct val="120000"/>
+              </a:lnSpc>
+              <a:buFont typeface="Wingdings" pitchFamily="2" charset="2"/>
+              <a:buChar char="§"/>
+            </a:pPr>
+            <a:r>
+              <a:rPr lang="en-US" sz="2400" b="0" strike="noStrike" spc="-1" dirty="0">
+                <a:solidFill>
+                  <a:srgbClr val="000000"/>
+                </a:solidFill>
+                <a:uFill>
+                  <a:solidFill>
+                    <a:srgbClr val="FFFFFF"/>
+                  </a:solidFill>
+                </a:uFill>
+                <a:latin typeface="Calibri"/>
+              </a:rPr>
+              <a:t>Spring is a large framework and its understanding </a:t>
+            </a:r>
+            <a:r>
+              <a:rPr lang="en-US" sz="2400" spc="-1" dirty="0">
+                <a:solidFill>
+                  <a:srgbClr val="000000"/>
+                </a:solidFill>
+                <a:uFill>
+                  <a:solidFill>
+                    <a:srgbClr val="FFFFFF"/>
+                  </a:solidFill>
+                </a:uFill>
+                <a:latin typeface="Calibri"/>
+              </a:rPr>
+              <a:t>can be hard.</a:t>
+            </a:r>
+            <a:endParaRPr lang="en-US" sz="2800" b="0" strike="noStrike" spc="-1" dirty="0">
+              <a:solidFill>
+                <a:srgbClr val="000000"/>
+              </a:solidFill>
+              <a:uFill>
+                <a:solidFill>
+                  <a:srgbClr val="FFFFFF"/>
+                </a:solidFill>
+              </a:uFill>
+              <a:latin typeface="Calibri"/>
+            </a:endParaRPr>
+          </a:p>
+          <a:p>
+            <a:pPr marL="457200" indent="-457200" algn="just">
+              <a:lnSpc>
+                <a:spcPct val="120000"/>
+              </a:lnSpc>
+              <a:buFont typeface="Wingdings" pitchFamily="2" charset="2"/>
+              <a:buChar char="§"/>
+            </a:pPr>
+            <a:endParaRPr lang="en-US" sz="2800" b="0" strike="noStrike" spc="-1" dirty="0">
+              <a:solidFill>
+                <a:srgbClr val="000000"/>
+              </a:solidFill>
+              <a:uFill>
+                <a:solidFill>
+                  <a:srgbClr val="FFFFFF"/>
+                </a:solidFill>
+              </a:uFill>
+              <a:latin typeface="Calibri"/>
+            </a:endParaRPr>
+          </a:p>
+          <a:p>
+            <a:pPr marL="342900" indent="-342900" algn="just">
+              <a:lnSpc>
+                <a:spcPct val="120000"/>
+              </a:lnSpc>
+              <a:buFont typeface="Wingdings" pitchFamily="2" charset="2"/>
+              <a:buChar char="§"/>
+            </a:pPr>
+            <a:r>
+              <a:rPr lang="en-US" sz="2400" b="0" strike="noStrike" spc="-1" dirty="0">
+                <a:solidFill>
+                  <a:srgbClr val="000000"/>
+                </a:solidFill>
+                <a:uFill>
+                  <a:solidFill>
+                    <a:srgbClr val="FFFFFF"/>
+                  </a:solidFill>
+                </a:uFill>
+                <a:latin typeface="Calibri"/>
+              </a:rPr>
+              <a:t>It’s necessary a lot of steps to create an application and this can reduce the development productivity. </a:t>
+            </a:r>
+            <a:endParaRPr lang="en-US" sz="2800" b="0" strike="noStrike" spc="-1" dirty="0">
+              <a:solidFill>
+                <a:srgbClr val="000000"/>
+              </a:solidFill>
+              <a:uFill>
+                <a:solidFill>
+                  <a:srgbClr val="FFFFFF"/>
+                </a:solidFill>
+              </a:uFill>
+              <a:latin typeface="Calibri"/>
+            </a:endParaRPr>
+          </a:p>
+          <a:p>
+            <a:pPr marL="457200" indent="-457200" algn="just">
+              <a:lnSpc>
+                <a:spcPct val="120000"/>
+              </a:lnSpc>
+              <a:buFont typeface="Wingdings" pitchFamily="2" charset="2"/>
+              <a:buChar char="§"/>
+            </a:pPr>
+            <a:endParaRPr lang="en-US" sz="2800" b="0" strike="noStrike" spc="-1" dirty="0">
+              <a:solidFill>
+                <a:srgbClr val="000000"/>
+              </a:solidFill>
+              <a:uFill>
+                <a:solidFill>
+                  <a:srgbClr val="FFFFFF"/>
+                </a:solidFill>
+              </a:uFill>
+              <a:latin typeface="Calibri"/>
+            </a:endParaRPr>
+          </a:p>
+          <a:p>
+            <a:pPr marL="342900" indent="-342900" algn="just">
+              <a:lnSpc>
+                <a:spcPct val="120000"/>
+              </a:lnSpc>
+              <a:buFont typeface="Wingdings" pitchFamily="2" charset="2"/>
+              <a:buChar char="§"/>
+            </a:pPr>
+            <a:r>
+              <a:rPr lang="en-US" sz="2400" b="0" strike="noStrike" spc="-1" dirty="0">
+                <a:solidFill>
+                  <a:srgbClr val="000000"/>
+                </a:solidFill>
+                <a:uFill>
+                  <a:solidFill>
+                    <a:srgbClr val="FFFFFF"/>
+                  </a:solidFill>
+                </a:uFill>
+                <a:latin typeface="Calibri"/>
+              </a:rPr>
+              <a:t>It’s necessary multiple configuration steps, multiple builds and deploy steps.</a:t>
+            </a:r>
+          </a:p>
+          <a:p>
+            <a:pPr marL="342900" indent="-342900" algn="just">
+              <a:lnSpc>
+                <a:spcPct val="120000"/>
+              </a:lnSpc>
+              <a:buFont typeface="Wingdings" pitchFamily="2" charset="2"/>
+              <a:buChar char="§"/>
+            </a:pPr>
+            <a:endParaRPr lang="en-US" sz="2400" b="0" strike="noStrike" spc="-1" dirty="0">
+              <a:solidFill>
+                <a:srgbClr val="000000"/>
+              </a:solidFill>
+              <a:uFill>
+                <a:solidFill>
+                  <a:srgbClr val="FFFFFF"/>
+                </a:solidFill>
+              </a:uFill>
+              <a:latin typeface="Calibri"/>
+            </a:endParaRPr>
+          </a:p>
+          <a:p>
+            <a:pPr marL="342900" indent="-342900" algn="just">
+              <a:lnSpc>
+                <a:spcPct val="120000"/>
+              </a:lnSpc>
+              <a:buFont typeface="Wingdings" pitchFamily="2" charset="2"/>
+              <a:buChar char="§"/>
+            </a:pPr>
+            <a:r>
+              <a:rPr lang="en-US" sz="2400" spc="-1" dirty="0">
+                <a:solidFill>
+                  <a:srgbClr val="000000"/>
+                </a:solidFill>
+                <a:uFill>
+                  <a:solidFill>
+                    <a:srgbClr val="FFFFFF"/>
+                  </a:solidFill>
+                </a:uFill>
+                <a:latin typeface="Calibri"/>
+              </a:rPr>
+              <a:t>The injection of dependencies is realized using configuration files in XML format. The maintenance  of a lot of XML files can be a hard process.</a:t>
+            </a:r>
+            <a:endParaRPr lang="en-US" sz="2800" b="0" strike="noStrike" spc="-1" dirty="0">
+              <a:solidFill>
+                <a:srgbClr val="000000"/>
+              </a:solidFill>
+              <a:uFill>
+                <a:solidFill>
+                  <a:srgbClr val="FFFFFF"/>
+                </a:solidFill>
+              </a:uFill>
+              <a:latin typeface="Calibri"/>
+            </a:endParaRPr>
+          </a:p>
+          <a:p>
             <a:pPr>
               <a:lnSpc>
                 <a:spcPct val="120000"/>
               </a:lnSpc>
             </a:pPr>
-            <a:r>
-              <a:rPr lang="en-US" sz="2400" b="0" strike="noStrike" spc="-1" dirty="0">
-                <a:solidFill>
-                  <a:srgbClr val="000000"/>
-                </a:solidFill>
-                <a:uFill>
-                  <a:solidFill>
-                    <a:srgbClr val="FFFFFF"/>
-                  </a:solidFill>
-                </a:uFill>
-                <a:latin typeface="Calibri"/>
-              </a:rPr>
-              <a:t>The project Spring Boot (or Boot simply) is more a framework the Spring ecosystem. Was launched with the Spring Framework 4.0. </a:t>
-            </a:r>
             <a:endParaRPr lang="en-US" sz="2800" b="0" strike="noStrike" spc="-1" dirty="0">
               <a:solidFill>
                 <a:srgbClr val="000000"/>
@@ -7903,7 +9767,7 @@
           <a:p>
             <a:pPr>
               <a:lnSpc>
-                <a:spcPct val="120000"/>
+                <a:spcPct val="100000"/>
               </a:lnSpc>
             </a:pPr>
             <a:endParaRPr lang="en-US" sz="2800" b="0" strike="noStrike" spc="-1" dirty="0">
@@ -7921,23 +9785,9 @@
           <a:p>
             <a:pPr>
               <a:lnSpc>
-                <a:spcPct val="120000"/>
-              </a:lnSpc>
-            </a:pPr>
-            <a:r>
-              <a:rPr lang="en-US" sz="2400" b="0" strike="noStrike" spc="-1" dirty="0">
-                <a:solidFill>
-                  <a:srgbClr val="000000"/>
-                </a:solidFill>
-                <a:uFill>
-                  <a:solidFill>
-                    <a:srgbClr val="FFFFFF"/>
-                  </a:solidFill>
-                </a:uFill>
-                <a:latin typeface="Calibri"/>
-              </a:rPr>
-              <a:t>Spring Boot make use of all Spring ecosystem and bring more productivity for the developer.</a:t>
-            </a:r>
+                <a:spcPct val="100000"/>
+              </a:lnSpc>
+            </a:pPr>
             <a:endParaRPr lang="en-US" sz="2800" b="0" strike="noStrike" spc="-1" dirty="0">
               <a:solidFill>
                 <a:srgbClr val="000000"/>
@@ -7953,7 +9803,7 @@
           <a:p>
             <a:pPr>
               <a:lnSpc>
-                <a:spcPct val="120000"/>
+                <a:spcPct val="100000"/>
               </a:lnSpc>
             </a:pPr>
             <a:endParaRPr lang="en-US" sz="2800" b="0" strike="noStrike" spc="-1" dirty="0">
@@ -7971,23 +9821,9 @@
           <a:p>
             <a:pPr>
               <a:lnSpc>
-                <a:spcPct val="120000"/>
-              </a:lnSpc>
-            </a:pPr>
-            <a:r>
-              <a:rPr lang="en-US" sz="2400" b="0" strike="noStrike" spc="-1" dirty="0">
-                <a:solidFill>
-                  <a:srgbClr val="000000"/>
-                </a:solidFill>
-                <a:uFill>
-                  <a:solidFill>
-                    <a:srgbClr val="FFFFFF"/>
-                  </a:solidFill>
-                </a:uFill>
-                <a:latin typeface="Calibri"/>
-              </a:rPr>
-              <a:t>Spring Boot decrease the time that the developers spend to start the implementation of new projects.</a:t>
-            </a:r>
+                <a:spcPct val="100000"/>
+              </a:lnSpc>
+            </a:pPr>
             <a:endParaRPr lang="en-US" sz="2800" b="0" strike="noStrike" spc="-1" dirty="0">
               <a:solidFill>
                 <a:srgbClr val="000000"/>
@@ -8003,7 +9839,7 @@
           <a:p>
             <a:pPr>
               <a:lnSpc>
-                <a:spcPct val="120000"/>
+                <a:spcPct val="100000"/>
               </a:lnSpc>
             </a:pPr>
             <a:endParaRPr lang="en-US" sz="2800" b="0" strike="noStrike" spc="-1" dirty="0">
@@ -8018,99 +9854,14 @@
               <a:latin typeface="Calibri"/>
             </a:endParaRPr>
           </a:p>
-          <a:p>
-            <a:pPr>
-              <a:lnSpc>
-                <a:spcPct val="100000"/>
-              </a:lnSpc>
-            </a:pPr>
-            <a:endParaRPr lang="en-US" sz="2800" b="0" strike="noStrike" spc="-1" dirty="0">
-              <a:solidFill>
-                <a:srgbClr val="000000"/>
-              </a:solidFill>
-              <a:uFill>
-                <a:solidFill>
-                  <a:srgbClr val="FFFFFF"/>
-                </a:solidFill>
-              </a:uFill>
-              <a:latin typeface="Calibri"/>
-            </a:endParaRPr>
-          </a:p>
-          <a:p>
-            <a:pPr>
-              <a:lnSpc>
-                <a:spcPct val="100000"/>
-              </a:lnSpc>
-            </a:pPr>
-            <a:endParaRPr lang="en-US" sz="2800" b="0" strike="noStrike" spc="-1" dirty="0">
-              <a:solidFill>
-                <a:srgbClr val="000000"/>
-              </a:solidFill>
-              <a:uFill>
-                <a:solidFill>
-                  <a:srgbClr val="FFFFFF"/>
-                </a:solidFill>
-              </a:uFill>
-              <a:latin typeface="Calibri"/>
-            </a:endParaRPr>
-          </a:p>
-          <a:p>
-            <a:pPr>
-              <a:lnSpc>
-                <a:spcPct val="100000"/>
-              </a:lnSpc>
-            </a:pPr>
-            <a:endParaRPr lang="en-US" sz="2800" b="0" strike="noStrike" spc="-1" dirty="0">
-              <a:solidFill>
-                <a:srgbClr val="000000"/>
-              </a:solidFill>
-              <a:uFill>
-                <a:solidFill>
-                  <a:srgbClr val="FFFFFF"/>
-                </a:solidFill>
-              </a:uFill>
-              <a:latin typeface="Calibri"/>
-            </a:endParaRPr>
-          </a:p>
-          <a:p>
-            <a:pPr>
-              <a:lnSpc>
-                <a:spcPct val="100000"/>
-              </a:lnSpc>
-            </a:pPr>
-            <a:endParaRPr lang="en-US" sz="2800" b="0" strike="noStrike" spc="-1" dirty="0">
-              <a:solidFill>
-                <a:srgbClr val="000000"/>
-              </a:solidFill>
-              <a:uFill>
-                <a:solidFill>
-                  <a:srgbClr val="FFFFFF"/>
-                </a:solidFill>
-              </a:uFill>
-              <a:latin typeface="Calibri"/>
-            </a:endParaRPr>
-          </a:p>
-          <a:p>
-            <a:pPr>
-              <a:lnSpc>
-                <a:spcPct val="100000"/>
-              </a:lnSpc>
-            </a:pPr>
-            <a:endParaRPr lang="en-US" sz="2800" b="0" strike="noStrike" spc="-1" dirty="0">
-              <a:solidFill>
-                <a:srgbClr val="000000"/>
-              </a:solidFill>
-              <a:uFill>
-                <a:solidFill>
-                  <a:srgbClr val="FFFFFF"/>
-                </a:solidFill>
-              </a:uFill>
-              <a:latin typeface="Calibri"/>
-            </a:endParaRPr>
-          </a:p>
         </p:txBody>
       </p:sp>
     </p:spTree>
+    <p:extLst>
+      <p:ext uri="{BB962C8B-B14F-4D97-AF65-F5344CB8AC3E}">
+        <p14:creationId xmlns:p14="http://schemas.microsoft.com/office/powerpoint/2010/main" val="438147034"/>
+      </p:ext>
+    </p:extLst>
   </p:cSld>
   <p:clrMapOvr>
     <a:masterClrMapping/>
@@ -8164,13 +9915,13 @@
       </p:grpSpPr>
       <p:sp>
         <p:nvSpPr>
-          <p:cNvPr id="93" name="TextShape 1"/>
+          <p:cNvPr id="91" name="TextShape 1"/>
           <p:cNvSpPr txBox="1"/>
           <p:nvPr/>
         </p:nvSpPr>
         <p:spPr>
           <a:xfrm>
-            <a:off x="155691" y="119380"/>
+            <a:off x="169339" y="105732"/>
             <a:ext cx="10515240" cy="1325160"/>
           </a:xfrm>
           <a:prstGeom prst="rect">
@@ -8220,14 +9971,14 @@
       </p:sp>
       <p:sp>
         <p:nvSpPr>
-          <p:cNvPr id="94" name="TextShape 2"/>
+          <p:cNvPr id="92" name="TextShape 2"/>
           <p:cNvSpPr txBox="1"/>
           <p:nvPr/>
         </p:nvSpPr>
         <p:spPr>
           <a:xfrm>
-            <a:off x="155691" y="1320587"/>
-            <a:ext cx="11881634" cy="5243986"/>
+            <a:off x="169338" y="1770968"/>
+            <a:ext cx="11704213" cy="4692461"/>
           </a:xfrm>
           <a:prstGeom prst="rect">
             <a:avLst/>
@@ -8241,26 +9992,225 @@
           <a:bodyPr/>
           <a:lstStyle/>
           <a:p>
+            <a:pPr marL="342900" indent="-342900" algn="just">
+              <a:lnSpc>
+                <a:spcPct val="120000"/>
+              </a:lnSpc>
+              <a:buFont typeface="Wingdings" pitchFamily="2" charset="2"/>
+              <a:buChar char="§"/>
+            </a:pPr>
+            <a:r>
+              <a:rPr lang="en-US" sz="2400" b="0" strike="noStrike" spc="-1" dirty="0">
+                <a:solidFill>
+                  <a:srgbClr val="000000"/>
+                </a:solidFill>
+                <a:uFill>
+                  <a:solidFill>
+                    <a:srgbClr val="FFFFFF"/>
+                  </a:solidFill>
+                </a:uFill>
+                <a:latin typeface="Calibri"/>
+              </a:rPr>
+              <a:t>The project Spring Boot </a:t>
+            </a:r>
+            <a:r>
+              <a:rPr lang="en-US" sz="2400" b="0" i="1" strike="noStrike" spc="-1" dirty="0">
+                <a:solidFill>
+                  <a:srgbClr val="000000"/>
+                </a:solidFill>
+                <a:uFill>
+                  <a:solidFill>
+                    <a:srgbClr val="FFFFFF"/>
+                  </a:solidFill>
+                </a:uFill>
+                <a:latin typeface="Calibri"/>
+              </a:rPr>
+              <a:t>(or Boot simply)</a:t>
+            </a:r>
+            <a:r>
+              <a:rPr lang="en-US" sz="2400" b="0" strike="noStrike" spc="-1" dirty="0">
+                <a:solidFill>
+                  <a:srgbClr val="000000"/>
+                </a:solidFill>
+                <a:uFill>
+                  <a:solidFill>
+                    <a:srgbClr val="FFFFFF"/>
+                  </a:solidFill>
+                </a:uFill>
+                <a:latin typeface="Calibri"/>
+              </a:rPr>
+              <a:t> is more a framework the Spring ecosystem. Was launched with the Spring Framework 4.0. </a:t>
+            </a:r>
+            <a:endParaRPr lang="en-US" sz="2800" b="0" strike="noStrike" spc="-1" dirty="0">
+              <a:solidFill>
+                <a:srgbClr val="000000"/>
+              </a:solidFill>
+              <a:uFill>
+                <a:solidFill>
+                  <a:srgbClr val="FFFFFF"/>
+                </a:solidFill>
+              </a:uFill>
+              <a:latin typeface="Calibri"/>
+            </a:endParaRPr>
+          </a:p>
+          <a:p>
+            <a:pPr marL="457200" indent="-457200" algn="just">
+              <a:lnSpc>
+                <a:spcPct val="120000"/>
+              </a:lnSpc>
+              <a:buFont typeface="Wingdings" pitchFamily="2" charset="2"/>
+              <a:buChar char="§"/>
+            </a:pPr>
+            <a:endParaRPr lang="en-US" sz="2800" b="0" strike="noStrike" spc="-1" dirty="0">
+              <a:solidFill>
+                <a:srgbClr val="000000"/>
+              </a:solidFill>
+              <a:uFill>
+                <a:solidFill>
+                  <a:srgbClr val="FFFFFF"/>
+                </a:solidFill>
+              </a:uFill>
+              <a:latin typeface="Calibri"/>
+            </a:endParaRPr>
+          </a:p>
+          <a:p>
+            <a:pPr marL="342900" indent="-342900" algn="just">
+              <a:lnSpc>
+                <a:spcPct val="120000"/>
+              </a:lnSpc>
+              <a:buFont typeface="Wingdings" pitchFamily="2" charset="2"/>
+              <a:buChar char="§"/>
+            </a:pPr>
+            <a:r>
+              <a:rPr lang="en-US" sz="2400" b="0" strike="noStrike" spc="-1" dirty="0">
+                <a:solidFill>
+                  <a:srgbClr val="000000"/>
+                </a:solidFill>
+                <a:uFill>
+                  <a:solidFill>
+                    <a:srgbClr val="FFFFFF"/>
+                  </a:solidFill>
+                </a:uFill>
+                <a:latin typeface="Calibri"/>
+              </a:rPr>
+              <a:t>Spring Boot make use of all Spring ecosystem and bring more productivity for the developer.</a:t>
+            </a:r>
+            <a:endParaRPr lang="en-US" sz="2800" b="0" strike="noStrike" spc="-1" dirty="0">
+              <a:solidFill>
+                <a:srgbClr val="000000"/>
+              </a:solidFill>
+              <a:uFill>
+                <a:solidFill>
+                  <a:srgbClr val="FFFFFF"/>
+                </a:solidFill>
+              </a:uFill>
+              <a:latin typeface="Calibri"/>
+            </a:endParaRPr>
+          </a:p>
+          <a:p>
+            <a:pPr marL="457200" indent="-457200" algn="just">
+              <a:lnSpc>
+                <a:spcPct val="120000"/>
+              </a:lnSpc>
+              <a:buFont typeface="Wingdings" pitchFamily="2" charset="2"/>
+              <a:buChar char="§"/>
+            </a:pPr>
+            <a:endParaRPr lang="en-US" sz="2800" b="0" strike="noStrike" spc="-1" dirty="0">
+              <a:solidFill>
+                <a:srgbClr val="000000"/>
+              </a:solidFill>
+              <a:uFill>
+                <a:solidFill>
+                  <a:srgbClr val="FFFFFF"/>
+                </a:solidFill>
+              </a:uFill>
+              <a:latin typeface="Calibri"/>
+            </a:endParaRPr>
+          </a:p>
+          <a:p>
+            <a:pPr marL="342900" indent="-342900" algn="just">
+              <a:lnSpc>
+                <a:spcPct val="120000"/>
+              </a:lnSpc>
+              <a:buFont typeface="Wingdings" pitchFamily="2" charset="2"/>
+              <a:buChar char="§"/>
+            </a:pPr>
+            <a:r>
+              <a:rPr lang="en-US" sz="2400" b="0" strike="noStrike" spc="-1" dirty="0">
+                <a:solidFill>
+                  <a:srgbClr val="000000"/>
+                </a:solidFill>
+                <a:uFill>
+                  <a:solidFill>
+                    <a:srgbClr val="FFFFFF"/>
+                  </a:solidFill>
+                </a:uFill>
+                <a:latin typeface="Calibri"/>
+              </a:rPr>
+              <a:t>Spring Boot decrease the time that the developers spend to start the implementation of new projects.</a:t>
+            </a:r>
+          </a:p>
+          <a:p>
+            <a:pPr marL="342900" indent="-342900" algn="just">
+              <a:lnSpc>
+                <a:spcPct val="120000"/>
+              </a:lnSpc>
+              <a:buFont typeface="Wingdings" pitchFamily="2" charset="2"/>
+              <a:buChar char="§"/>
+            </a:pPr>
+            <a:endParaRPr lang="en-US" sz="2400" spc="-1" dirty="0">
+              <a:solidFill>
+                <a:srgbClr val="000000"/>
+              </a:solidFill>
+              <a:uFill>
+                <a:solidFill>
+                  <a:srgbClr val="FFFFFF"/>
+                </a:solidFill>
+              </a:uFill>
+              <a:latin typeface="Calibri"/>
+            </a:endParaRPr>
+          </a:p>
+          <a:p>
+            <a:pPr marL="342900" indent="-342900" algn="just">
+              <a:lnSpc>
+                <a:spcPct val="120000"/>
+              </a:lnSpc>
+              <a:buFont typeface="Wingdings" pitchFamily="2" charset="2"/>
+              <a:buChar char="§"/>
+            </a:pPr>
+            <a:r>
+              <a:rPr lang="en-US" sz="2400" spc="-1" dirty="0">
+                <a:solidFill>
+                  <a:srgbClr val="000000"/>
+                </a:solidFill>
+                <a:uFill>
+                  <a:solidFill>
+                    <a:srgbClr val="FFFFFF"/>
+                  </a:solidFill>
+                </a:uFill>
+                <a:latin typeface="Calibri"/>
+              </a:rPr>
+              <a:t>Spring Boot makes easy and fast the process to create an application</a:t>
+            </a:r>
+            <a:endParaRPr lang="en-US" sz="2800" b="0" strike="noStrike" spc="-1" dirty="0">
+              <a:solidFill>
+                <a:srgbClr val="000000"/>
+              </a:solidFill>
+              <a:uFill>
+                <a:solidFill>
+                  <a:srgbClr val="FFFFFF"/>
+                </a:solidFill>
+              </a:uFill>
+              <a:latin typeface="Calibri"/>
+            </a:endParaRPr>
+          </a:p>
+          <a:p>
             <a:pPr>
               <a:lnSpc>
                 <a:spcPct val="120000"/>
               </a:lnSpc>
             </a:pPr>
-            <a:r>
-              <a:rPr lang="en-US" sz="2400" b="1" strike="noStrike" spc="-1" dirty="0">
-                <a:solidFill>
-                  <a:srgbClr val="000000"/>
-                </a:solidFill>
-                <a:uFill>
-                  <a:solidFill>
-                    <a:srgbClr val="FFFFFF"/>
-                  </a:solidFill>
-                </a:uFill>
-                <a:latin typeface="Calibri"/>
-              </a:rPr>
-              <a:t>Spring Boot is based in four principles:</a:t>
-            </a:r>
-            <a:endParaRPr lang="en-US" sz="2800" b="1" strike="noStrike" spc="-1" dirty="0">
+            <a:endParaRPr lang="en-US" sz="2800" b="0" strike="noStrike" spc="-1" dirty="0">
               <a:solidFill>
                 <a:srgbClr val="000000"/>
               </a:solidFill>
@@ -8275,7 +10225,7 @@
           <a:p>
             <a:pPr>
               <a:lnSpc>
-                <a:spcPct val="120000"/>
+                <a:spcPct val="100000"/>
               </a:lnSpc>
             </a:pPr>
             <a:endParaRPr lang="en-US" sz="2800" b="0" strike="noStrike" spc="-1" dirty="0">
@@ -8291,163 +10241,9 @@
             </a:endParaRPr>
           </a:p>
           <a:p>
-            <a:pPr marL="457200" indent="-457200">
-              <a:lnSpc>
-                <a:spcPct val="120000"/>
-              </a:lnSpc>
-              <a:buAutoNum type="arabicPeriod"/>
-            </a:pPr>
-            <a:r>
-              <a:rPr lang="en-US" sz="2400" b="0" strike="noStrike" spc="-1" dirty="0">
-                <a:solidFill>
-                  <a:srgbClr val="000000"/>
-                </a:solidFill>
-                <a:uFill>
-                  <a:solidFill>
-                    <a:srgbClr val="FFFFFF"/>
-                  </a:solidFill>
-                </a:uFill>
-                <a:latin typeface="Calibri"/>
-              </a:rPr>
-              <a:t>Provide a getting started experience, extremely fast and direct.</a:t>
-            </a:r>
-          </a:p>
-          <a:p>
-            <a:pPr marL="514350" indent="-514350">
-              <a:lnSpc>
-                <a:spcPct val="120000"/>
-              </a:lnSpc>
-              <a:buAutoNum type="arabicPeriod"/>
-            </a:pPr>
-            <a:endParaRPr lang="en-US" sz="2800" b="0" strike="noStrike" spc="-1" dirty="0">
-              <a:solidFill>
-                <a:srgbClr val="000000"/>
-              </a:solidFill>
-              <a:uFill>
-                <a:solidFill>
-                  <a:srgbClr val="FFFFFF"/>
-                </a:solidFill>
-              </a:uFill>
-              <a:latin typeface="Calibri"/>
-            </a:endParaRPr>
-          </a:p>
-          <a:p>
-            <a:pPr marL="457200" indent="-457200">
-              <a:lnSpc>
-                <a:spcPct val="120000"/>
-              </a:lnSpc>
-              <a:buAutoNum type="arabicPeriod" startAt="2"/>
-            </a:pPr>
-            <a:r>
-              <a:rPr lang="en-US" sz="2400" b="0" strike="noStrike" spc="-1" dirty="0">
-                <a:solidFill>
-                  <a:srgbClr val="000000"/>
-                </a:solidFill>
-                <a:uFill>
-                  <a:solidFill>
-                    <a:srgbClr val="FFFFFF"/>
-                  </a:solidFill>
-                </a:uFill>
-                <a:latin typeface="Calibri"/>
-              </a:rPr>
-              <a:t>Present a start view about the way to configure our projects but is completely adaptable to attend the project requirements.</a:t>
-            </a:r>
-          </a:p>
-          <a:p>
             <a:pPr>
               <a:lnSpc>
-                <a:spcPct val="120000"/>
-              </a:lnSpc>
-            </a:pPr>
-            <a:endParaRPr lang="en-US" sz="2800" b="0" strike="noStrike" spc="-1" dirty="0">
-              <a:solidFill>
-                <a:srgbClr val="000000"/>
-              </a:solidFill>
-              <a:uFill>
-                <a:solidFill>
-                  <a:srgbClr val="FFFFFF"/>
-                </a:solidFill>
-              </a:uFill>
-              <a:latin typeface="Calibri"/>
-            </a:endParaRPr>
-          </a:p>
-          <a:p>
-            <a:pPr marL="457200" indent="-457200">
-              <a:lnSpc>
-                <a:spcPct val="120000"/>
-              </a:lnSpc>
-              <a:buAutoNum type="arabicPeriod" startAt="3"/>
-            </a:pPr>
-            <a:r>
-              <a:rPr lang="en-US" sz="2400" b="0" strike="noStrike" spc="-1" dirty="0">
-                <a:solidFill>
-                  <a:srgbClr val="000000"/>
-                </a:solidFill>
-                <a:uFill>
-                  <a:solidFill>
-                    <a:srgbClr val="FFFFFF"/>
-                  </a:solidFill>
-                </a:uFill>
-                <a:latin typeface="Calibri"/>
-              </a:rPr>
-              <a:t>Provide several no-functional requirements such as metrics, security, data access and embedded application server (Tomcat).</a:t>
-            </a:r>
-          </a:p>
-          <a:p>
-            <a:pPr>
-              <a:lnSpc>
-                <a:spcPct val="120000"/>
-              </a:lnSpc>
-            </a:pPr>
-            <a:endParaRPr lang="en-US" sz="2800" b="0" strike="noStrike" spc="-1" dirty="0">
-              <a:solidFill>
-                <a:srgbClr val="000000"/>
-              </a:solidFill>
-              <a:uFill>
-                <a:solidFill>
-                  <a:srgbClr val="FFFFFF"/>
-                </a:solidFill>
-              </a:uFill>
-              <a:latin typeface="Calibri"/>
-            </a:endParaRPr>
-          </a:p>
-          <a:p>
-            <a:pPr marL="457200" indent="-457200">
-              <a:lnSpc>
-                <a:spcPct val="120000"/>
-              </a:lnSpc>
-              <a:buAutoNum type="arabicPeriod" startAt="4"/>
-            </a:pPr>
-            <a:r>
-              <a:rPr lang="en-US" sz="2400" b="0" strike="noStrike" spc="-1" dirty="0">
-                <a:solidFill>
-                  <a:srgbClr val="000000"/>
-                </a:solidFill>
-                <a:uFill>
-                  <a:solidFill>
-                    <a:srgbClr val="FFFFFF"/>
-                  </a:solidFill>
-                </a:uFill>
-                <a:latin typeface="Calibri"/>
-              </a:rPr>
-              <a:t>Reduce the code generation and the necessity of XML files.</a:t>
-            </a:r>
-            <a:endParaRPr lang="en-US" sz="2800" b="0" strike="noStrike" spc="-1" dirty="0">
-              <a:solidFill>
-                <a:srgbClr val="000000"/>
-              </a:solidFill>
-              <a:uFill>
-                <a:solidFill>
-                  <a:srgbClr val="FFFFFF"/>
-                </a:solidFill>
-              </a:uFill>
-              <a:latin typeface="Calibri"/>
-            </a:endParaRPr>
-          </a:p>
-          <a:p>
-            <a:pPr>
-              <a:lnSpc>
-                <a:spcPct val="120000"/>
+                <a:spcPct val="100000"/>
               </a:lnSpc>
             </a:pPr>
             <a:endParaRPr lang="en-US" sz="2800" b="0" strike="noStrike" spc="-1" dirty="0">
@@ -8572,13 +10368,13 @@
       </p:grpSpPr>
       <p:sp>
         <p:nvSpPr>
-          <p:cNvPr id="95" name="TextShape 1"/>
+          <p:cNvPr id="93" name="TextShape 1"/>
           <p:cNvSpPr txBox="1"/>
           <p:nvPr/>
         </p:nvSpPr>
         <p:spPr>
           <a:xfrm>
-            <a:off x="122830" y="173972"/>
+            <a:off x="155691" y="119380"/>
             <a:ext cx="10515240" cy="1325160"/>
           </a:xfrm>
           <a:prstGeom prst="rect">
@@ -8610,7 +10406,7 @@
                 </a:uFill>
                 <a:latin typeface="Calibri Light"/>
               </a:rPr>
-              <a:t>How create a Spring Boot project</a:t>
+              <a:t>What is Spring Boot</a:t>
             </a:r>
             <a:endParaRPr lang="en-US" sz="3200" b="0" strike="noStrike" spc="-1" dirty="0">
               <a:solidFill>
@@ -8628,14 +10424,14 @@
       </p:sp>
       <p:sp>
         <p:nvSpPr>
-          <p:cNvPr id="96" name="TextShape 2"/>
+          <p:cNvPr id="94" name="TextShape 2"/>
           <p:cNvSpPr txBox="1"/>
           <p:nvPr/>
         </p:nvSpPr>
         <p:spPr>
           <a:xfrm>
-            <a:off x="122830" y="1811913"/>
-            <a:ext cx="10515240" cy="3428827"/>
+            <a:off x="155691" y="1320587"/>
+            <a:ext cx="11881634" cy="5243986"/>
           </a:xfrm>
           <a:prstGeom prst="rect">
             <a:avLst/>
@@ -8651,24 +10447,232 @@
           <a:p>
             <a:pPr>
               <a:lnSpc>
+                <a:spcPct val="120000"/>
+              </a:lnSpc>
+            </a:pPr>
+            <a:r>
+              <a:rPr lang="en-US" sz="2400" b="1" strike="noStrike" spc="-1" dirty="0">
+                <a:solidFill>
+                  <a:srgbClr val="000000"/>
+                </a:solidFill>
+                <a:uFill>
+                  <a:solidFill>
+                    <a:srgbClr val="FFFFFF"/>
+                  </a:solidFill>
+                </a:uFill>
+                <a:latin typeface="Calibri"/>
+              </a:rPr>
+              <a:t>Spring Boot is based in four principles:</a:t>
+            </a:r>
+            <a:endParaRPr lang="en-US" sz="2800" b="1" strike="noStrike" spc="-1" dirty="0">
+              <a:solidFill>
+                <a:srgbClr val="000000"/>
+              </a:solidFill>
+              <a:uFill>
+                <a:solidFill>
+                  <a:srgbClr val="FFFFFF"/>
+                </a:solidFill>
+              </a:uFill>
+              <a:latin typeface="Calibri"/>
+            </a:endParaRPr>
+          </a:p>
+          <a:p>
+            <a:pPr>
+              <a:lnSpc>
+                <a:spcPct val="120000"/>
+              </a:lnSpc>
+            </a:pPr>
+            <a:endParaRPr lang="en-US" sz="2800" b="0" strike="noStrike" spc="-1" dirty="0">
+              <a:solidFill>
+                <a:srgbClr val="000000"/>
+              </a:solidFill>
+              <a:uFill>
+                <a:solidFill>
+                  <a:srgbClr val="FFFFFF"/>
+                </a:solidFill>
+              </a:uFill>
+              <a:latin typeface="Calibri"/>
+            </a:endParaRPr>
+          </a:p>
+          <a:p>
+            <a:pPr marL="457200" indent="-457200">
+              <a:lnSpc>
+                <a:spcPct val="120000"/>
+              </a:lnSpc>
+              <a:buAutoNum type="arabicPeriod"/>
+            </a:pPr>
+            <a:r>
+              <a:rPr lang="en-US" sz="2400" b="0" strike="noStrike" spc="-1" dirty="0">
+                <a:solidFill>
+                  <a:srgbClr val="000000"/>
+                </a:solidFill>
+                <a:uFill>
+                  <a:solidFill>
+                    <a:srgbClr val="FFFFFF"/>
+                  </a:solidFill>
+                </a:uFill>
+                <a:latin typeface="Calibri"/>
+              </a:rPr>
+              <a:t>Provide a getting started experience, extremely fast and direct.</a:t>
+            </a:r>
+          </a:p>
+          <a:p>
+            <a:pPr marL="514350" indent="-514350">
+              <a:lnSpc>
+                <a:spcPct val="120000"/>
+              </a:lnSpc>
+              <a:buAutoNum type="arabicPeriod"/>
+            </a:pPr>
+            <a:endParaRPr lang="en-US" sz="2800" b="0" strike="noStrike" spc="-1" dirty="0">
+              <a:solidFill>
+                <a:srgbClr val="000000"/>
+              </a:solidFill>
+              <a:uFill>
+                <a:solidFill>
+                  <a:srgbClr val="FFFFFF"/>
+                </a:solidFill>
+              </a:uFill>
+              <a:latin typeface="Calibri"/>
+            </a:endParaRPr>
+          </a:p>
+          <a:p>
+            <a:pPr marL="457200" indent="-457200">
+              <a:lnSpc>
+                <a:spcPct val="120000"/>
+              </a:lnSpc>
+              <a:buAutoNum type="arabicPeriod" startAt="2"/>
+            </a:pPr>
+            <a:r>
+              <a:rPr lang="en-US" sz="2400" b="0" strike="noStrike" spc="-1" dirty="0">
+                <a:solidFill>
+                  <a:srgbClr val="000000"/>
+                </a:solidFill>
+                <a:uFill>
+                  <a:solidFill>
+                    <a:srgbClr val="FFFFFF"/>
+                  </a:solidFill>
+                </a:uFill>
+                <a:latin typeface="Calibri"/>
+              </a:rPr>
+              <a:t>Present a start view about the way to configure our projects but is completely adaptable to attend the project requirements.</a:t>
+            </a:r>
+          </a:p>
+          <a:p>
+            <a:pPr>
+              <a:lnSpc>
+                <a:spcPct val="120000"/>
+              </a:lnSpc>
+            </a:pPr>
+            <a:endParaRPr lang="en-US" sz="2800" b="0" strike="noStrike" spc="-1" dirty="0">
+              <a:solidFill>
+                <a:srgbClr val="000000"/>
+              </a:solidFill>
+              <a:uFill>
+                <a:solidFill>
+                  <a:srgbClr val="FFFFFF"/>
+                </a:solidFill>
+              </a:uFill>
+              <a:latin typeface="Calibri"/>
+            </a:endParaRPr>
+          </a:p>
+          <a:p>
+            <a:pPr marL="457200" indent="-457200">
+              <a:lnSpc>
+                <a:spcPct val="120000"/>
+              </a:lnSpc>
+              <a:buAutoNum type="arabicPeriod" startAt="3"/>
+            </a:pPr>
+            <a:r>
+              <a:rPr lang="en-US" sz="2400" b="0" strike="noStrike" spc="-1" dirty="0">
+                <a:solidFill>
+                  <a:srgbClr val="000000"/>
+                </a:solidFill>
+                <a:uFill>
+                  <a:solidFill>
+                    <a:srgbClr val="FFFFFF"/>
+                  </a:solidFill>
+                </a:uFill>
+                <a:latin typeface="Calibri"/>
+              </a:rPr>
+              <a:t>Provide several no-functional requirements such as metrics, security, data access and embedded application server (Tomcat).</a:t>
+            </a:r>
+          </a:p>
+          <a:p>
+            <a:pPr>
+              <a:lnSpc>
+                <a:spcPct val="120000"/>
+              </a:lnSpc>
+            </a:pPr>
+            <a:endParaRPr lang="en-US" sz="2800" b="0" strike="noStrike" spc="-1" dirty="0">
+              <a:solidFill>
+                <a:srgbClr val="000000"/>
+              </a:solidFill>
+              <a:uFill>
+                <a:solidFill>
+                  <a:srgbClr val="FFFFFF"/>
+                </a:solidFill>
+              </a:uFill>
+              <a:latin typeface="Calibri"/>
+            </a:endParaRPr>
+          </a:p>
+          <a:p>
+            <a:pPr marL="457200" indent="-457200">
+              <a:lnSpc>
+                <a:spcPct val="120000"/>
+              </a:lnSpc>
+              <a:buAutoNum type="arabicPeriod" startAt="4"/>
+            </a:pPr>
+            <a:r>
+              <a:rPr lang="en-US" sz="2400" b="0" strike="noStrike" spc="-1" dirty="0">
+                <a:solidFill>
+                  <a:srgbClr val="000000"/>
+                </a:solidFill>
+                <a:uFill>
+                  <a:solidFill>
+                    <a:srgbClr val="FFFFFF"/>
+                  </a:solidFill>
+                </a:uFill>
+                <a:latin typeface="Calibri"/>
+              </a:rPr>
+              <a:t>Reduce the code generation and the necessity of XML files.</a:t>
+            </a:r>
+            <a:endParaRPr lang="en-US" sz="2800" b="0" strike="noStrike" spc="-1" dirty="0">
+              <a:solidFill>
+                <a:srgbClr val="000000"/>
+              </a:solidFill>
+              <a:uFill>
+                <a:solidFill>
+                  <a:srgbClr val="FFFFFF"/>
+                </a:solidFill>
+              </a:uFill>
+              <a:latin typeface="Calibri"/>
+            </a:endParaRPr>
+          </a:p>
+          <a:p>
+            <a:pPr>
+              <a:lnSpc>
+                <a:spcPct val="120000"/>
+              </a:lnSpc>
+            </a:pPr>
+            <a:endParaRPr lang="en-US" sz="2800" b="0" strike="noStrike" spc="-1" dirty="0">
+              <a:solidFill>
+                <a:srgbClr val="000000"/>
+              </a:solidFill>
+              <a:uFill>
+                <a:solidFill>
+                  <a:srgbClr val="FFFFFF"/>
+                </a:solidFill>
+              </a:uFill>
+              <a:latin typeface="Calibri"/>
+            </a:endParaRPr>
+          </a:p>
+          <a:p>
+            <a:pPr>
+              <a:lnSpc>
                 <a:spcPct val="100000"/>
               </a:lnSpc>
             </a:pPr>
-            <a:r>
-              <a:rPr lang="en-US" sz="2400" b="1" strike="noStrike" spc="-1" dirty="0">
-                <a:solidFill>
-                  <a:srgbClr val="000000"/>
-                </a:solidFill>
-                <a:uFill>
-                  <a:solidFill>
-                    <a:srgbClr val="FFFFFF"/>
-                  </a:solidFill>
-                </a:uFill>
-                <a:latin typeface="Calibri"/>
-              </a:rPr>
-              <a:t>Web Services – SPRING INITIALIZR</a:t>
-            </a:r>
-            <a:endParaRPr lang="en-US" sz="2400" b="0" strike="noStrike" spc="-1" dirty="0">
+            <a:endParaRPr lang="en-US" sz="2800" b="0" strike="noStrike" spc="-1" dirty="0">
               <a:solidFill>
                 <a:srgbClr val="000000"/>
               </a:solidFill>
@@ -8686,217 +10690,6 @@
                 <a:spcPct val="100000"/>
               </a:lnSpc>
             </a:pPr>
-            <a:r>
-              <a:rPr lang="en-US" sz="2400" b="0" u="sng" strike="noStrike" spc="-1" dirty="0">
-                <a:solidFill>
-                  <a:srgbClr val="0563C1"/>
-                </a:solidFill>
-                <a:uFill>
-                  <a:solidFill>
-                    <a:srgbClr val="FFFFFF"/>
-                  </a:solidFill>
-                </a:uFill>
-                <a:latin typeface="Calibri"/>
-                <a:hlinkClick r:id="rId3"/>
-              </a:rPr>
-              <a:t>https://start.spring.io/</a:t>
-            </a:r>
-            <a:endParaRPr lang="en-US" sz="2400" b="0" strike="noStrike" spc="-1" dirty="0">
-              <a:solidFill>
-                <a:srgbClr val="000000"/>
-              </a:solidFill>
-              <a:uFill>
-                <a:solidFill>
-                  <a:srgbClr val="FFFFFF"/>
-                </a:solidFill>
-              </a:uFill>
-              <a:latin typeface="Calibri"/>
-            </a:endParaRPr>
-          </a:p>
-          <a:p>
-            <a:pPr>
-              <a:lnSpc>
-                <a:spcPct val="100000"/>
-              </a:lnSpc>
-            </a:pPr>
-            <a:endParaRPr lang="en-US" sz="2400" b="0" strike="noStrike" spc="-1" dirty="0">
-              <a:solidFill>
-                <a:srgbClr val="000000"/>
-              </a:solidFill>
-              <a:uFill>
-                <a:solidFill>
-                  <a:srgbClr val="FFFFFF"/>
-                </a:solidFill>
-              </a:uFill>
-              <a:latin typeface="Calibri"/>
-            </a:endParaRPr>
-          </a:p>
-          <a:p>
-            <a:pPr>
-              <a:lnSpc>
-                <a:spcPct val="100000"/>
-              </a:lnSpc>
-            </a:pPr>
-            <a:r>
-              <a:rPr lang="en-US" sz="2400" b="1" strike="noStrike" spc="-1" dirty="0">
-                <a:solidFill>
-                  <a:srgbClr val="000000"/>
-                </a:solidFill>
-                <a:uFill>
-                  <a:solidFill>
-                    <a:srgbClr val="FFFFFF"/>
-                  </a:solidFill>
-                </a:uFill>
-                <a:latin typeface="Calibri"/>
-              </a:rPr>
-              <a:t>Command line</a:t>
-            </a:r>
-            <a:endParaRPr lang="en-US" sz="2400" b="0" strike="noStrike" spc="-1" dirty="0">
-              <a:solidFill>
-                <a:srgbClr val="000000"/>
-              </a:solidFill>
-              <a:uFill>
-                <a:solidFill>
-                  <a:srgbClr val="FFFFFF"/>
-                </a:solidFill>
-              </a:uFill>
-              <a:latin typeface="Calibri"/>
-            </a:endParaRPr>
-          </a:p>
-          <a:p>
-            <a:pPr>
-              <a:lnSpc>
-                <a:spcPct val="100000"/>
-              </a:lnSpc>
-            </a:pPr>
-            <a:r>
-              <a:rPr lang="en-US" sz="2400" b="0" strike="noStrike" spc="-1" dirty="0">
-                <a:solidFill>
-                  <a:srgbClr val="000000"/>
-                </a:solidFill>
-                <a:uFill>
-                  <a:solidFill>
-                    <a:srgbClr val="FFFFFF"/>
-                  </a:solidFill>
-                </a:uFill>
-                <a:latin typeface="Calibri"/>
-              </a:rPr>
-              <a:t>curl </a:t>
-            </a:r>
-            <a:r>
-              <a:rPr lang="en-US" sz="2400" b="0" strike="noStrike" spc="-1" dirty="0" err="1">
-                <a:solidFill>
-                  <a:srgbClr val="000000"/>
-                </a:solidFill>
-                <a:uFill>
-                  <a:solidFill>
-                    <a:srgbClr val="FFFFFF"/>
-                  </a:solidFill>
-                </a:uFill>
-                <a:latin typeface="Calibri"/>
-              </a:rPr>
-              <a:t>start.spring.io</a:t>
-            </a:r>
-            <a:endParaRPr lang="en-US" sz="2400" b="0" strike="noStrike" spc="-1" dirty="0">
-              <a:solidFill>
-                <a:srgbClr val="000000"/>
-              </a:solidFill>
-              <a:uFill>
-                <a:solidFill>
-                  <a:srgbClr val="FFFFFF"/>
-                </a:solidFill>
-              </a:uFill>
-              <a:latin typeface="Calibri"/>
-            </a:endParaRPr>
-          </a:p>
-          <a:p>
-            <a:pPr>
-              <a:lnSpc>
-                <a:spcPct val="100000"/>
-              </a:lnSpc>
-            </a:pPr>
-            <a:endParaRPr lang="en-US" sz="2400" b="0" strike="noStrike" spc="-1" dirty="0">
-              <a:solidFill>
-                <a:srgbClr val="000000"/>
-              </a:solidFill>
-              <a:uFill>
-                <a:solidFill>
-                  <a:srgbClr val="FFFFFF"/>
-                </a:solidFill>
-              </a:uFill>
-              <a:latin typeface="Calibri"/>
-            </a:endParaRPr>
-          </a:p>
-          <a:p>
-            <a:pPr>
-              <a:lnSpc>
-                <a:spcPct val="100000"/>
-              </a:lnSpc>
-            </a:pPr>
-            <a:r>
-              <a:rPr lang="en-US" sz="2400" b="1" strike="noStrike" spc="-1" dirty="0">
-                <a:solidFill>
-                  <a:srgbClr val="000000"/>
-                </a:solidFill>
-                <a:uFill>
-                  <a:solidFill>
-                    <a:srgbClr val="FFFFFF"/>
-                  </a:solidFill>
-                </a:uFill>
-                <a:latin typeface="Calibri"/>
-              </a:rPr>
-              <a:t>Spring Dashboard in Eclipse</a:t>
-            </a:r>
-            <a:endParaRPr lang="en-US" sz="2400" b="0" strike="noStrike" spc="-1" dirty="0">
-              <a:solidFill>
-                <a:srgbClr val="000000"/>
-              </a:solidFill>
-              <a:uFill>
-                <a:solidFill>
-                  <a:srgbClr val="FFFFFF"/>
-                </a:solidFill>
-              </a:uFill>
-              <a:latin typeface="Calibri"/>
-            </a:endParaRPr>
-          </a:p>
-          <a:p>
-            <a:pPr>
-              <a:lnSpc>
-                <a:spcPct val="100000"/>
-              </a:lnSpc>
-            </a:pPr>
-            <a:endParaRPr lang="en-US" sz="2400" b="0" strike="noStrike" spc="-1" dirty="0">
-              <a:solidFill>
-                <a:srgbClr val="000000"/>
-              </a:solidFill>
-              <a:uFill>
-                <a:solidFill>
-                  <a:srgbClr val="FFFFFF"/>
-                </a:solidFill>
-              </a:uFill>
-              <a:latin typeface="Calibri"/>
-            </a:endParaRPr>
-          </a:p>
-          <a:p>
-            <a:pPr>
-              <a:lnSpc>
-                <a:spcPct val="100000"/>
-              </a:lnSpc>
-            </a:pPr>
-            <a:r>
-              <a:rPr lang="en-US" sz="2400" b="1" strike="noStrike" spc="-1" dirty="0">
-                <a:solidFill>
-                  <a:srgbClr val="000000"/>
-                </a:solidFill>
-                <a:uFill>
-                  <a:solidFill>
-                    <a:srgbClr val="FFFFFF"/>
-                  </a:solidFill>
-                </a:uFill>
-                <a:latin typeface="Calibri"/>
-              </a:rPr>
-              <a:t>Spring Tool Suite (Eclipse)</a:t>
-            </a:r>
             <a:endParaRPr lang="en-US" sz="2800" b="0" strike="noStrike" spc="-1" dirty="0">
               <a:solidFill>
                 <a:srgbClr val="000000"/>
@@ -8983,14 +10776,14 @@
       </p:grpSpPr>
       <p:sp>
         <p:nvSpPr>
-          <p:cNvPr id="97" name="TextShape 1"/>
+          <p:cNvPr id="95" name="TextShape 1"/>
           <p:cNvSpPr txBox="1"/>
           <p:nvPr/>
         </p:nvSpPr>
         <p:spPr>
           <a:xfrm>
-            <a:off x="1523880" y="1122480"/>
-            <a:ext cx="9143640" cy="2387160"/>
+            <a:off x="122830" y="173972"/>
+            <a:ext cx="10515240" cy="1325160"/>
           </a:xfrm>
           <a:prstGeom prst="rect">
             <a:avLst/>
@@ -9001,16 +10794,16 @@
           </a:ln>
         </p:spPr>
         <p:txBody>
-          <a:bodyPr anchor="b"/>
-          <a:lstStyle/>
-          <a:p>
-            <a:pPr algn="ctr">
-              <a:lnSpc>
-                <a:spcPct val="100000"/>
-              </a:lnSpc>
-            </a:pPr>
-            <a:r>
-              <a:rPr lang="en-US" sz="6000" b="1" strike="noStrike" spc="-1" dirty="0">
+          <a:bodyPr anchor="ctr"/>
+          <a:lstStyle/>
+          <a:p>
+            <a:pPr>
+              <a:lnSpc>
+                <a:spcPct val="90000"/>
+              </a:lnSpc>
+            </a:pPr>
+            <a:r>
+              <a:rPr lang="en-US" sz="3200" b="1" strike="noStrike" spc="-1" dirty="0">
                 <a:solidFill>
                   <a:srgbClr val="000000"/>
                 </a:solidFill>
@@ -9021,32 +10814,32 @@
                 </a:uFill>
                 <a:latin typeface="Calibri Light"/>
               </a:rPr>
-              <a:t>Demo</a:t>
-            </a:r>
-            <a:endParaRPr lang="en-US" sz="1800" b="0" strike="noStrike" spc="-1" dirty="0">
-              <a:solidFill>
-                <a:srgbClr val="000000"/>
-              </a:solidFill>
-              <a:uFill>
-                <a:solidFill>
-                  <a:srgbClr val="FFFFFF"/>
-                </a:solidFill>
-              </a:uFill>
-              <a:latin typeface="Calibri"/>
-            </a:endParaRPr>
-          </a:p>
-        </p:txBody>
-      </p:sp>
-      <p:sp>
-        <p:nvSpPr>
-          <p:cNvPr id="98" name="CustomShape 2"/>
-          <p:cNvSpPr/>
+              <a:t>How create a Spring Boot project</a:t>
+            </a:r>
+            <a:endParaRPr lang="en-US" sz="3200" b="0" strike="noStrike" spc="-1" dirty="0">
+              <a:solidFill>
+                <a:srgbClr val="000000"/>
+              </a:solidFill>
+              <a:uFill>
+                <a:solidFill>
+                  <a:srgbClr val="FFFFFF"/>
+                </a:solidFill>
+              </a:uFill>
+              <a:latin typeface="Calibri"/>
+            </a:endParaRPr>
+          </a:p>
+        </p:txBody>
+      </p:sp>
+      <p:sp>
+        <p:nvSpPr>
+          <p:cNvPr id="96" name="TextShape 2"/>
+          <p:cNvSpPr txBox="1"/>
           <p:nvPr/>
         </p:nvSpPr>
         <p:spPr>
           <a:xfrm>
-            <a:off x="902519" y="4421640"/>
-            <a:ext cx="7013181" cy="955580"/>
+            <a:off x="122830" y="1811913"/>
+            <a:ext cx="10515240" cy="3428827"/>
           </a:xfrm>
           <a:prstGeom prst="rect">
             <a:avLst/>
@@ -9056,20 +10849,8 @@
             <a:noFill/>
           </a:ln>
         </p:spPr>
-        <p:style>
-          <a:lnRef idx="0">
-            <a:scrgbClr r="0" g="0" b="0"/>
-          </a:lnRef>
-          <a:fillRef idx="0">
-            <a:scrgbClr r="0" g="0" b="0"/>
-          </a:fillRef>
-          <a:effectRef idx="0">
-            <a:scrgbClr r="0" g="0" b="0"/>
-          </a:effectRef>
-          <a:fontRef idx="minor"/>
-        </p:style>
-        <p:txBody>
-          <a:bodyPr lIns="90000" tIns="45000" rIns="90000" bIns="45000"/>
+        <p:txBody>
+          <a:bodyPr/>
           <a:lstStyle/>
           <a:p>
             <a:pPr>
@@ -9087,11 +10868,111 @@
                     <a:srgbClr val="FFFFFF"/>
                   </a:solidFill>
                 </a:uFill>
-                <a:latin typeface="Calibri" panose="020F0502020204030204" pitchFamily="34" charset="0"/>
-                <a:cs typeface="Calibri" panose="020F0502020204030204" pitchFamily="34" charset="0"/>
-              </a:rPr>
-              <a:t>1: </a:t>
-            </a:r>
+                <a:latin typeface="Calibri"/>
+              </a:rPr>
+              <a:t>Web Services – SPRING INITIALIZR</a:t>
+            </a:r>
+            <a:endParaRPr lang="en-US" sz="2400" b="0" strike="noStrike" spc="-1" dirty="0">
+              <a:solidFill>
+                <a:srgbClr val="000000"/>
+              </a:solidFill>
+              <a:uFill>
+                <a:solidFill>
+                  <a:srgbClr val="FFFFFF"/>
+                </a:solidFill>
+              </a:uFill>
+              <a:latin typeface="Calibri"/>
+            </a:endParaRPr>
+          </a:p>
+          <a:p>
+            <a:pPr>
+              <a:lnSpc>
+                <a:spcPct val="100000"/>
+              </a:lnSpc>
+            </a:pPr>
+            <a:r>
+              <a:rPr lang="en-US" sz="2400" b="0" u="sng" strike="noStrike" spc="-1" dirty="0">
+                <a:solidFill>
+                  <a:srgbClr val="0563C1"/>
+                </a:solidFill>
+                <a:uFill>
+                  <a:solidFill>
+                    <a:srgbClr val="FFFFFF"/>
+                  </a:solidFill>
+                </a:uFill>
+                <a:latin typeface="Calibri"/>
+                <a:hlinkClick r:id="rId3"/>
+              </a:rPr>
+              <a:t>https://start.spring.io/</a:t>
+            </a:r>
+            <a:endParaRPr lang="en-US" sz="2400" b="0" strike="noStrike" spc="-1" dirty="0">
+              <a:solidFill>
+                <a:srgbClr val="000000"/>
+              </a:solidFill>
+              <a:uFill>
+                <a:solidFill>
+                  <a:srgbClr val="FFFFFF"/>
+                </a:solidFill>
+              </a:uFill>
+              <a:latin typeface="Calibri"/>
+            </a:endParaRPr>
+          </a:p>
+          <a:p>
+            <a:pPr>
+              <a:lnSpc>
+                <a:spcPct val="100000"/>
+              </a:lnSpc>
+            </a:pPr>
+            <a:endParaRPr lang="en-US" sz="2400" b="0" strike="noStrike" spc="-1" dirty="0">
+              <a:solidFill>
+                <a:srgbClr val="000000"/>
+              </a:solidFill>
+              <a:uFill>
+                <a:solidFill>
+                  <a:srgbClr val="FFFFFF"/>
+                </a:solidFill>
+              </a:uFill>
+              <a:latin typeface="Calibri"/>
+            </a:endParaRPr>
+          </a:p>
+          <a:p>
+            <a:pPr>
+              <a:lnSpc>
+                <a:spcPct val="100000"/>
+              </a:lnSpc>
+            </a:pPr>
+            <a:r>
+              <a:rPr lang="en-US" sz="2400" b="1" strike="noStrike" spc="-1" dirty="0">
+                <a:solidFill>
+                  <a:srgbClr val="000000"/>
+                </a:solidFill>
+                <a:uFill>
+                  <a:solidFill>
+                    <a:srgbClr val="FFFFFF"/>
+                  </a:solidFill>
+                </a:uFill>
+                <a:latin typeface="Calibri"/>
+              </a:rPr>
+              <a:t>Command line</a:t>
+            </a:r>
+            <a:endParaRPr lang="en-US" sz="2400" b="0" strike="noStrike" spc="-1" dirty="0">
+              <a:solidFill>
+                <a:srgbClr val="000000"/>
+              </a:solidFill>
+              <a:uFill>
+                <a:solidFill>
+                  <a:srgbClr val="FFFFFF"/>
+                </a:solidFill>
+              </a:uFill>
+              <a:latin typeface="Calibri"/>
+            </a:endParaRPr>
+          </a:p>
+          <a:p>
+            <a:pPr>
+              <a:lnSpc>
+                <a:spcPct val="100000"/>
+              </a:lnSpc>
+            </a:pPr>
             <a:r>
               <a:rPr lang="en-US" sz="2400" b="0" strike="noStrike" spc="-1" dirty="0">
                 <a:solidFill>
@@ -9102,11 +10983,35 @@
                     <a:srgbClr val="FFFFFF"/>
                   </a:solidFill>
                 </a:uFill>
-                <a:latin typeface="Calibri" panose="020F0502020204030204" pitchFamily="34" charset="0"/>
-                <a:cs typeface="Calibri" panose="020F0502020204030204" pitchFamily="34" charset="0"/>
-              </a:rPr>
-              <a:t>a simple Demo using Spring Script (Groovy)</a:t>
-            </a:r>
+                <a:latin typeface="Calibri"/>
+              </a:rPr>
+              <a:t>curl </a:t>
+            </a:r>
+            <a:r>
+              <a:rPr lang="en-US" sz="2400" b="0" strike="noStrike" spc="-1" dirty="0" err="1">
+                <a:solidFill>
+                  <a:srgbClr val="000000"/>
+                </a:solidFill>
+                <a:uFill>
+                  <a:solidFill>
+                    <a:srgbClr val="FFFFFF"/>
+                  </a:solidFill>
+                </a:uFill>
+                <a:latin typeface="Calibri"/>
+              </a:rPr>
+              <a:t>start.spring.io</a:t>
+            </a:r>
+            <a:endParaRPr lang="en-US" sz="2400" b="0" strike="noStrike" spc="-1" dirty="0">
+              <a:solidFill>
+                <a:srgbClr val="000000"/>
+              </a:solidFill>
+              <a:uFill>
+                <a:solidFill>
+                  <a:srgbClr val="FFFFFF"/>
+                </a:solidFill>
+              </a:uFill>
+              <a:latin typeface="Calibri"/>
+            </a:endParaRPr>
           </a:p>
           <a:p>
             <a:pPr>
@@ -9114,6 +11019,24 @@
                 <a:spcPct val="100000"/>
               </a:lnSpc>
             </a:pPr>
+            <a:endParaRPr lang="en-US" sz="2400" b="0" strike="noStrike" spc="-1" dirty="0">
+              <a:solidFill>
+                <a:srgbClr val="000000"/>
+              </a:solidFill>
+              <a:uFill>
+                <a:solidFill>
+                  <a:srgbClr val="FFFFFF"/>
+                </a:solidFill>
+              </a:uFill>
+              <a:latin typeface="Calibri"/>
+            </a:endParaRPr>
+          </a:p>
+          <a:p>
+            <a:pPr>
+              <a:lnSpc>
+                <a:spcPct val="100000"/>
+              </a:lnSpc>
+            </a:pPr>
             <a:r>
               <a:rPr lang="en-US" sz="2400" b="1" strike="noStrike" spc="-1" dirty="0">
                 <a:solidFill>
@@ -9124,56 +11047,89 @@
                     <a:srgbClr val="FFFFFF"/>
                   </a:solidFill>
                 </a:uFill>
-                <a:latin typeface="Calibri" panose="020F0502020204030204" pitchFamily="34" charset="0"/>
-                <a:cs typeface="Calibri" panose="020F0502020204030204" pitchFamily="34" charset="0"/>
-              </a:rPr>
-              <a:t>2:</a:t>
-            </a:r>
-            <a:r>
-              <a:rPr lang="en-US" sz="2400" b="0" strike="noStrike" spc="-1" dirty="0">
-                <a:solidFill>
-                  <a:srgbClr val="000000"/>
-                </a:solidFill>
-                <a:uFill>
-                  <a:solidFill>
-                    <a:srgbClr val="FFFFFF"/>
-                  </a:solidFill>
-                </a:uFill>
-                <a:latin typeface="Calibri" panose="020F0502020204030204" pitchFamily="34" charset="0"/>
-                <a:cs typeface="Calibri" panose="020F0502020204030204" pitchFamily="34" charset="0"/>
-              </a:rPr>
-              <a:t> a simple Demo </a:t>
-            </a:r>
-            <a:r>
-              <a:rPr lang="en-US" sz="2400" spc="-1" dirty="0">
-                <a:solidFill>
-                  <a:srgbClr val="000000"/>
-                </a:solidFill>
-                <a:uFill>
-                  <a:solidFill>
-                    <a:srgbClr val="FFFFFF"/>
-                  </a:solidFill>
-                </a:uFill>
-                <a:latin typeface="Calibri" panose="020F0502020204030204" pitchFamily="34" charset="0"/>
-                <a:cs typeface="Calibri" panose="020F0502020204030204" pitchFamily="34" charset="0"/>
-              </a:rPr>
-              <a:t>using </a:t>
-            </a:r>
-            <a:r>
-              <a:rPr lang="en-US" sz="2400" b="0" strike="noStrike" spc="-1" dirty="0">
-                <a:solidFill>
-                  <a:srgbClr val="000000"/>
-                </a:solidFill>
-                <a:uFill>
-                  <a:solidFill>
-                    <a:srgbClr val="FFFFFF"/>
-                  </a:solidFill>
-                </a:uFill>
-                <a:latin typeface="Calibri" panose="020F0502020204030204" pitchFamily="34" charset="0"/>
-                <a:cs typeface="Calibri" panose="020F0502020204030204" pitchFamily="34" charset="0"/>
-              </a:rPr>
-              <a:t>Java </a:t>
-            </a:r>
+                <a:latin typeface="Calibri"/>
+              </a:rPr>
+              <a:t>Spring Dashboard in Eclipse</a:t>
+            </a:r>
+            <a:endParaRPr lang="en-US" sz="2400" b="0" strike="noStrike" spc="-1" dirty="0">
+              <a:solidFill>
+                <a:srgbClr val="000000"/>
+              </a:solidFill>
+              <a:uFill>
+                <a:solidFill>
+                  <a:srgbClr val="FFFFFF"/>
+                </a:solidFill>
+              </a:uFill>
+              <a:latin typeface="Calibri"/>
+            </a:endParaRPr>
+          </a:p>
+          <a:p>
+            <a:pPr>
+              <a:lnSpc>
+                <a:spcPct val="100000"/>
+              </a:lnSpc>
+            </a:pPr>
+            <a:endParaRPr lang="en-US" sz="2400" b="0" strike="noStrike" spc="-1" dirty="0">
+              <a:solidFill>
+                <a:srgbClr val="000000"/>
+              </a:solidFill>
+              <a:uFill>
+                <a:solidFill>
+                  <a:srgbClr val="FFFFFF"/>
+                </a:solidFill>
+              </a:uFill>
+              <a:latin typeface="Calibri"/>
+            </a:endParaRPr>
+          </a:p>
+          <a:p>
+            <a:pPr>
+              <a:lnSpc>
+                <a:spcPct val="100000"/>
+              </a:lnSpc>
+            </a:pPr>
+            <a:r>
+              <a:rPr lang="en-US" sz="2400" b="1" strike="noStrike" spc="-1" dirty="0">
+                <a:solidFill>
+                  <a:srgbClr val="000000"/>
+                </a:solidFill>
+                <a:uFill>
+                  <a:solidFill>
+                    <a:srgbClr val="FFFFFF"/>
+                  </a:solidFill>
+                </a:uFill>
+                <a:latin typeface="Calibri"/>
+              </a:rPr>
+              <a:t>Spring Tool Suite (Eclipse)</a:t>
+            </a:r>
+            <a:endParaRPr lang="en-US" sz="2800" b="0" strike="noStrike" spc="-1" dirty="0">
+              <a:solidFill>
+                <a:srgbClr val="000000"/>
+              </a:solidFill>
+              <a:uFill>
+                <a:solidFill>
+                  <a:srgbClr val="FFFFFF"/>
+                </a:solidFill>
+              </a:uFill>
+              <a:latin typeface="Calibri"/>
+            </a:endParaRPr>
+          </a:p>
+          <a:p>
+            <a:pPr>
+              <a:lnSpc>
+                <a:spcPct val="100000"/>
+              </a:lnSpc>
+            </a:pPr>
+            <a:endParaRPr lang="en-US" sz="2800" b="0" strike="noStrike" spc="-1" dirty="0">
+              <a:solidFill>
+                <a:srgbClr val="000000"/>
+              </a:solidFill>
+              <a:uFill>
+                <a:solidFill>
+                  <a:srgbClr val="FFFFFF"/>
+                </a:solidFill>
+              </a:uFill>
+              <a:latin typeface="Calibri"/>
+            </a:endParaRPr>
           </a:p>
         </p:txBody>
       </p:sp>
@@ -9231,14 +11187,14 @@
       </p:grpSpPr>
       <p:sp>
         <p:nvSpPr>
-          <p:cNvPr id="99" name="TextShape 1"/>
+          <p:cNvPr id="97" name="TextShape 1"/>
           <p:cNvSpPr txBox="1"/>
           <p:nvPr/>
         </p:nvSpPr>
         <p:spPr>
           <a:xfrm>
-            <a:off x="182987" y="133028"/>
-            <a:ext cx="10515240" cy="1325160"/>
+            <a:off x="1523880" y="1122480"/>
+            <a:ext cx="9143640" cy="2387160"/>
           </a:xfrm>
           <a:prstGeom prst="rect">
             <a:avLst/>
@@ -9249,16 +11205,16 @@
           </a:ln>
         </p:spPr>
         <p:txBody>
-          <a:bodyPr anchor="ctr"/>
-          <a:lstStyle/>
-          <a:p>
-            <a:pPr>
-              <a:lnSpc>
-                <a:spcPct val="90000"/>
-              </a:lnSpc>
-            </a:pPr>
-            <a:r>
-              <a:rPr lang="en-US" sz="3200" b="1" strike="noStrike" spc="-1" dirty="0">
+          <a:bodyPr anchor="b"/>
+          <a:lstStyle/>
+          <a:p>
+            <a:pPr algn="ctr">
+              <a:lnSpc>
+                <a:spcPct val="100000"/>
+              </a:lnSpc>
+            </a:pPr>
+            <a:r>
+              <a:rPr lang="en-US" sz="6000" b="1" strike="noStrike" spc="-1" dirty="0">
                 <a:solidFill>
                   <a:srgbClr val="000000"/>
                 </a:solidFill>
@@ -9269,32 +11225,32 @@
                 </a:uFill>
                 <a:latin typeface="Calibri Light"/>
               </a:rPr>
-              <a:t>A Simple Spring Script (Groovy)</a:t>
-            </a:r>
-            <a:endParaRPr lang="en-US" sz="3200" b="0" strike="noStrike" spc="-1" dirty="0">
-              <a:solidFill>
-                <a:srgbClr val="000000"/>
-              </a:solidFill>
-              <a:uFill>
-                <a:solidFill>
-                  <a:srgbClr val="FFFFFF"/>
-                </a:solidFill>
-              </a:uFill>
-              <a:latin typeface="Calibri"/>
-            </a:endParaRPr>
-          </a:p>
-        </p:txBody>
-      </p:sp>
-      <p:sp>
-        <p:nvSpPr>
-          <p:cNvPr id="100" name="TextShape 2"/>
-          <p:cNvSpPr txBox="1"/>
+              <a:t>Demo</a:t>
+            </a:r>
+            <a:endParaRPr lang="en-US" sz="1800" b="0" strike="noStrike" spc="-1" dirty="0">
+              <a:solidFill>
+                <a:srgbClr val="000000"/>
+              </a:solidFill>
+              <a:uFill>
+                <a:solidFill>
+                  <a:srgbClr val="FFFFFF"/>
+                </a:solidFill>
+              </a:uFill>
+              <a:latin typeface="Calibri"/>
+            </a:endParaRPr>
+          </a:p>
+        </p:txBody>
+      </p:sp>
+      <p:sp>
+        <p:nvSpPr>
+          <p:cNvPr id="98" name="CustomShape 2"/>
+          <p:cNvSpPr/>
           <p:nvPr/>
         </p:nvSpPr>
         <p:spPr>
           <a:xfrm>
-            <a:off x="182987" y="1458188"/>
-            <a:ext cx="11704213" cy="4097570"/>
+            <a:off x="902519" y="4421640"/>
+            <a:ext cx="7013181" cy="955580"/>
           </a:xfrm>
           <a:prstGeom prst="rect">
             <a:avLst/>
@@ -9304,8 +11260,20 @@
             <a:noFill/>
           </a:ln>
         </p:spPr>
-        <p:txBody>
-          <a:bodyPr/>
+        <p:style>
+          <a:lnRef idx="0">
+            <a:scrgbClr r="0" g="0" b="0"/>
+          </a:lnRef>
+          <a:fillRef idx="0">
+            <a:scrgbClr r="0" g="0" b="0"/>
+          </a:fillRef>
+          <a:effectRef idx="0">
+            <a:scrgbClr r="0" g="0" b="0"/>
+          </a:effectRef>
+          <a:fontRef idx="minor"/>
+        </p:style>
+        <p:txBody>
+          <a:bodyPr lIns="90000" tIns="45000" rIns="90000" bIns="45000"/>
           <a:lstStyle/>
           <a:p>
             <a:pPr>
@@ -9314,6 +11282,73 @@
               </a:lnSpc>
             </a:pPr>
             <a:r>
+              <a:rPr lang="en-US" sz="2400" b="1" strike="noStrike" spc="-1" dirty="0">
+                <a:solidFill>
+                  <a:srgbClr val="000000"/>
+                </a:solidFill>
+                <a:uFill>
+                  <a:solidFill>
+                    <a:srgbClr val="FFFFFF"/>
+                  </a:solidFill>
+                </a:uFill>
+                <a:latin typeface="Calibri" panose="020F0502020204030204" pitchFamily="34" charset="0"/>
+                <a:cs typeface="Calibri" panose="020F0502020204030204" pitchFamily="34" charset="0"/>
+              </a:rPr>
+              <a:t>1: </a:t>
+            </a:r>
+            <a:r>
+              <a:rPr lang="en-US" sz="2400" b="0" strike="noStrike" spc="-1" dirty="0">
+                <a:solidFill>
+                  <a:srgbClr val="000000"/>
+                </a:solidFill>
+                <a:uFill>
+                  <a:solidFill>
+                    <a:srgbClr val="FFFFFF"/>
+                  </a:solidFill>
+                </a:uFill>
+                <a:latin typeface="Calibri" panose="020F0502020204030204" pitchFamily="34" charset="0"/>
+                <a:cs typeface="Calibri" panose="020F0502020204030204" pitchFamily="34" charset="0"/>
+              </a:rPr>
+              <a:t>a simple Demo using Spring Script (Groovy)</a:t>
+            </a:r>
+          </a:p>
+          <a:p>
+            <a:pPr>
+              <a:lnSpc>
+                <a:spcPct val="100000"/>
+              </a:lnSpc>
+            </a:pPr>
+            <a:r>
+              <a:rPr lang="en-US" sz="2400" b="1" strike="noStrike" spc="-1" dirty="0">
+                <a:solidFill>
+                  <a:srgbClr val="000000"/>
+                </a:solidFill>
+                <a:uFill>
+                  <a:solidFill>
+                    <a:srgbClr val="FFFFFF"/>
+                  </a:solidFill>
+                </a:uFill>
+                <a:latin typeface="Calibri" panose="020F0502020204030204" pitchFamily="34" charset="0"/>
+                <a:cs typeface="Calibri" panose="020F0502020204030204" pitchFamily="34" charset="0"/>
+              </a:rPr>
+              <a:t>2:</a:t>
+            </a:r>
+            <a:r>
+              <a:rPr lang="en-US" sz="2400" b="0" strike="noStrike" spc="-1" dirty="0">
+                <a:solidFill>
+                  <a:srgbClr val="000000"/>
+                </a:solidFill>
+                <a:uFill>
+                  <a:solidFill>
+                    <a:srgbClr val="FFFFFF"/>
+                  </a:solidFill>
+                </a:uFill>
+                <a:latin typeface="Calibri" panose="020F0502020204030204" pitchFamily="34" charset="0"/>
+                <a:cs typeface="Calibri" panose="020F0502020204030204" pitchFamily="34" charset="0"/>
+              </a:rPr>
+              <a:t> a simple Demo </a:t>
+            </a:r>
+            <a:r>
               <a:rPr lang="en-US" sz="2400" spc="-1" dirty="0">
                 <a:solidFill>
                   <a:srgbClr val="000000"/>
@@ -9323,197 +11358,26 @@
                     <a:srgbClr val="FFFFFF"/>
                   </a:solidFill>
                 </a:uFill>
-                <a:latin typeface="Calibri"/>
-              </a:rPr>
-              <a:t>This first demo consists in create two Groovy scripts (also know as Spring Script) using Spring Boot CLI. Spring Boot CLI is a command-line abstraction that allows us to easily run Spring microservices expressed as Groovy scripts.</a:t>
-            </a:r>
-          </a:p>
-          <a:p>
-            <a:pPr>
-              <a:lnSpc>
-                <a:spcPct val="100000"/>
-              </a:lnSpc>
-            </a:pPr>
-            <a:endParaRPr lang="en-US" sz="2800" b="1" spc="-1" dirty="0">
-              <a:solidFill>
-                <a:srgbClr val="000000"/>
-              </a:solidFill>
-              <a:uFill>
-                <a:solidFill>
-                  <a:srgbClr val="FFFFFF"/>
-                </a:solidFill>
-              </a:uFill>
-              <a:latin typeface="Calibri"/>
-            </a:endParaRPr>
-          </a:p>
-          <a:p>
-            <a:pPr>
-              <a:lnSpc>
-                <a:spcPct val="100000"/>
-              </a:lnSpc>
-            </a:pPr>
-            <a:r>
-              <a:rPr lang="en-US" sz="2800" b="1" strike="noStrike" spc="-1" dirty="0">
-                <a:solidFill>
-                  <a:srgbClr val="000000"/>
-                </a:solidFill>
-                <a:uFill>
-                  <a:solidFill>
-                    <a:srgbClr val="FFFFFF"/>
-                  </a:solidFill>
-                </a:uFill>
-                <a:latin typeface="Calibri"/>
-              </a:rPr>
-              <a:t>1. </a:t>
-            </a:r>
-            <a:r>
-              <a:rPr lang="en-US" sz="2800" b="1" strike="noStrike" spc="-1" dirty="0" err="1">
-                <a:solidFill>
-                  <a:srgbClr val="000000"/>
-                </a:solidFill>
-                <a:uFill>
-                  <a:solidFill>
-                    <a:srgbClr val="FFFFFF"/>
-                  </a:solidFill>
-                </a:uFill>
-                <a:latin typeface="Calibri"/>
-              </a:rPr>
-              <a:t>helloworld.groovy</a:t>
-            </a:r>
-            <a:endParaRPr lang="en-US" sz="2800" b="0" strike="noStrike" spc="-1" dirty="0">
-              <a:solidFill>
-                <a:srgbClr val="000000"/>
-              </a:solidFill>
-              <a:uFill>
-                <a:solidFill>
-                  <a:srgbClr val="FFFFFF"/>
-                </a:solidFill>
-              </a:uFill>
-              <a:latin typeface="Calibri"/>
-            </a:endParaRPr>
-          </a:p>
-          <a:p>
-            <a:pPr>
-              <a:lnSpc>
-                <a:spcPct val="100000"/>
-              </a:lnSpc>
-            </a:pPr>
-            <a:r>
-              <a:rPr lang="en-US" sz="2400" spc="-1" dirty="0">
-                <a:solidFill>
-                  <a:srgbClr val="000000"/>
-                </a:solidFill>
-                <a:uFill>
-                  <a:solidFill>
-                    <a:srgbClr val="FFFFFF"/>
-                  </a:solidFill>
-                </a:uFill>
-                <a:latin typeface="Calibri"/>
-              </a:rPr>
-              <a:t>A simple microservice that will show the message “Hello World!” in the browser.</a:t>
-            </a:r>
-            <a:endParaRPr lang="en-US" sz="2800" b="1" strike="noStrike" spc="-1" dirty="0">
-              <a:solidFill>
-                <a:srgbClr val="000000"/>
-              </a:solidFill>
-              <a:uFill>
-                <a:solidFill>
-                  <a:srgbClr val="FFFFFF"/>
-                </a:solidFill>
-              </a:uFill>
-              <a:latin typeface="Calibri"/>
-            </a:endParaRPr>
-          </a:p>
-          <a:p>
-            <a:pPr>
-              <a:lnSpc>
-                <a:spcPct val="100000"/>
-              </a:lnSpc>
-            </a:pPr>
-            <a:endParaRPr lang="en-US" sz="2800" b="1" strike="noStrike" spc="-1" dirty="0">
-              <a:solidFill>
-                <a:srgbClr val="000000"/>
-              </a:solidFill>
-              <a:uFill>
-                <a:solidFill>
-                  <a:srgbClr val="FFFFFF"/>
-                </a:solidFill>
-              </a:uFill>
-              <a:latin typeface="Calibri"/>
-            </a:endParaRPr>
-          </a:p>
-          <a:p>
-            <a:pPr>
-              <a:lnSpc>
-                <a:spcPct val="100000"/>
-              </a:lnSpc>
-            </a:pPr>
-            <a:r>
-              <a:rPr lang="en-US" sz="2800" b="1" strike="noStrike" spc="-1" dirty="0">
-                <a:solidFill>
-                  <a:srgbClr val="000000"/>
-                </a:solidFill>
-                <a:uFill>
-                  <a:solidFill>
-                    <a:srgbClr val="FFFFFF"/>
-                  </a:solidFill>
-                </a:uFill>
-                <a:latin typeface="Calibri"/>
-              </a:rPr>
-              <a:t>2. </a:t>
-            </a:r>
-            <a:r>
-              <a:rPr lang="en-US" sz="2800" b="1" strike="noStrike" spc="-1" dirty="0" err="1">
-                <a:solidFill>
-                  <a:srgbClr val="000000"/>
-                </a:solidFill>
-                <a:uFill>
-                  <a:solidFill>
-                    <a:srgbClr val="FFFFFF"/>
-                  </a:solidFill>
-                </a:uFill>
-                <a:latin typeface="Calibri"/>
-              </a:rPr>
-              <a:t>hellouser.groovy</a:t>
-            </a:r>
-            <a:endParaRPr lang="en-US" sz="2800" b="1" strike="noStrike" spc="-1" dirty="0">
-              <a:solidFill>
-                <a:srgbClr val="000000"/>
-              </a:solidFill>
-              <a:uFill>
-                <a:solidFill>
-                  <a:srgbClr val="FFFFFF"/>
-                </a:solidFill>
-              </a:uFill>
-              <a:latin typeface="Calibri"/>
-            </a:endParaRPr>
-          </a:p>
-          <a:p>
-            <a:r>
-              <a:rPr lang="en-US" sz="2400" spc="-1" dirty="0">
-                <a:solidFill>
-                  <a:srgbClr val="000000"/>
-                </a:solidFill>
-                <a:uFill>
-                  <a:solidFill>
-                    <a:srgbClr val="FFFFFF"/>
-                  </a:solidFill>
-                </a:uFill>
-                <a:latin typeface="Calibri"/>
-              </a:rPr>
-              <a:t>A simple microservice that will show the message “Hello [user]!” in the browser. [user] will be a variable passed by parameter in our microservice.</a:t>
-            </a:r>
-            <a:endParaRPr lang="en-US" sz="2400" b="0" strike="noStrike" spc="-1" dirty="0">
-              <a:solidFill>
-                <a:srgbClr val="000000"/>
-              </a:solidFill>
-              <a:uFill>
-                <a:solidFill>
-                  <a:srgbClr val="FFFFFF"/>
-                </a:solidFill>
-              </a:uFill>
-              <a:latin typeface="Calibri"/>
-            </a:endParaRPr>
+                <a:latin typeface="Calibri" panose="020F0502020204030204" pitchFamily="34" charset="0"/>
+                <a:cs typeface="Calibri" panose="020F0502020204030204" pitchFamily="34" charset="0"/>
+              </a:rPr>
+              <a:t>using </a:t>
+            </a:r>
+            <a:r>
+              <a:rPr lang="en-US" sz="2400" b="0" strike="noStrike" spc="-1" dirty="0">
+                <a:solidFill>
+                  <a:srgbClr val="000000"/>
+                </a:solidFill>
+                <a:uFill>
+                  <a:solidFill>
+                    <a:srgbClr val="FFFFFF"/>
+                  </a:solidFill>
+                </a:uFill>
+                <a:latin typeface="Calibri" panose="020F0502020204030204" pitchFamily="34" charset="0"/>
+                <a:cs typeface="Calibri" panose="020F0502020204030204" pitchFamily="34" charset="0"/>
+              </a:rPr>
+              <a:t>Java </a:t>
+            </a:r>
           </a:p>
         </p:txBody>
       </p:sp>
@@ -9571,13 +11435,13 @@
       </p:grpSpPr>
       <p:sp>
         <p:nvSpPr>
-          <p:cNvPr id="101" name="TextShape 1"/>
+          <p:cNvPr id="99" name="TextShape 1"/>
           <p:cNvSpPr txBox="1"/>
           <p:nvPr/>
         </p:nvSpPr>
         <p:spPr>
           <a:xfrm>
-            <a:off x="251226" y="146676"/>
+            <a:off x="182987" y="133028"/>
             <a:ext cx="10515240" cy="1325160"/>
           </a:xfrm>
           <a:prstGeom prst="rect">
@@ -9609,7 +11473,7 @@
                 </a:uFill>
                 <a:latin typeface="Calibri Light"/>
               </a:rPr>
-              <a:t>A Simple Java Application</a:t>
+              <a:t>A Simple Spring Script (Groovy)</a:t>
             </a:r>
             <a:endParaRPr lang="en-US" sz="3200" b="0" strike="noStrike" spc="-1" dirty="0">
               <a:solidFill>
@@ -9627,14 +11491,14 @@
       </p:sp>
       <p:sp>
         <p:nvSpPr>
-          <p:cNvPr id="102" name="TextShape 2"/>
+          <p:cNvPr id="100" name="TextShape 2"/>
           <p:cNvSpPr txBox="1"/>
           <p:nvPr/>
         </p:nvSpPr>
         <p:spPr>
           <a:xfrm>
-            <a:off x="428645" y="1581018"/>
-            <a:ext cx="11267486" cy="2513310"/>
+            <a:off x="182987" y="1458188"/>
+            <a:ext cx="11704213" cy="2552109"/>
           </a:xfrm>
           <a:prstGeom prst="rect">
             <a:avLst/>
@@ -9648,8 +11512,13 @@
           <a:bodyPr/>
           <a:lstStyle/>
           <a:p>
-            <a:r>
-              <a:rPr lang="en-US" sz="2800" spc="-1" dirty="0">
+            <a:pPr algn="just">
+              <a:lnSpc>
+                <a:spcPct val="100000"/>
+              </a:lnSpc>
+            </a:pPr>
+            <a:r>
+              <a:rPr lang="en-US" sz="2400" spc="-1" dirty="0">
                 <a:solidFill>
                   <a:srgbClr val="000000"/>
                 </a:solidFill>
@@ -9660,51 +11529,35 @@
                 </a:uFill>
                 <a:latin typeface="Calibri"/>
               </a:rPr>
-              <a:t>This second demo consists in create a simple web application using Java.</a:t>
-            </a:r>
-          </a:p>
-          <a:p>
-            <a:endParaRPr lang="en-US" sz="2800" spc="-1" dirty="0">
-              <a:solidFill>
-                <a:srgbClr val="000000"/>
-              </a:solidFill>
-              <a:uFill>
-                <a:solidFill>
-                  <a:srgbClr val="FFFFFF"/>
-                </a:solidFill>
-              </a:uFill>
-              <a:latin typeface="Calibri"/>
-            </a:endParaRPr>
-          </a:p>
-          <a:p>
-            <a:endParaRPr lang="en-US" sz="2800" spc="-1" dirty="0">
-              <a:solidFill>
-                <a:srgbClr val="000000"/>
-              </a:solidFill>
-              <a:uFill>
-                <a:solidFill>
-                  <a:srgbClr val="FFFFFF"/>
-                </a:solidFill>
-              </a:uFill>
-              <a:latin typeface="Calibri"/>
-            </a:endParaRPr>
-          </a:p>
-          <a:p>
-            <a:endParaRPr lang="en-US" sz="2800" spc="-1" dirty="0">
-              <a:solidFill>
-                <a:srgbClr val="000000"/>
-              </a:solidFill>
-              <a:uFill>
-                <a:solidFill>
-                  <a:srgbClr val="FFFFFF"/>
-                </a:solidFill>
-              </a:uFill>
-              <a:latin typeface="Calibri"/>
-            </a:endParaRPr>
-          </a:p>
-          <a:p>
-            <a:r>
-              <a:rPr lang="en-US" sz="2800" spc="-1" dirty="0">
+              <a:t>This first demo consists in create a simple Groovy script (or a Spring Script) using Spring Boot CLI. Spring Boot CLI is a command-line abstraction that allows us to easily run Spring microservices expressed as Groovy scripts.</a:t>
+            </a:r>
+          </a:p>
+          <a:p>
+            <a:pPr>
+              <a:lnSpc>
+                <a:spcPct val="100000"/>
+              </a:lnSpc>
+            </a:pPr>
+            <a:endParaRPr lang="en-US" sz="2800" b="1" spc="-1" dirty="0">
+              <a:solidFill>
+                <a:srgbClr val="000000"/>
+              </a:solidFill>
+              <a:uFill>
+                <a:solidFill>
+                  <a:srgbClr val="FFFFFF"/>
+                </a:solidFill>
+              </a:uFill>
+              <a:latin typeface="Calibri"/>
+            </a:endParaRPr>
+          </a:p>
+          <a:p>
+            <a:pPr>
+              <a:lnSpc>
+                <a:spcPct val="100000"/>
+              </a:lnSpc>
+            </a:pPr>
+            <a:r>
+              <a:rPr lang="en-US" sz="2800" b="1" strike="noStrike" spc="-1" dirty="0">
                 <a:solidFill>
                   <a:srgbClr val="000000"/>
                 </a:solidFill>
@@ -9715,8 +11568,33 @@
                 </a:uFill>
                 <a:latin typeface="Calibri"/>
               </a:rPr>
-              <a:t>two Groovy scripts (also know as Spring Script) using Spring Boot CLI. Spring Boot CLI is a command-line abstraction that allows us to easily run Spring microservices expressed as Groovy scripts.</a:t>
-            </a:r>
+              <a:t>1. </a:t>
+            </a:r>
+            <a:r>
+              <a:rPr lang="en-US" sz="2800" b="1" strike="noStrike" spc="-1" dirty="0" err="1">
+                <a:solidFill>
+                  <a:srgbClr val="000000"/>
+                </a:solidFill>
+                <a:uFill>
+                  <a:solidFill>
+                    <a:srgbClr val="FFFFFF"/>
+                  </a:solidFill>
+                </a:uFill>
+                <a:latin typeface="Calibri"/>
+              </a:rPr>
+              <a:t>hello.groovy</a:t>
+            </a:r>
+            <a:endParaRPr lang="en-US" sz="2800" b="0" strike="noStrike" spc="-1" dirty="0">
+              <a:solidFill>
+                <a:srgbClr val="000000"/>
+              </a:solidFill>
+              <a:uFill>
+                <a:solidFill>
+                  <a:srgbClr val="FFFFFF"/>
+                </a:solidFill>
+              </a:uFill>
+              <a:latin typeface="Calibri"/>
+            </a:endParaRPr>
           </a:p>
           <a:p>
             <a:pPr>
@@ -9724,43 +11602,90 @@
                 <a:spcPct val="100000"/>
               </a:lnSpc>
             </a:pPr>
-            <a:endParaRPr lang="en-US" sz="2800" b="0" strike="noStrike" spc="-1" dirty="0">
-              <a:solidFill>
-                <a:srgbClr val="000000"/>
-              </a:solidFill>
-              <a:uFill>
-                <a:solidFill>
-                  <a:srgbClr val="FFFFFF"/>
-                </a:solidFill>
-              </a:uFill>
-              <a:latin typeface="Calibri"/>
-            </a:endParaRPr>
-          </a:p>
-        </p:txBody>
-      </p:sp>
-      <p:pic>
-        <p:nvPicPr>
-          <p:cNvPr id="103" name="Picture 102"/>
-          <p:cNvPicPr/>
-          <p:nvPr/>
-        </p:nvPicPr>
-        <p:blipFill>
-          <a:blip r:embed="rId3"/>
-          <a:stretch/>
-        </p:blipFill>
-        <p:spPr>
-          <a:xfrm>
-            <a:off x="6905767" y="2906178"/>
-            <a:ext cx="4952520" cy="3142800"/>
-          </a:xfrm>
-          <a:prstGeom prst="rect">
-            <a:avLst/>
-          </a:prstGeom>
-          <a:ln>
-            <a:noFill/>
-          </a:ln>
-        </p:spPr>
-      </p:pic>
+            <a:r>
+              <a:rPr lang="en-US" sz="2400" spc="-1" dirty="0">
+                <a:solidFill>
+                  <a:srgbClr val="000000"/>
+                </a:solidFill>
+                <a:uFill>
+                  <a:solidFill>
+                    <a:srgbClr val="FFFFFF"/>
+                  </a:solidFill>
+                </a:uFill>
+                <a:latin typeface="Calibri"/>
+              </a:rPr>
+              <a:t>A simple microservice </a:t>
+            </a:r>
+            <a:r>
+              <a:rPr lang="en-US" sz="2400" i="1" spc="-1" dirty="0">
+                <a:solidFill>
+                  <a:srgbClr val="000000"/>
+                </a:solidFill>
+                <a:uFill>
+                  <a:solidFill>
+                    <a:srgbClr val="FFFFFF"/>
+                  </a:solidFill>
+                </a:uFill>
+                <a:latin typeface="Calibri"/>
+              </a:rPr>
+              <a:t>@</a:t>
+            </a:r>
+            <a:r>
+              <a:rPr lang="en-US" sz="2400" i="1" spc="-1" dirty="0" err="1">
+                <a:solidFill>
+                  <a:srgbClr val="000000"/>
+                </a:solidFill>
+                <a:uFill>
+                  <a:solidFill>
+                    <a:srgbClr val="FFFFFF"/>
+                  </a:solidFill>
+                </a:uFill>
+                <a:latin typeface="Calibri"/>
+              </a:rPr>
+              <a:t>RestController</a:t>
+            </a:r>
+            <a:r>
+              <a:rPr lang="en-US" sz="2400" spc="-1" dirty="0">
+                <a:solidFill>
+                  <a:srgbClr val="000000"/>
+                </a:solidFill>
+                <a:uFill>
+                  <a:solidFill>
+                    <a:srgbClr val="FFFFFF"/>
+                  </a:solidFill>
+                </a:uFill>
+                <a:latin typeface="Calibri"/>
+              </a:rPr>
+              <a:t> with two methods: hello and </a:t>
+            </a:r>
+            <a:r>
+              <a:rPr lang="en-US" sz="2400" spc="-1" dirty="0" err="1">
+                <a:solidFill>
+                  <a:srgbClr val="000000"/>
+                </a:solidFill>
+                <a:uFill>
+                  <a:solidFill>
+                    <a:srgbClr val="FFFFFF"/>
+                  </a:solidFill>
+                </a:uFill>
+                <a:latin typeface="Calibri"/>
+              </a:rPr>
+              <a:t>helloUser</a:t>
+            </a:r>
+            <a:endParaRPr lang="en-US" sz="2800" b="1" strike="noStrike" spc="-1" dirty="0">
+              <a:solidFill>
+                <a:srgbClr val="000000"/>
+              </a:solidFill>
+              <a:uFill>
+                <a:solidFill>
+                  <a:srgbClr val="FFFFFF"/>
+                </a:solidFill>
+              </a:uFill>
+              <a:latin typeface="Calibri"/>
+            </a:endParaRPr>
+          </a:p>
+        </p:txBody>
+      </p:sp>
     </p:spTree>
   </p:cSld>
   <p:clrMapOvr>
